--- a/PM-DOCS/Apresentação Release 2 BPAD.pptx
+++ b/PM-DOCS/Apresentação Release 2 BPAD.pptx
@@ -2,7 +2,7 @@
 <file path=ppt/presentation.xml><?xml version="1.0" encoding="utf-8"?>
 <p:presentation xmlns:a="http://schemas.openxmlformats.org/drawingml/2006/main" xmlns:r="http://schemas.openxmlformats.org/officeDocument/2006/relationships" xmlns:p="http://schemas.openxmlformats.org/presentationml/2006/main" saveSubsetFonts="1">
   <p:sldMasterIdLst>
-    <p:sldMasterId id="2147483648" r:id="rId1"/>
+    <p:sldMasterId id="2147483660" r:id="rId1"/>
   </p:sldMasterIdLst>
   <p:notesMasterIdLst>
     <p:notesMasterId r:id="rId17"/>
@@ -206,6 +206,7 @@
           <a:p>
             <a:fld id="{2C635B9D-E8A4-46CB-A58A-BF1CF72C4CF1}" type="datetimeFigureOut">
               <a:rPr lang="pt-BR" smtClean="0"/>
+              <a:pPr/>
               <a:t>13/11/2008</a:t>
             </a:fld>
             <a:endParaRPr lang="pt-BR"/>
@@ -367,6 +368,7 @@
           <a:p>
             <a:fld id="{68F7689B-D446-442D-BD1C-4962975FD66F}" type="slidenum">
               <a:rPr lang="pt-BR" smtClean="0"/>
+              <a:pPr/>
               <a:t>‹nº›</a:t>
             </a:fld>
             <a:endParaRPr lang="pt-BR"/>
@@ -472,7 +474,7 @@
 </file>
 
 <file path=ppt/slideLayouts/slideLayout1.xml><?xml version="1.0" encoding="utf-8"?>
-<p:sldLayout xmlns:a="http://schemas.openxmlformats.org/drawingml/2006/main" xmlns:r="http://schemas.openxmlformats.org/officeDocument/2006/relationships" xmlns:p="http://schemas.openxmlformats.org/presentationml/2006/main" type="title" preserve="1">
+<p:sldLayout xmlns:a="http://schemas.openxmlformats.org/drawingml/2006/main" xmlns:r="http://schemas.openxmlformats.org/officeDocument/2006/relationships" xmlns:p="http://schemas.openxmlformats.org/presentationml/2006/main" showMasterSp="0" type="title" preserve="1">
   <p:cSld name="Slide de título">
     <p:spTree>
       <p:nvGrpSpPr>
@@ -490,7 +492,79 @@
       </p:grpSpPr>
       <p:sp>
         <p:nvSpPr>
-          <p:cNvPr id="2" name="Título 1"/>
+          <p:cNvPr id="10" name="Triângulo retângulo 9"/>
+          <p:cNvSpPr/>
+          <p:nvPr/>
+        </p:nvSpPr>
+        <p:spPr>
+          <a:xfrm>
+            <a:off x="-2" y="4664147"/>
+            <a:ext cx="9151089" cy="0"/>
+          </a:xfrm>
+          <a:prstGeom prst="rtTriangle">
+            <a:avLst/>
+          </a:prstGeom>
+          <a:gradFill flip="none" rotWithShape="1">
+            <a:gsLst>
+              <a:gs pos="0">
+                <a:schemeClr val="accent1">
+                  <a:shade val="35000"/>
+                  <a:satMod val="170000"/>
+                  <a:alpha val="100000"/>
+                </a:schemeClr>
+              </a:gs>
+              <a:gs pos="55000">
+                <a:schemeClr val="accent1">
+                  <a:tint val="90000"/>
+                  <a:satMod val="150000"/>
+                  <a:alpha val="100000"/>
+                </a:schemeClr>
+              </a:gs>
+              <a:gs pos="100000">
+                <a:schemeClr val="accent1">
+                  <a:shade val="35000"/>
+                  <a:satMod val="170000"/>
+                  <a:alpha val="100000"/>
+                </a:schemeClr>
+              </a:gs>
+            </a:gsLst>
+            <a:lin ang="3000000" scaled="1"/>
+            <a:tileRect/>
+          </a:gradFill>
+          <a:ln w="12700" cap="rnd" cmpd="thickThin" algn="ctr">
+            <a:noFill/>
+            <a:prstDash val="solid"/>
+          </a:ln>
+          <a:effectLst/>
+        </p:spPr>
+        <p:style>
+          <a:lnRef idx="3">
+            <a:schemeClr val="lt1"/>
+          </a:lnRef>
+          <a:fillRef idx="1">
+            <a:schemeClr val="accent1"/>
+          </a:fillRef>
+          <a:effectRef idx="1">
+            <a:schemeClr val="accent1"/>
+          </a:effectRef>
+          <a:fontRef idx="minor">
+            <a:schemeClr val="lt1"/>
+          </a:fontRef>
+        </p:style>
+        <p:txBody>
+          <a:bodyPr anchor="ctr"/>
+          <a:lstStyle>
+            <a:extLst/>
+          </a:lstStyle>
+          <a:p>
+            <a:pPr algn="ctr" eaLnBrk="1" latinLnBrk="0" hangingPunct="1"/>
+            <a:endParaRPr kumimoji="0" lang="en-US"/>
+          </a:p>
+        </p:txBody>
+      </p:sp>
+      <p:sp>
+        <p:nvSpPr>
+          <p:cNvPr id="9" name="Título 8"/>
           <p:cNvSpPr>
             <a:spLocks noGrp="1"/>
           </p:cNvSpPr>
@@ -500,25 +574,50 @@
         </p:nvSpPr>
         <p:spPr>
           <a:xfrm>
-            <a:off x="685800" y="2130425"/>
-            <a:ext cx="7772400" cy="1470025"/>
-          </a:xfrm>
-        </p:spPr>
-        <p:txBody>
-          <a:bodyPr/>
-          <a:lstStyle/>
-          <a:p>
-            <a:r>
-              <a:rPr lang="pt-BR" smtClean="0"/>
+            <a:off x="685800" y="1752601"/>
+            <a:ext cx="7772400" cy="1829761"/>
+          </a:xfrm>
+        </p:spPr>
+        <p:txBody>
+          <a:bodyPr vert="horz" anchor="b">
+            <a:normAutofit/>
+            <a:scene3d>
+              <a:camera prst="orthographicFront"/>
+              <a:lightRig rig="soft" dir="t"/>
+            </a:scene3d>
+            <a:sp3d prstMaterial="softEdge">
+              <a:bevelT w="25400" h="25400"/>
+            </a:sp3d>
+          </a:bodyPr>
+          <a:lstStyle>
+            <a:lvl1pPr algn="r">
+              <a:defRPr sz="4800" b="1">
+                <a:solidFill>
+                  <a:schemeClr val="tx2"/>
+                </a:solidFill>
+                <a:effectLst>
+                  <a:outerShdw blurRad="31750" dist="25400" dir="5400000" algn="tl" rotWithShape="0">
+                    <a:srgbClr val="000000">
+                      <a:alpha val="25000"/>
+                    </a:srgbClr>
+                  </a:outerShdw>
+                </a:effectLst>
+              </a:defRPr>
+            </a:lvl1pPr>
+            <a:extLst/>
+          </a:lstStyle>
+          <a:p>
+            <a:r>
+              <a:rPr kumimoji="0" lang="pt-BR" smtClean="0"/>
               <a:t>Clique para editar o estilo do título mestre</a:t>
             </a:r>
-            <a:endParaRPr lang="pt-BR"/>
-          </a:p>
-        </p:txBody>
-      </p:sp>
-      <p:sp>
-        <p:nvSpPr>
-          <p:cNvPr id="3" name="Subtítulo 2"/>
+            <a:endParaRPr kumimoji="0" lang="en-US"/>
+          </a:p>
+        </p:txBody>
+      </p:sp>
+      <p:sp>
+        <p:nvSpPr>
+          <p:cNvPr id="17" name="Subtítulo 16"/>
           <p:cNvSpPr>
             <a:spLocks noGrp="1"/>
           </p:cNvSpPr>
@@ -528,169 +627,537 @@
         </p:nvSpPr>
         <p:spPr>
           <a:xfrm>
-            <a:off x="1371600" y="3886200"/>
-            <a:ext cx="6400800" cy="1752600"/>
-          </a:xfrm>
-        </p:spPr>
-        <p:txBody>
-          <a:bodyPr/>
+            <a:off x="685800" y="3611607"/>
+            <a:ext cx="7772400" cy="1199704"/>
+          </a:xfrm>
+        </p:spPr>
+        <p:txBody>
+          <a:bodyPr lIns="45720" rIns="45720"/>
           <a:lstStyle>
-            <a:lvl1pPr marL="0" indent="0" algn="ctr">
+            <a:lvl1pPr marL="0" marR="64008" indent="0" algn="r">
               <a:buNone/>
               <a:defRPr>
                 <a:solidFill>
-                  <a:schemeClr val="tx1">
-                    <a:tint val="75000"/>
-                  </a:schemeClr>
+                  <a:schemeClr val="tx2"/>
                 </a:solidFill>
               </a:defRPr>
             </a:lvl1pPr>
             <a:lvl2pPr marL="457200" indent="0" algn="ctr">
               <a:buNone/>
+            </a:lvl2pPr>
+            <a:lvl3pPr marL="914400" indent="0" algn="ctr">
+              <a:buNone/>
+            </a:lvl3pPr>
+            <a:lvl4pPr marL="1371600" indent="0" algn="ctr">
+              <a:buNone/>
+            </a:lvl4pPr>
+            <a:lvl5pPr marL="1828800" indent="0" algn="ctr">
+              <a:buNone/>
+            </a:lvl5pPr>
+            <a:lvl6pPr marL="2286000" indent="0" algn="ctr">
+              <a:buNone/>
+            </a:lvl6pPr>
+            <a:lvl7pPr marL="2743200" indent="0" algn="ctr">
+              <a:buNone/>
+            </a:lvl7pPr>
+            <a:lvl8pPr marL="3200400" indent="0" algn="ctr">
+              <a:buNone/>
+            </a:lvl8pPr>
+            <a:lvl9pPr marL="3657600" indent="0" algn="ctr">
+              <a:buNone/>
+            </a:lvl9pPr>
+            <a:extLst/>
+          </a:lstStyle>
+          <a:p>
+            <a:r>
+              <a:rPr kumimoji="0" lang="pt-BR" smtClean="0"/>
+              <a:t>Clique para editar o estilo do subtítulo mestre</a:t>
+            </a:r>
+            <a:endParaRPr kumimoji="0" lang="en-US"/>
+          </a:p>
+        </p:txBody>
+      </p:sp>
+      <p:grpSp>
+        <p:nvGrpSpPr>
+          <p:cNvPr id="2" name="Grupo 1"/>
+          <p:cNvGrpSpPr/>
+          <p:nvPr/>
+        </p:nvGrpSpPr>
+        <p:grpSpPr>
+          <a:xfrm>
+            <a:off x="-3765" y="4953000"/>
+            <a:ext cx="9147765" cy="1912088"/>
+            <a:chOff x="-3765" y="4832896"/>
+            <a:chExt cx="9147765" cy="2032192"/>
+          </a:xfrm>
+        </p:grpSpPr>
+        <p:sp>
+          <p:nvSpPr>
+            <p:cNvPr id="7" name="Forma livre 6"/>
+            <p:cNvSpPr>
+              <a:spLocks/>
+            </p:cNvSpPr>
+            <p:nvPr/>
+          </p:nvSpPr>
+          <p:spPr bwMode="auto">
+            <a:xfrm>
+              <a:off x="1687513" y="4832896"/>
+              <a:ext cx="7456487" cy="518816"/>
+            </a:xfrm>
+            <a:custGeom>
+              <a:avLst>
+                <a:gd name="A1" fmla="val 0"/>
+                <a:gd name="A2" fmla="val 0"/>
+                <a:gd name="A3" fmla="val 0"/>
+                <a:gd name="A4" fmla="val 0"/>
+                <a:gd name="A5" fmla="val 0"/>
+                <a:gd name="A6" fmla="val 0"/>
+                <a:gd name="A7" fmla="val 0"/>
+                <a:gd name="A8" fmla="val 0"/>
+              </a:avLst>
+              <a:gdLst/>
+              <a:ahLst/>
+              <a:cxnLst>
+                <a:cxn ang="0">
+                  <a:pos x="4697" y="0"/>
+                </a:cxn>
+                <a:cxn ang="0">
+                  <a:pos x="4697" y="367"/>
+                </a:cxn>
+                <a:cxn ang="0">
+                  <a:pos x="0" y="218"/>
+                </a:cxn>
+                <a:cxn ang="0">
+                  <a:pos x="4697" y="0"/>
+                </a:cxn>
+              </a:cxnLst>
+              <a:rect l="0" t="0" r="0" b="0"/>
+              <a:pathLst>
+                <a:path w="4697" h="367">
+                  <a:moveTo>
+                    <a:pt x="4697" y="0"/>
+                  </a:moveTo>
+                  <a:lnTo>
+                    <a:pt x="4697" y="367"/>
+                  </a:lnTo>
+                  <a:lnTo>
+                    <a:pt x="0" y="218"/>
+                  </a:lnTo>
+                  <a:lnTo>
+                    <a:pt x="4697" y="0"/>
+                  </a:lnTo>
+                  <a:close/>
+                </a:path>
+              </a:pathLst>
+            </a:custGeom>
+            <a:solidFill>
+              <a:schemeClr val="accent1">
+                <a:tint val="65000"/>
+                <a:satMod val="115000"/>
+                <a:alpha val="40000"/>
+              </a:schemeClr>
+            </a:solidFill>
+            <a:ln w="9525" cap="flat" cmpd="sng" algn="ctr">
+              <a:noFill/>
+              <a:prstDash val="solid"/>
+              <a:round/>
+              <a:headEnd type="none" w="med" len="med"/>
+              <a:tailEnd type="none" w="med" len="med"/>
+            </a:ln>
+            <a:effectLst/>
+          </p:spPr>
+          <p:txBody>
+            <a:bodyPr vert="horz" wrap="square" lIns="91440" tIns="45720" rIns="91440" bIns="45720" anchor="t" compatLnSpc="1"/>
+            <a:lstStyle>
+              <a:extLst/>
+            </a:lstStyle>
+            <a:p>
+              <a:endParaRPr kumimoji="0" lang="en-US"/>
+            </a:p>
+          </p:txBody>
+        </p:sp>
+        <p:sp>
+          <p:nvSpPr>
+            <p:cNvPr id="8" name="Forma livre 7"/>
+            <p:cNvSpPr>
+              <a:spLocks/>
+            </p:cNvSpPr>
+            <p:nvPr/>
+          </p:nvSpPr>
+          <p:spPr bwMode="auto">
+            <a:xfrm>
+              <a:off x="35443" y="5135526"/>
+              <a:ext cx="9108557" cy="838200"/>
+            </a:xfrm>
+            <a:custGeom>
+              <a:avLst>
+                <a:gd name="A1" fmla="val 0"/>
+                <a:gd name="A2" fmla="val 0"/>
+                <a:gd name="A3" fmla="val 0"/>
+                <a:gd name="A4" fmla="val 0"/>
+                <a:gd name="A5" fmla="val 0"/>
+                <a:gd name="A6" fmla="val 0"/>
+                <a:gd name="A7" fmla="val 0"/>
+                <a:gd name="A8" fmla="val 0"/>
+              </a:avLst>
+              <a:gdLst/>
+              <a:ahLst/>
+              <a:cxnLst>
+                <a:cxn ang="0">
+                  <a:pos x="0" y="0"/>
+                </a:cxn>
+                <a:cxn ang="0">
+                  <a:pos x="5760" y="0"/>
+                </a:cxn>
+                <a:cxn ang="0">
+                  <a:pos x="5760" y="528"/>
+                </a:cxn>
+                <a:cxn ang="0">
+                  <a:pos x="48" y="0"/>
+                </a:cxn>
+              </a:cxnLst>
+              <a:rect l="0" t="0" r="0" b="0"/>
+              <a:pathLst>
+                <a:path w="5760" h="528">
+                  <a:moveTo>
+                    <a:pt x="0" y="0"/>
+                  </a:moveTo>
+                  <a:lnTo>
+                    <a:pt x="5760" y="0"/>
+                  </a:lnTo>
+                  <a:lnTo>
+                    <a:pt x="5760" y="528"/>
+                  </a:lnTo>
+                  <a:lnTo>
+                    <a:pt x="48" y="0"/>
+                  </a:lnTo>
+                </a:path>
+              </a:pathLst>
+            </a:custGeom>
+            <a:solidFill>
+              <a:srgbClr val="000000">
+                <a:alpha val="100000"/>
+              </a:srgbClr>
+            </a:solidFill>
+            <a:ln w="9525" cap="flat" cmpd="sng" algn="ctr">
+              <a:noFill/>
+              <a:prstDash val="solid"/>
+              <a:round/>
+              <a:headEnd type="none" w="med" len="med"/>
+              <a:tailEnd type="none" w="med" len="med"/>
+            </a:ln>
+            <a:effectLst/>
+          </p:spPr>
+          <p:txBody>
+            <a:bodyPr vert="horz" wrap="square" lIns="91440" tIns="45720" rIns="91440" bIns="45720" anchor="t" compatLnSpc="1"/>
+            <a:lstStyle>
+              <a:extLst/>
+            </a:lstStyle>
+            <a:p>
+              <a:endParaRPr kumimoji="0" lang="en-US"/>
+            </a:p>
+          </p:txBody>
+        </p:sp>
+        <p:sp>
+          <p:nvSpPr>
+            <p:cNvPr id="11" name="Forma livre 10"/>
+            <p:cNvSpPr>
+              <a:spLocks/>
+            </p:cNvSpPr>
+            <p:nvPr/>
+          </p:nvSpPr>
+          <p:spPr bwMode="auto">
+            <a:xfrm>
+              <a:off x="0" y="4883888"/>
+              <a:ext cx="9144000" cy="1981200"/>
+            </a:xfrm>
+            <a:custGeom>
+              <a:avLst>
+                <a:gd name="A1" fmla="val 0"/>
+                <a:gd name="A2" fmla="val 0"/>
+                <a:gd name="A3" fmla="val 0"/>
+                <a:gd name="A4" fmla="val 0"/>
+                <a:gd name="A5" fmla="val 0"/>
+                <a:gd name="A6" fmla="val 0"/>
+                <a:gd name="A7" fmla="val 0"/>
+                <a:gd name="A8" fmla="val 0"/>
+              </a:avLst>
+              <a:gdLst/>
+              <a:ahLst/>
+              <a:cxnLst>
+                <a:cxn ang="0">
+                  <a:pos x="0" y="0"/>
+                </a:cxn>
+                <a:cxn ang="0">
+                  <a:pos x="0" y="1248"/>
+                </a:cxn>
+                <a:cxn ang="0">
+                  <a:pos x="5760" y="1248"/>
+                </a:cxn>
+                <a:cxn ang="0">
+                  <a:pos x="5760" y="528"/>
+                </a:cxn>
+                <a:cxn ang="0">
+                  <a:pos x="0" y="0"/>
+                </a:cxn>
+              </a:cxnLst>
+              <a:rect l="0" t="0" r="0" b="0"/>
+              <a:pathLst>
+                <a:path w="5760" h="1248">
+                  <a:moveTo>
+                    <a:pt x="0" y="0"/>
+                  </a:moveTo>
+                  <a:lnTo>
+                    <a:pt x="0" y="1248"/>
+                  </a:lnTo>
+                  <a:lnTo>
+                    <a:pt x="5760" y="1248"/>
+                  </a:lnTo>
+                  <a:lnTo>
+                    <a:pt x="5760" y="528"/>
+                  </a:lnTo>
+                  <a:lnTo>
+                    <a:pt x="0" y="0"/>
+                  </a:lnTo>
+                  <a:close/>
+                </a:path>
+              </a:pathLst>
+            </a:custGeom>
+            <a:blipFill>
+              <a:blip r:embed="rId2">
+                <a:alphaModFix amt="50000"/>
+              </a:blip>
+              <a:tile tx="0" ty="0" sx="50000" sy="50000" flip="none" algn="t"/>
+            </a:blipFill>
+            <a:ln w="12700" cap="rnd" cmpd="thickThin" algn="ctr">
+              <a:noFill/>
+              <a:prstDash val="solid"/>
+            </a:ln>
+            <a:effectLst>
+              <a:fillOverlay blend="mult">
+                <a:gradFill flip="none" rotWithShape="1">
+                  <a:gsLst>
+                    <a:gs pos="0">
+                      <a:schemeClr val="accent1">
+                        <a:shade val="20000"/>
+                        <a:satMod val="176000"/>
+                        <a:alpha val="100000"/>
+                      </a:schemeClr>
+                    </a:gs>
+                    <a:gs pos="18000">
+                      <a:schemeClr val="accent1">
+                        <a:shade val="48000"/>
+                        <a:satMod val="153000"/>
+                        <a:alpha val="100000"/>
+                      </a:schemeClr>
+                    </a:gs>
+                    <a:gs pos="43000">
+                      <a:schemeClr val="accent1">
+                        <a:tint val="86000"/>
+                        <a:satMod val="149000"/>
+                        <a:alpha val="100000"/>
+                      </a:schemeClr>
+                    </a:gs>
+                    <a:gs pos="45000">
+                      <a:schemeClr val="accent1">
+                        <a:tint val="85000"/>
+                        <a:satMod val="150000"/>
+                        <a:alpha val="100000"/>
+                      </a:schemeClr>
+                    </a:gs>
+                    <a:gs pos="50000">
+                      <a:schemeClr val="accent1">
+                        <a:tint val="86000"/>
+                        <a:satMod val="149000"/>
+                        <a:alpha val="100000"/>
+                      </a:schemeClr>
+                    </a:gs>
+                    <a:gs pos="79000">
+                      <a:schemeClr val="accent1">
+                        <a:shade val="53000"/>
+                        <a:satMod val="150000"/>
+                        <a:alpha val="100000"/>
+                      </a:schemeClr>
+                    </a:gs>
+                    <a:gs pos="100000">
+                      <a:schemeClr val="accent1">
+                        <a:shade val="25000"/>
+                        <a:satMod val="170000"/>
+                        <a:alpha val="100000"/>
+                      </a:schemeClr>
+                    </a:gs>
+                  </a:gsLst>
+                  <a:lin ang="450000" scaled="1"/>
+                  <a:tileRect/>
+                </a:gradFill>
+              </a:fillOverlay>
+            </a:effectLst>
+          </p:spPr>
+          <p:style>
+            <a:lnRef idx="3">
+              <a:schemeClr val="lt1"/>
+            </a:lnRef>
+            <a:fillRef idx="1">
+              <a:schemeClr val="accent1"/>
+            </a:fillRef>
+            <a:effectRef idx="1">
+              <a:schemeClr val="accent1"/>
+            </a:effectRef>
+            <a:fontRef idx="minor">
+              <a:schemeClr val="lt1"/>
+            </a:fontRef>
+          </p:style>
+          <p:txBody>
+            <a:bodyPr vert="horz" wrap="square" lIns="91440" tIns="45720" rIns="91440" bIns="45720" anchor="ctr" compatLnSpc="1"/>
+            <a:lstStyle>
+              <a:extLst/>
+            </a:lstStyle>
+            <a:p>
+              <a:pPr algn="ctr" eaLnBrk="1" latinLnBrk="0" hangingPunct="1"/>
+              <a:endParaRPr kumimoji="0" lang="en-US"/>
+            </a:p>
+          </p:txBody>
+        </p:sp>
+        <p:cxnSp>
+          <p:nvCxnSpPr>
+            <p:cNvPr id="12" name="Conector reto 11"/>
+            <p:cNvCxnSpPr/>
+            <p:nvPr/>
+          </p:nvCxnSpPr>
+          <p:spPr>
+            <a:xfrm>
+              <a:off x="-3765" y="4880373"/>
+              <a:ext cx="9147765" cy="839943"/>
+            </a:xfrm>
+            <a:prstGeom prst="line">
+              <a:avLst/>
+            </a:prstGeom>
+            <a:noFill/>
+            <a:ln w="12065" cap="flat" cmpd="sng" algn="ctr">
+              <a:gradFill>
+                <a:gsLst>
+                  <a:gs pos="45000">
+                    <a:schemeClr val="accent1">
+                      <a:tint val="70000"/>
+                      <a:satMod val="110000"/>
+                    </a:schemeClr>
+                  </a:gs>
+                  <a:gs pos="15000">
+                    <a:schemeClr val="accent1">
+                      <a:shade val="40000"/>
+                      <a:satMod val="110000"/>
+                    </a:schemeClr>
+                  </a:gs>
+                </a:gsLst>
+                <a:lin ang="5400000" scaled="1"/>
+              </a:gradFill>
+              <a:prstDash val="solid"/>
+              <a:miter lim="800000"/>
+            </a:ln>
+            <a:effectLst/>
+          </p:spPr>
+          <p:style>
+            <a:lnRef idx="2">
+              <a:schemeClr val="accent1"/>
+            </a:lnRef>
+            <a:fillRef idx="0">
+              <a:schemeClr val="accent1"/>
+            </a:fillRef>
+            <a:effectRef idx="1">
+              <a:schemeClr val="accent1"/>
+            </a:effectRef>
+            <a:fontRef idx="minor">
+              <a:schemeClr val="tx1"/>
+            </a:fontRef>
+          </p:style>
+        </p:cxnSp>
+      </p:grpSp>
+      <p:sp>
+        <p:nvSpPr>
+          <p:cNvPr id="30" name="Espaço Reservado para Data 29"/>
+          <p:cNvSpPr>
+            <a:spLocks noGrp="1"/>
+          </p:cNvSpPr>
+          <p:nvPr>
+            <p:ph type="dt" sz="half" idx="10"/>
+          </p:nvPr>
+        </p:nvSpPr>
+        <p:spPr/>
+        <p:txBody>
+          <a:bodyPr/>
+          <a:lstStyle>
+            <a:lvl1pPr>
               <a:defRPr>
                 <a:solidFill>
-                  <a:schemeClr val="tx1">
-                    <a:tint val="75000"/>
+                  <a:srgbClr val="FFFFFF"/>
+                </a:solidFill>
+              </a:defRPr>
+            </a:lvl1pPr>
+            <a:extLst/>
+          </a:lstStyle>
+          <a:p>
+            <a:fld id="{9D76448F-5CC1-4120-BD70-D585A573D328}" type="datetime1">
+              <a:rPr lang="pt-BR" smtClean="0"/>
+              <a:pPr/>
+              <a:t>13/11/2008</a:t>
+            </a:fld>
+            <a:endParaRPr lang="pt-BR"/>
+          </a:p>
+        </p:txBody>
+      </p:sp>
+      <p:sp>
+        <p:nvSpPr>
+          <p:cNvPr id="19" name="Espaço Reservado para Rodapé 18"/>
+          <p:cNvSpPr>
+            <a:spLocks noGrp="1"/>
+          </p:cNvSpPr>
+          <p:nvPr>
+            <p:ph type="ftr" sz="quarter" idx="11"/>
+          </p:nvPr>
+        </p:nvSpPr>
+        <p:spPr/>
+        <p:txBody>
+          <a:bodyPr/>
+          <a:lstStyle>
+            <a:lvl1pPr>
+              <a:defRPr>
+                <a:solidFill>
+                  <a:schemeClr val="accent1">
+                    <a:tint val="20000"/>
                   </a:schemeClr>
                 </a:solidFill>
               </a:defRPr>
-            </a:lvl2pPr>
-            <a:lvl3pPr marL="914400" indent="0" algn="ctr">
-              <a:buNone/>
+            </a:lvl1pPr>
+            <a:extLst/>
+          </a:lstStyle>
+          <a:p>
+            <a:endParaRPr lang="pt-BR"/>
+          </a:p>
+        </p:txBody>
+      </p:sp>
+      <p:sp>
+        <p:nvSpPr>
+          <p:cNvPr id="27" name="Espaço Reservado para Número de Slide 26"/>
+          <p:cNvSpPr>
+            <a:spLocks noGrp="1"/>
+          </p:cNvSpPr>
+          <p:nvPr>
+            <p:ph type="sldNum" sz="quarter" idx="12"/>
+          </p:nvPr>
+        </p:nvSpPr>
+        <p:spPr/>
+        <p:txBody>
+          <a:bodyPr/>
+          <a:lstStyle>
+            <a:lvl1pPr>
               <a:defRPr>
                 <a:solidFill>
-                  <a:schemeClr val="tx1">
-                    <a:tint val="75000"/>
-                  </a:schemeClr>
+                  <a:srgbClr val="FFFFFF"/>
                 </a:solidFill>
               </a:defRPr>
-            </a:lvl3pPr>
-            <a:lvl4pPr marL="1371600" indent="0" algn="ctr">
-              <a:buNone/>
-              <a:defRPr>
-                <a:solidFill>
-                  <a:schemeClr val="tx1">
-                    <a:tint val="75000"/>
-                  </a:schemeClr>
-                </a:solidFill>
-              </a:defRPr>
-            </a:lvl4pPr>
-            <a:lvl5pPr marL="1828800" indent="0" algn="ctr">
-              <a:buNone/>
-              <a:defRPr>
-                <a:solidFill>
-                  <a:schemeClr val="tx1">
-                    <a:tint val="75000"/>
-                  </a:schemeClr>
-                </a:solidFill>
-              </a:defRPr>
-            </a:lvl5pPr>
-            <a:lvl6pPr marL="2286000" indent="0" algn="ctr">
-              <a:buNone/>
-              <a:defRPr>
-                <a:solidFill>
-                  <a:schemeClr val="tx1">
-                    <a:tint val="75000"/>
-                  </a:schemeClr>
-                </a:solidFill>
-              </a:defRPr>
-            </a:lvl6pPr>
-            <a:lvl7pPr marL="2743200" indent="0" algn="ctr">
-              <a:buNone/>
-              <a:defRPr>
-                <a:solidFill>
-                  <a:schemeClr val="tx1">
-                    <a:tint val="75000"/>
-                  </a:schemeClr>
-                </a:solidFill>
-              </a:defRPr>
-            </a:lvl7pPr>
-            <a:lvl8pPr marL="3200400" indent="0" algn="ctr">
-              <a:buNone/>
-              <a:defRPr>
-                <a:solidFill>
-                  <a:schemeClr val="tx1">
-                    <a:tint val="75000"/>
-                  </a:schemeClr>
-                </a:solidFill>
-              </a:defRPr>
-            </a:lvl8pPr>
-            <a:lvl9pPr marL="3657600" indent="0" algn="ctr">
-              <a:buNone/>
-              <a:defRPr>
-                <a:solidFill>
-                  <a:schemeClr val="tx1">
-                    <a:tint val="75000"/>
-                  </a:schemeClr>
-                </a:solidFill>
-              </a:defRPr>
-            </a:lvl9pPr>
+            </a:lvl1pPr>
+            <a:extLst/>
           </a:lstStyle>
-          <a:p>
-            <a:r>
-              <a:rPr lang="pt-BR" smtClean="0"/>
-              <a:t>Clique para editar o estilo do subtítulo mestre</a:t>
-            </a:r>
-            <a:endParaRPr lang="pt-BR"/>
-          </a:p>
-        </p:txBody>
-      </p:sp>
-      <p:sp>
-        <p:nvSpPr>
-          <p:cNvPr id="4" name="Espaço Reservado para Data 3"/>
-          <p:cNvSpPr>
-            <a:spLocks noGrp="1"/>
-          </p:cNvSpPr>
-          <p:nvPr>
-            <p:ph type="dt" sz="half" idx="10"/>
-          </p:nvPr>
-        </p:nvSpPr>
-        <p:spPr/>
-        <p:txBody>
-          <a:bodyPr/>
-          <a:lstStyle/>
-          <a:p>
-            <a:fld id="{9D76448F-5CC1-4120-BD70-D585A573D328}" type="datetime1">
-              <a:rPr lang="pt-BR" smtClean="0"/>
-              <a:t>13/11/2008</a:t>
-            </a:fld>
-            <a:endParaRPr lang="pt-BR"/>
-          </a:p>
-        </p:txBody>
-      </p:sp>
-      <p:sp>
-        <p:nvSpPr>
-          <p:cNvPr id="5" name="Espaço Reservado para Rodapé 4"/>
-          <p:cNvSpPr>
-            <a:spLocks noGrp="1"/>
-          </p:cNvSpPr>
-          <p:nvPr>
-            <p:ph type="ftr" sz="quarter" idx="11"/>
-          </p:nvPr>
-        </p:nvSpPr>
-        <p:spPr/>
-        <p:txBody>
-          <a:bodyPr/>
-          <a:lstStyle/>
-          <a:p>
-            <a:endParaRPr lang="pt-BR"/>
-          </a:p>
-        </p:txBody>
-      </p:sp>
-      <p:sp>
-        <p:nvSpPr>
-          <p:cNvPr id="6" name="Espaço Reservado para Número de Slide 5"/>
-          <p:cNvSpPr>
-            <a:spLocks noGrp="1"/>
-          </p:cNvSpPr>
-          <p:nvPr>
-            <p:ph type="sldNum" sz="quarter" idx="12"/>
-          </p:nvPr>
-        </p:nvSpPr>
-        <p:spPr/>
-        <p:txBody>
-          <a:bodyPr/>
-          <a:lstStyle/>
           <a:p>
             <a:fld id="{2119D8CF-8DEC-4D9F-84EE-ADF04DFF3391}" type="slidenum">
               <a:rPr lang="pt-BR" smtClean="0"/>
@@ -739,13 +1206,15 @@
         <p:spPr/>
         <p:txBody>
           <a:bodyPr/>
-          <a:lstStyle/>
-          <a:p>
-            <a:r>
-              <a:rPr lang="pt-BR" smtClean="0"/>
+          <a:lstStyle>
+            <a:extLst/>
+          </a:lstStyle>
+          <a:p>
+            <a:r>
+              <a:rPr kumimoji="0" lang="pt-BR" smtClean="0"/>
               <a:t>Clique para editar o estilo do título mestre</a:t>
             </a:r>
-            <a:endParaRPr lang="pt-BR"/>
+            <a:endParaRPr kumimoji="0" lang="en-US"/>
           </a:p>
         </p:txBody>
       </p:sp>
@@ -759,45 +1228,52 @@
             <p:ph type="body" orient="vert" idx="1"/>
           </p:nvPr>
         </p:nvSpPr>
-        <p:spPr/>
+        <p:spPr>
+          <a:xfrm>
+            <a:off x="457200" y="1481329"/>
+            <a:ext cx="8229600" cy="4386071"/>
+          </a:xfrm>
+        </p:spPr>
         <p:txBody>
           <a:bodyPr vert="eaVert"/>
-          <a:lstStyle/>
-          <a:p>
-            <a:pPr lvl="0"/>
+          <a:lstStyle>
+            <a:extLst/>
+          </a:lstStyle>
+          <a:p>
+            <a:pPr lvl="0" eaLnBrk="1" latinLnBrk="0" hangingPunct="1"/>
             <a:r>
               <a:rPr lang="pt-BR" smtClean="0"/>
               <a:t>Clique para editar os estilos do texto mestre</a:t>
             </a:r>
           </a:p>
           <a:p>
-            <a:pPr lvl="1"/>
+            <a:pPr lvl="1" eaLnBrk="1" latinLnBrk="0" hangingPunct="1"/>
             <a:r>
               <a:rPr lang="pt-BR" smtClean="0"/>
               <a:t>Segundo nível</a:t>
             </a:r>
           </a:p>
           <a:p>
-            <a:pPr lvl="2"/>
+            <a:pPr lvl="2" eaLnBrk="1" latinLnBrk="0" hangingPunct="1"/>
             <a:r>
               <a:rPr lang="pt-BR" smtClean="0"/>
               <a:t>Terceiro nível</a:t>
             </a:r>
           </a:p>
           <a:p>
-            <a:pPr lvl="3"/>
+            <a:pPr lvl="3" eaLnBrk="1" latinLnBrk="0" hangingPunct="1"/>
             <a:r>
               <a:rPr lang="pt-BR" smtClean="0"/>
               <a:t>Quarto nível</a:t>
             </a:r>
           </a:p>
           <a:p>
-            <a:pPr lvl="4"/>
+            <a:pPr lvl="4" eaLnBrk="1" latinLnBrk="0" hangingPunct="1"/>
             <a:r>
               <a:rPr lang="pt-BR" smtClean="0"/>
               <a:t>Quinto nível</a:t>
             </a:r>
-            <a:endParaRPr lang="pt-BR"/>
+            <a:endParaRPr kumimoji="0" lang="en-US"/>
           </a:p>
         </p:txBody>
       </p:sp>
@@ -814,10 +1290,13 @@
         <p:spPr/>
         <p:txBody>
           <a:bodyPr/>
-          <a:lstStyle/>
+          <a:lstStyle>
+            <a:extLst/>
+          </a:lstStyle>
           <a:p>
             <a:fld id="{9A12F15F-09C2-48C0-82B7-C578570EBF00}" type="datetime1">
               <a:rPr lang="pt-BR" smtClean="0"/>
+              <a:pPr/>
               <a:t>13/11/2008</a:t>
             </a:fld>
             <a:endParaRPr lang="pt-BR"/>
@@ -837,7 +1316,9 @@
         <p:spPr/>
         <p:txBody>
           <a:bodyPr/>
-          <a:lstStyle/>
+          <a:lstStyle>
+            <a:extLst/>
+          </a:lstStyle>
           <a:p>
             <a:endParaRPr lang="pt-BR"/>
           </a:p>
@@ -856,7 +1337,9 @@
         <p:spPr/>
         <p:txBody>
           <a:bodyPr/>
-          <a:lstStyle/>
+          <a:lstStyle>
+            <a:extLst/>
+          </a:lstStyle>
           <a:p>
             <a:fld id="{2119D8CF-8DEC-4D9F-84EE-ADF04DFF3391}" type="slidenum">
               <a:rPr lang="pt-BR" smtClean="0"/>
@@ -904,19 +1387,21 @@
         </p:nvSpPr>
         <p:spPr>
           <a:xfrm>
-            <a:off x="6629400" y="274638"/>
-            <a:ext cx="2057400" cy="5851525"/>
+            <a:off x="6844013" y="274640"/>
+            <a:ext cx="1777470" cy="5592761"/>
           </a:xfrm>
         </p:spPr>
         <p:txBody>
           <a:bodyPr vert="eaVert"/>
-          <a:lstStyle/>
-          <a:p>
-            <a:r>
-              <a:rPr lang="pt-BR" smtClean="0"/>
+          <a:lstStyle>
+            <a:extLst/>
+          </a:lstStyle>
+          <a:p>
+            <a:r>
+              <a:rPr kumimoji="0" lang="pt-BR" smtClean="0"/>
               <a:t>Clique para editar o estilo do título mestre</a:t>
             </a:r>
-            <a:endParaRPr lang="pt-BR"/>
+            <a:endParaRPr kumimoji="0" lang="en-US"/>
           </a:p>
         </p:txBody>
       </p:sp>
@@ -932,48 +1417,50 @@
         </p:nvSpPr>
         <p:spPr>
           <a:xfrm>
-            <a:off x="457200" y="274638"/>
-            <a:ext cx="6019800" cy="5851525"/>
+            <a:off x="457200" y="274641"/>
+            <a:ext cx="6324600" cy="5592760"/>
           </a:xfrm>
         </p:spPr>
         <p:txBody>
           <a:bodyPr vert="eaVert"/>
-          <a:lstStyle/>
-          <a:p>
-            <a:pPr lvl="0"/>
+          <a:lstStyle>
+            <a:extLst/>
+          </a:lstStyle>
+          <a:p>
+            <a:pPr lvl="0" eaLnBrk="1" latinLnBrk="0" hangingPunct="1"/>
             <a:r>
               <a:rPr lang="pt-BR" smtClean="0"/>
               <a:t>Clique para editar os estilos do texto mestre</a:t>
             </a:r>
           </a:p>
           <a:p>
-            <a:pPr lvl="1"/>
+            <a:pPr lvl="1" eaLnBrk="1" latinLnBrk="0" hangingPunct="1"/>
             <a:r>
               <a:rPr lang="pt-BR" smtClean="0"/>
               <a:t>Segundo nível</a:t>
             </a:r>
           </a:p>
           <a:p>
-            <a:pPr lvl="2"/>
+            <a:pPr lvl="2" eaLnBrk="1" latinLnBrk="0" hangingPunct="1"/>
             <a:r>
               <a:rPr lang="pt-BR" smtClean="0"/>
               <a:t>Terceiro nível</a:t>
             </a:r>
           </a:p>
           <a:p>
-            <a:pPr lvl="3"/>
+            <a:pPr lvl="3" eaLnBrk="1" latinLnBrk="0" hangingPunct="1"/>
             <a:r>
               <a:rPr lang="pt-BR" smtClean="0"/>
               <a:t>Quarto nível</a:t>
             </a:r>
           </a:p>
           <a:p>
-            <a:pPr lvl="4"/>
+            <a:pPr lvl="4" eaLnBrk="1" latinLnBrk="0" hangingPunct="1"/>
             <a:r>
               <a:rPr lang="pt-BR" smtClean="0"/>
               <a:t>Quinto nível</a:t>
             </a:r>
-            <a:endParaRPr lang="pt-BR"/>
+            <a:endParaRPr kumimoji="0" lang="en-US"/>
           </a:p>
         </p:txBody>
       </p:sp>
@@ -990,10 +1477,13 @@
         <p:spPr/>
         <p:txBody>
           <a:bodyPr/>
-          <a:lstStyle/>
+          <a:lstStyle>
+            <a:extLst/>
+          </a:lstStyle>
           <a:p>
             <a:fld id="{80F406D8-5940-4AA7-8789-1223E83CDE1D}" type="datetime1">
               <a:rPr lang="pt-BR" smtClean="0"/>
+              <a:pPr/>
               <a:t>13/11/2008</a:t>
             </a:fld>
             <a:endParaRPr lang="pt-BR"/>
@@ -1013,7 +1503,9 @@
         <p:spPr/>
         <p:txBody>
           <a:bodyPr/>
-          <a:lstStyle/>
+          <a:lstStyle>
+            <a:extLst/>
+          </a:lstStyle>
           <a:p>
             <a:endParaRPr lang="pt-BR"/>
           </a:p>
@@ -1032,7 +1524,9 @@
         <p:spPr/>
         <p:txBody>
           <a:bodyPr/>
-          <a:lstStyle/>
+          <a:lstStyle>
+            <a:extLst/>
+          </a:lstStyle>
           <a:p>
             <a:fld id="{2119D8CF-8DEC-4D9F-84EE-ADF04DFF3391}" type="slidenum">
               <a:rPr lang="pt-BR" smtClean="0"/>
@@ -1070,76 +1564,55 @@
       </p:grpSpPr>
       <p:sp>
         <p:nvSpPr>
-          <p:cNvPr id="2" name="Título 1"/>
-          <p:cNvSpPr>
-            <a:spLocks noGrp="1"/>
-          </p:cNvSpPr>
-          <p:nvPr>
-            <p:ph type="title"/>
+          <p:cNvPr id="3" name="Espaço Reservado para Conteúdo 2"/>
+          <p:cNvSpPr>
+            <a:spLocks noGrp="1"/>
+          </p:cNvSpPr>
+          <p:nvPr>
+            <p:ph idx="1"/>
           </p:nvPr>
         </p:nvSpPr>
         <p:spPr/>
         <p:txBody>
           <a:bodyPr/>
-          <a:lstStyle/>
-          <a:p>
-            <a:r>
-              <a:rPr lang="pt-BR" smtClean="0"/>
-              <a:t>Clique para editar o estilo do título mestre</a:t>
-            </a:r>
-            <a:endParaRPr lang="pt-BR"/>
-          </a:p>
-        </p:txBody>
-      </p:sp>
-      <p:sp>
-        <p:nvSpPr>
-          <p:cNvPr id="3" name="Espaço Reservado para Conteúdo 2"/>
-          <p:cNvSpPr>
-            <a:spLocks noGrp="1"/>
-          </p:cNvSpPr>
-          <p:nvPr>
-            <p:ph idx="1"/>
-          </p:nvPr>
-        </p:nvSpPr>
-        <p:spPr/>
-        <p:txBody>
-          <a:bodyPr/>
-          <a:lstStyle/>
-          <a:p>
-            <a:pPr lvl="0"/>
+          <a:lstStyle>
+            <a:extLst/>
+          </a:lstStyle>
+          <a:p>
+            <a:pPr lvl="0" eaLnBrk="1" latinLnBrk="0" hangingPunct="1"/>
             <a:r>
               <a:rPr lang="pt-BR" smtClean="0"/>
               <a:t>Clique para editar os estilos do texto mestre</a:t>
             </a:r>
           </a:p>
           <a:p>
-            <a:pPr lvl="1"/>
+            <a:pPr lvl="1" eaLnBrk="1" latinLnBrk="0" hangingPunct="1"/>
             <a:r>
               <a:rPr lang="pt-BR" smtClean="0"/>
               <a:t>Segundo nível</a:t>
             </a:r>
           </a:p>
           <a:p>
-            <a:pPr lvl="2"/>
+            <a:pPr lvl="2" eaLnBrk="1" latinLnBrk="0" hangingPunct="1"/>
             <a:r>
               <a:rPr lang="pt-BR" smtClean="0"/>
               <a:t>Terceiro nível</a:t>
             </a:r>
           </a:p>
           <a:p>
-            <a:pPr lvl="3"/>
+            <a:pPr lvl="3" eaLnBrk="1" latinLnBrk="0" hangingPunct="1"/>
             <a:r>
               <a:rPr lang="pt-BR" smtClean="0"/>
               <a:t>Quarto nível</a:t>
             </a:r>
           </a:p>
           <a:p>
-            <a:pPr lvl="4"/>
+            <a:pPr lvl="4" eaLnBrk="1" latinLnBrk="0" hangingPunct="1"/>
             <a:r>
               <a:rPr lang="pt-BR" smtClean="0"/>
               <a:t>Quinto nível</a:t>
             </a:r>
-            <a:endParaRPr lang="pt-BR"/>
+            <a:endParaRPr kumimoji="0" lang="en-US"/>
           </a:p>
         </p:txBody>
       </p:sp>
@@ -1156,10 +1629,13 @@
         <p:spPr/>
         <p:txBody>
           <a:bodyPr/>
-          <a:lstStyle/>
+          <a:lstStyle>
+            <a:extLst/>
+          </a:lstStyle>
           <a:p>
             <a:fld id="{249B171E-850F-4FAE-B6BA-0074B288DFDE}" type="datetime1">
               <a:rPr lang="pt-BR" smtClean="0"/>
+              <a:pPr/>
               <a:t>13/11/2008</a:t>
             </a:fld>
             <a:endParaRPr lang="pt-BR"/>
@@ -1179,7 +1655,9 @@
         <p:spPr/>
         <p:txBody>
           <a:bodyPr/>
-          <a:lstStyle/>
+          <a:lstStyle>
+            <a:extLst/>
+          </a:lstStyle>
           <a:p>
             <a:endParaRPr lang="pt-BR"/>
           </a:p>
@@ -1198,7 +1676,9 @@
         <p:spPr/>
         <p:txBody>
           <a:bodyPr/>
-          <a:lstStyle/>
+          <a:lstStyle>
+            <a:extLst/>
+          </a:lstStyle>
           <a:p>
             <a:fld id="{2119D8CF-8DEC-4D9F-84EE-ADF04DFF3391}" type="slidenum">
               <a:rPr lang="pt-BR" smtClean="0"/>
@@ -1206,6 +1686,31 @@
               <a:t>‹nº›</a:t>
             </a:fld>
             <a:endParaRPr lang="pt-BR"/>
+          </a:p>
+        </p:txBody>
+      </p:sp>
+      <p:sp>
+        <p:nvSpPr>
+          <p:cNvPr id="7" name="Título 6"/>
+          <p:cNvSpPr>
+            <a:spLocks noGrp="1"/>
+          </p:cNvSpPr>
+          <p:nvPr>
+            <p:ph type="title"/>
+          </p:nvPr>
+        </p:nvSpPr>
+        <p:spPr/>
+        <p:txBody>
+          <a:bodyPr rtlCol="0"/>
+          <a:lstStyle>
+            <a:extLst/>
+          </a:lstStyle>
+          <a:p>
+            <a:r>
+              <a:rPr kumimoji="0" lang="pt-BR" smtClean="0"/>
+              <a:t>Clique para editar o estilo do título mestre</a:t>
+            </a:r>
+            <a:endParaRPr kumimoji="0" lang="en-US"/>
           </a:p>
         </p:txBody>
       </p:sp>
@@ -1246,23 +1751,42 @@
         </p:nvSpPr>
         <p:spPr>
           <a:xfrm>
-            <a:off x="722313" y="4406900"/>
-            <a:ext cx="7772400" cy="1362075"/>
-          </a:xfrm>
-        </p:spPr>
-        <p:txBody>
-          <a:bodyPr anchor="t"/>
+            <a:off x="722376" y="1059712"/>
+            <a:ext cx="7772400" cy="1828800"/>
+          </a:xfrm>
+        </p:spPr>
+        <p:txBody>
+          <a:bodyPr vert="horz" anchor="b">
+            <a:normAutofit/>
+            <a:scene3d>
+              <a:camera prst="orthographicFront"/>
+              <a:lightRig rig="soft" dir="t"/>
+            </a:scene3d>
+            <a:sp3d prstMaterial="softEdge">
+              <a:bevelT w="25400" h="25400"/>
+            </a:sp3d>
+          </a:bodyPr>
           <a:lstStyle>
-            <a:lvl1pPr algn="l">
-              <a:defRPr sz="4000" b="1" cap="all"/>
+            <a:lvl1pPr algn="r">
+              <a:buNone/>
+              <a:defRPr sz="4800" b="1" cap="none" baseline="0">
+                <a:effectLst>
+                  <a:outerShdw blurRad="31750" dist="25400" dir="5400000" algn="tl" rotWithShape="0">
+                    <a:srgbClr val="000000">
+                      <a:alpha val="25000"/>
+                    </a:srgbClr>
+                  </a:outerShdw>
+                </a:effectLst>
+              </a:defRPr>
             </a:lvl1pPr>
+            <a:extLst/>
           </a:lstStyle>
           <a:p>
             <a:r>
-              <a:rPr lang="pt-BR" smtClean="0"/>
+              <a:rPr kumimoji="0" lang="pt-BR" smtClean="0"/>
               <a:t>Clique para editar o estilo do título mestre</a:t>
             </a:r>
-            <a:endParaRPr lang="pt-BR"/>
+            <a:endParaRPr kumimoji="0" lang="en-US"/>
           </a:p>
         </p:txBody>
       </p:sp>
@@ -1278,24 +1802,22 @@
         </p:nvSpPr>
         <p:spPr>
           <a:xfrm>
-            <a:off x="722313" y="2906713"/>
-            <a:ext cx="7772400" cy="1500187"/>
-          </a:xfrm>
-        </p:spPr>
-        <p:txBody>
-          <a:bodyPr anchor="b"/>
+            <a:off x="3922713" y="2931712"/>
+            <a:ext cx="4572000" cy="1454888"/>
+          </a:xfrm>
+        </p:spPr>
+        <p:txBody>
+          <a:bodyPr lIns="91440" rIns="91440" anchor="t"/>
           <a:lstStyle>
-            <a:lvl1pPr marL="0" indent="0">
+            <a:lvl1pPr marL="0" indent="0" algn="l">
               <a:buNone/>
-              <a:defRPr sz="2000">
+              <a:defRPr sz="2300">
                 <a:solidFill>
-                  <a:schemeClr val="tx1">
-                    <a:tint val="75000"/>
-                  </a:schemeClr>
+                  <a:schemeClr val="tx1"/>
                 </a:solidFill>
               </a:defRPr>
             </a:lvl1pPr>
-            <a:lvl2pPr marL="457200" indent="0">
+            <a:lvl2pPr>
               <a:buNone/>
               <a:defRPr sz="1800">
                 <a:solidFill>
@@ -1305,7 +1827,7 @@
                 </a:solidFill>
               </a:defRPr>
             </a:lvl2pPr>
-            <a:lvl3pPr marL="914400" indent="0">
+            <a:lvl3pPr>
               <a:buNone/>
               <a:defRPr sz="1600">
                 <a:solidFill>
@@ -1315,7 +1837,7 @@
                 </a:solidFill>
               </a:defRPr>
             </a:lvl3pPr>
-            <a:lvl4pPr marL="1371600" indent="0">
+            <a:lvl4pPr>
               <a:buNone/>
               <a:defRPr sz="1400">
                 <a:solidFill>
@@ -1325,7 +1847,7 @@
                 </a:solidFill>
               </a:defRPr>
             </a:lvl4pPr>
-            <a:lvl5pPr marL="1828800" indent="0">
+            <a:lvl5pPr>
               <a:buNone/>
               <a:defRPr sz="1400">
                 <a:solidFill>
@@ -1335,51 +1857,12 @@
                 </a:solidFill>
               </a:defRPr>
             </a:lvl5pPr>
-            <a:lvl6pPr marL="2286000" indent="0">
-              <a:buNone/>
-              <a:defRPr sz="1400">
-                <a:solidFill>
-                  <a:schemeClr val="tx1">
-                    <a:tint val="75000"/>
-                  </a:schemeClr>
-                </a:solidFill>
-              </a:defRPr>
-            </a:lvl6pPr>
-            <a:lvl7pPr marL="2743200" indent="0">
-              <a:buNone/>
-              <a:defRPr sz="1400">
-                <a:solidFill>
-                  <a:schemeClr val="tx1">
-                    <a:tint val="75000"/>
-                  </a:schemeClr>
-                </a:solidFill>
-              </a:defRPr>
-            </a:lvl7pPr>
-            <a:lvl8pPr marL="3200400" indent="0">
-              <a:buNone/>
-              <a:defRPr sz="1400">
-                <a:solidFill>
-                  <a:schemeClr val="tx1">
-                    <a:tint val="75000"/>
-                  </a:schemeClr>
-                </a:solidFill>
-              </a:defRPr>
-            </a:lvl8pPr>
-            <a:lvl9pPr marL="3657600" indent="0">
-              <a:buNone/>
-              <a:defRPr sz="1400">
-                <a:solidFill>
-                  <a:schemeClr val="tx1">
-                    <a:tint val="75000"/>
-                  </a:schemeClr>
-                </a:solidFill>
-              </a:defRPr>
-            </a:lvl9pPr>
+            <a:extLst/>
           </a:lstStyle>
           <a:p>
-            <a:pPr lvl="0"/>
-            <a:r>
-              <a:rPr lang="pt-BR" smtClean="0"/>
+            <a:pPr lvl="0" eaLnBrk="1" latinLnBrk="0" hangingPunct="1"/>
+            <a:r>
+              <a:rPr kumimoji="0" lang="pt-BR" smtClean="0"/>
               <a:t>Clique para editar os estilos do texto mestre</a:t>
             </a:r>
           </a:p>
@@ -1398,10 +1881,13 @@
         <p:spPr/>
         <p:txBody>
           <a:bodyPr/>
-          <a:lstStyle/>
+          <a:lstStyle>
+            <a:extLst/>
+          </a:lstStyle>
           <a:p>
             <a:fld id="{BABD8C20-5589-44C5-BBB2-C2F636AF02AB}" type="datetime1">
               <a:rPr lang="pt-BR" smtClean="0"/>
+              <a:pPr/>
               <a:t>13/11/2008</a:t>
             </a:fld>
             <a:endParaRPr lang="pt-BR"/>
@@ -1421,7 +1907,9 @@
         <p:spPr/>
         <p:txBody>
           <a:bodyPr/>
-          <a:lstStyle/>
+          <a:lstStyle>
+            <a:extLst/>
+          </a:lstStyle>
           <a:p>
             <a:endParaRPr lang="pt-BR"/>
           </a:p>
@@ -1440,7 +1928,9 @@
         <p:spPr/>
         <p:txBody>
           <a:bodyPr/>
-          <a:lstStyle/>
+          <a:lstStyle>
+            <a:extLst/>
+          </a:lstStyle>
           <a:p>
             <a:fld id="{2119D8CF-8DEC-4D9F-84EE-ADF04DFF3391}" type="slidenum">
               <a:rPr lang="pt-BR" smtClean="0"/>
@@ -1448,6 +1938,166 @@
               <a:t>‹nº›</a:t>
             </a:fld>
             <a:endParaRPr lang="pt-BR"/>
+          </a:p>
+        </p:txBody>
+      </p:sp>
+      <p:sp>
+        <p:nvSpPr>
+          <p:cNvPr id="7" name="Divisa 6"/>
+          <p:cNvSpPr/>
+          <p:nvPr/>
+        </p:nvSpPr>
+        <p:spPr>
+          <a:xfrm>
+            <a:off x="3636680" y="3005472"/>
+            <a:ext cx="182880" cy="228600"/>
+          </a:xfrm>
+          <a:prstGeom prst="chevron">
+            <a:avLst>
+              <a:gd name="adj" fmla="val 50000"/>
+            </a:avLst>
+          </a:prstGeom>
+          <a:gradFill flip="none" rotWithShape="1">
+            <a:gsLst>
+              <a:gs pos="0">
+                <a:schemeClr val="accent1">
+                  <a:shade val="60000"/>
+                  <a:satMod val="125000"/>
+                </a:schemeClr>
+              </a:gs>
+              <a:gs pos="72000">
+                <a:schemeClr val="accent1">
+                  <a:tint val="90000"/>
+                  <a:satMod val="138000"/>
+                </a:schemeClr>
+              </a:gs>
+              <a:gs pos="100000">
+                <a:schemeClr val="accent1">
+                  <a:tint val="76000"/>
+                  <a:satMod val="136000"/>
+                </a:schemeClr>
+              </a:gs>
+            </a:gsLst>
+            <a:lin ang="16200000" scaled="0"/>
+          </a:gradFill>
+          <a:ln w="3175" cap="rnd" cmpd="sng" algn="ctr">
+            <a:solidFill>
+              <a:schemeClr val="accent1">
+                <a:shade val="50000"/>
+              </a:schemeClr>
+            </a:solidFill>
+            <a:prstDash val="solid"/>
+          </a:ln>
+          <a:effectLst>
+            <a:outerShdw blurRad="50800" dist="25400" dir="5400000">
+              <a:srgbClr val="000000">
+                <a:alpha val="46000"/>
+              </a:srgbClr>
+            </a:outerShdw>
+          </a:effectLst>
+        </p:spPr>
+        <p:style>
+          <a:lnRef idx="1">
+            <a:schemeClr val="accent1"/>
+          </a:lnRef>
+          <a:fillRef idx="3">
+            <a:schemeClr val="accent1"/>
+          </a:fillRef>
+          <a:effectRef idx="2">
+            <a:schemeClr val="accent1"/>
+          </a:effectRef>
+          <a:fontRef idx="minor">
+            <a:schemeClr val="lt1"/>
+          </a:fontRef>
+        </p:style>
+        <p:txBody>
+          <a:bodyPr anchor="ctr"/>
+          <a:lstStyle>
+            <a:extLst/>
+          </a:lstStyle>
+          <a:p>
+            <a:pPr algn="l" eaLnBrk="1" latinLnBrk="0" hangingPunct="1"/>
+            <a:endParaRPr kumimoji="0" lang="en-US"/>
+          </a:p>
+        </p:txBody>
+      </p:sp>
+      <p:sp>
+        <p:nvSpPr>
+          <p:cNvPr id="8" name="Divisa 7"/>
+          <p:cNvSpPr/>
+          <p:nvPr/>
+        </p:nvSpPr>
+        <p:spPr>
+          <a:xfrm>
+            <a:off x="3450264" y="3005472"/>
+            <a:ext cx="182880" cy="228600"/>
+          </a:xfrm>
+          <a:prstGeom prst="chevron">
+            <a:avLst>
+              <a:gd name="adj" fmla="val 50000"/>
+            </a:avLst>
+          </a:prstGeom>
+          <a:gradFill flip="none" rotWithShape="1">
+            <a:gsLst>
+              <a:gs pos="0">
+                <a:schemeClr val="accent1">
+                  <a:shade val="60000"/>
+                  <a:satMod val="125000"/>
+                </a:schemeClr>
+              </a:gs>
+              <a:gs pos="72000">
+                <a:schemeClr val="accent1">
+                  <a:tint val="90000"/>
+                  <a:satMod val="138000"/>
+                </a:schemeClr>
+              </a:gs>
+              <a:gs pos="100000">
+                <a:schemeClr val="accent1">
+                  <a:tint val="76000"/>
+                  <a:satMod val="136000"/>
+                </a:schemeClr>
+              </a:gs>
+            </a:gsLst>
+            <a:lin ang="16200000" scaled="0"/>
+          </a:gradFill>
+          <a:ln w="3175" cap="rnd" cmpd="sng" algn="ctr">
+            <a:solidFill>
+              <a:schemeClr val="accent1">
+                <a:shade val="50000"/>
+              </a:schemeClr>
+            </a:solidFill>
+            <a:prstDash val="solid"/>
+          </a:ln>
+          <a:effectLst>
+            <a:outerShdw blurRad="50800" dist="25400" dir="5400000">
+              <a:srgbClr val="000000">
+                <a:alpha val="46000"/>
+              </a:srgbClr>
+            </a:outerShdw>
+          </a:effectLst>
+        </p:spPr>
+        <p:style>
+          <a:lnRef idx="1">
+            <a:schemeClr val="accent1"/>
+          </a:lnRef>
+          <a:fillRef idx="3">
+            <a:schemeClr val="accent1"/>
+          </a:fillRef>
+          <a:effectRef idx="2">
+            <a:schemeClr val="accent1"/>
+          </a:effectRef>
+          <a:fontRef idx="minor">
+            <a:schemeClr val="lt1"/>
+          </a:fontRef>
+        </p:style>
+        <p:txBody>
+          <a:bodyPr anchor="ctr"/>
+          <a:lstStyle>
+            <a:extLst/>
+          </a:lstStyle>
+          <a:p>
+            <a:pPr algn="l" eaLnBrk="1" latinLnBrk="0" hangingPunct="1"/>
+            <a:endParaRPr kumimoji="0" lang="en-US"/>
           </a:p>
         </p:txBody>
       </p:sp>
@@ -1478,29 +2128,6 @@
       </p:grpSpPr>
       <p:sp>
         <p:nvSpPr>
-          <p:cNvPr id="2" name="Título 1"/>
-          <p:cNvSpPr>
-            <a:spLocks noGrp="1"/>
-          </p:cNvSpPr>
-          <p:nvPr>
-            <p:ph type="title"/>
-          </p:nvPr>
-        </p:nvSpPr>
-        <p:spPr/>
-        <p:txBody>
-          <a:bodyPr/>
-          <a:lstStyle/>
-          <a:p>
-            <a:r>
-              <a:rPr lang="pt-BR" smtClean="0"/>
-              <a:t>Clique para editar o estilo do título mestre</a:t>
-            </a:r>
-            <a:endParaRPr lang="pt-BR"/>
-          </a:p>
-        </p:txBody>
-      </p:sp>
-      <p:sp>
-        <p:nvSpPr>
           <p:cNvPr id="3" name="Espaço Reservado para Conteúdo 2"/>
           <p:cNvSpPr>
             <a:spLocks noGrp="1"/>
@@ -1511,7 +2138,7 @@
         </p:nvSpPr>
         <p:spPr>
           <a:xfrm>
-            <a:off x="457200" y="1600200"/>
+            <a:off x="457200" y="1481328"/>
             <a:ext cx="4038600" cy="4525963"/>
           </a:xfrm>
         </p:spPr>
@@ -1533,54 +2160,43 @@
             <a:lvl5pPr>
               <a:defRPr sz="1800"/>
             </a:lvl5pPr>
-            <a:lvl6pPr>
-              <a:defRPr sz="1800"/>
-            </a:lvl6pPr>
-            <a:lvl7pPr>
-              <a:defRPr sz="1800"/>
-            </a:lvl7pPr>
-            <a:lvl8pPr>
-              <a:defRPr sz="1800"/>
-            </a:lvl8pPr>
-            <a:lvl9pPr>
-              <a:defRPr sz="1800"/>
-            </a:lvl9pPr>
+            <a:extLst/>
           </a:lstStyle>
           <a:p>
-            <a:pPr lvl="0"/>
+            <a:pPr lvl="0" eaLnBrk="1" latinLnBrk="0" hangingPunct="1"/>
             <a:r>
               <a:rPr lang="pt-BR" smtClean="0"/>
               <a:t>Clique para editar os estilos do texto mestre</a:t>
             </a:r>
           </a:p>
           <a:p>
-            <a:pPr lvl="1"/>
+            <a:pPr lvl="1" eaLnBrk="1" latinLnBrk="0" hangingPunct="1"/>
             <a:r>
               <a:rPr lang="pt-BR" smtClean="0"/>
               <a:t>Segundo nível</a:t>
             </a:r>
           </a:p>
           <a:p>
-            <a:pPr lvl="2"/>
+            <a:pPr lvl="2" eaLnBrk="1" latinLnBrk="0" hangingPunct="1"/>
             <a:r>
               <a:rPr lang="pt-BR" smtClean="0"/>
               <a:t>Terceiro nível</a:t>
             </a:r>
           </a:p>
           <a:p>
-            <a:pPr lvl="3"/>
+            <a:pPr lvl="3" eaLnBrk="1" latinLnBrk="0" hangingPunct="1"/>
             <a:r>
               <a:rPr lang="pt-BR" smtClean="0"/>
               <a:t>Quarto nível</a:t>
             </a:r>
           </a:p>
           <a:p>
-            <a:pPr lvl="4"/>
+            <a:pPr lvl="4" eaLnBrk="1" latinLnBrk="0" hangingPunct="1"/>
             <a:r>
               <a:rPr lang="pt-BR" smtClean="0"/>
               <a:t>Quinto nível</a:t>
             </a:r>
-            <a:endParaRPr lang="pt-BR"/>
+            <a:endParaRPr kumimoji="0" lang="en-US"/>
           </a:p>
         </p:txBody>
       </p:sp>
@@ -1596,7 +2212,7 @@
         </p:nvSpPr>
         <p:spPr>
           <a:xfrm>
-            <a:off x="4648200" y="1600200"/>
+            <a:off x="4648200" y="1481328"/>
             <a:ext cx="4038600" cy="4525963"/>
           </a:xfrm>
         </p:spPr>
@@ -1618,54 +2234,43 @@
             <a:lvl5pPr>
               <a:defRPr sz="1800"/>
             </a:lvl5pPr>
-            <a:lvl6pPr>
-              <a:defRPr sz="1800"/>
-            </a:lvl6pPr>
-            <a:lvl7pPr>
-              <a:defRPr sz="1800"/>
-            </a:lvl7pPr>
-            <a:lvl8pPr>
-              <a:defRPr sz="1800"/>
-            </a:lvl8pPr>
-            <a:lvl9pPr>
-              <a:defRPr sz="1800"/>
-            </a:lvl9pPr>
+            <a:extLst/>
           </a:lstStyle>
           <a:p>
-            <a:pPr lvl="0"/>
+            <a:pPr lvl="0" eaLnBrk="1" latinLnBrk="0" hangingPunct="1"/>
             <a:r>
               <a:rPr lang="pt-BR" smtClean="0"/>
               <a:t>Clique para editar os estilos do texto mestre</a:t>
             </a:r>
           </a:p>
           <a:p>
-            <a:pPr lvl="1"/>
+            <a:pPr lvl="1" eaLnBrk="1" latinLnBrk="0" hangingPunct="1"/>
             <a:r>
               <a:rPr lang="pt-BR" smtClean="0"/>
               <a:t>Segundo nível</a:t>
             </a:r>
           </a:p>
           <a:p>
-            <a:pPr lvl="2"/>
+            <a:pPr lvl="2" eaLnBrk="1" latinLnBrk="0" hangingPunct="1"/>
             <a:r>
               <a:rPr lang="pt-BR" smtClean="0"/>
               <a:t>Terceiro nível</a:t>
             </a:r>
           </a:p>
           <a:p>
-            <a:pPr lvl="3"/>
+            <a:pPr lvl="3" eaLnBrk="1" latinLnBrk="0" hangingPunct="1"/>
             <a:r>
               <a:rPr lang="pt-BR" smtClean="0"/>
               <a:t>Quarto nível</a:t>
             </a:r>
           </a:p>
           <a:p>
-            <a:pPr lvl="4"/>
+            <a:pPr lvl="4" eaLnBrk="1" latinLnBrk="0" hangingPunct="1"/>
             <a:r>
               <a:rPr lang="pt-BR" smtClean="0"/>
               <a:t>Quinto nível</a:t>
             </a:r>
-            <a:endParaRPr lang="pt-BR"/>
+            <a:endParaRPr kumimoji="0" lang="en-US"/>
           </a:p>
         </p:txBody>
       </p:sp>
@@ -1682,10 +2287,13 @@
         <p:spPr/>
         <p:txBody>
           <a:bodyPr/>
-          <a:lstStyle/>
+          <a:lstStyle>
+            <a:extLst/>
+          </a:lstStyle>
           <a:p>
             <a:fld id="{4D615256-91EF-42F9-ADDF-A71211BFC160}" type="datetime1">
               <a:rPr lang="pt-BR" smtClean="0"/>
+              <a:pPr/>
               <a:t>13/11/2008</a:t>
             </a:fld>
             <a:endParaRPr lang="pt-BR"/>
@@ -1705,7 +2313,9 @@
         <p:spPr/>
         <p:txBody>
           <a:bodyPr/>
-          <a:lstStyle/>
+          <a:lstStyle>
+            <a:extLst/>
+          </a:lstStyle>
           <a:p>
             <a:endParaRPr lang="pt-BR"/>
           </a:p>
@@ -1724,7 +2334,9 @@
         <p:spPr/>
         <p:txBody>
           <a:bodyPr/>
-          <a:lstStyle/>
+          <a:lstStyle>
+            <a:extLst/>
+          </a:lstStyle>
           <a:p>
             <a:fld id="{2119D8CF-8DEC-4D9F-84EE-ADF04DFF3391}" type="slidenum">
               <a:rPr lang="pt-BR" smtClean="0"/>
@@ -1732,6 +2344,31 @@
               <a:t>‹nº›</a:t>
             </a:fld>
             <a:endParaRPr lang="pt-BR"/>
+          </a:p>
+        </p:txBody>
+      </p:sp>
+      <p:sp>
+        <p:nvSpPr>
+          <p:cNvPr id="8" name="Título 7"/>
+          <p:cNvSpPr>
+            <a:spLocks noGrp="1"/>
+          </p:cNvSpPr>
+          <p:nvPr>
+            <p:ph type="title"/>
+          </p:nvPr>
+        </p:nvSpPr>
+        <p:spPr/>
+        <p:txBody>
+          <a:bodyPr rtlCol="0"/>
+          <a:lstStyle>
+            <a:extLst/>
+          </a:lstStyle>
+          <a:p>
+            <a:r>
+              <a:rPr kumimoji="0" lang="pt-BR" smtClean="0"/>
+              <a:t>Clique para editar o estilo do título mestre</a:t>
+            </a:r>
+            <a:endParaRPr kumimoji="0" lang="en-US"/>
           </a:p>
         </p:txBody>
       </p:sp>
@@ -1744,7 +2381,7 @@
 </file>
 
 <file path=ppt/slideLayouts/slideLayout5.xml><?xml version="1.0" encoding="utf-8"?>
-<p:sldLayout xmlns:a="http://schemas.openxmlformats.org/drawingml/2006/main" xmlns:r="http://schemas.openxmlformats.org/officeDocument/2006/relationships" xmlns:p="http://schemas.openxmlformats.org/presentationml/2006/main" type="twoTxTwoObj" preserve="1">
+<p:sldLayout xmlns:a="http://schemas.openxmlformats.org/drawingml/2006/main" xmlns:r="http://schemas.openxmlformats.org/officeDocument/2006/relationships" xmlns:p="http://schemas.openxmlformats.org/presentationml/2006/main" showMasterSp="0" type="twoTxTwoObj" preserve="1">
   <p:cSld name="Comparação">
     <p:spTree>
       <p:nvGrpSpPr>
@@ -1770,20 +2407,26 @@
             <p:ph type="title"/>
           </p:nvPr>
         </p:nvSpPr>
-        <p:spPr/>
-        <p:txBody>
-          <a:bodyPr/>
+        <p:spPr>
+          <a:xfrm>
+            <a:off x="457200" y="273050"/>
+            <a:ext cx="8229600" cy="1143000"/>
+          </a:xfrm>
+        </p:spPr>
+        <p:txBody>
+          <a:bodyPr anchor="ctr"/>
           <a:lstStyle>
             <a:lvl1pPr>
               <a:defRPr/>
             </a:lvl1pPr>
+            <a:extLst/>
           </a:lstStyle>
           <a:p>
             <a:r>
-              <a:rPr lang="pt-BR" smtClean="0"/>
+              <a:rPr kumimoji="0" lang="pt-BR" smtClean="0"/>
               <a:t>Clique para editar o estilo do título mestre</a:t>
             </a:r>
-            <a:endParaRPr lang="pt-BR"/>
+            <a:endParaRPr kumimoji="0" lang="en-US"/>
           </a:p>
         </p:txBody>
       </p:sp>
@@ -1799,54 +2442,115 @@
         </p:nvSpPr>
         <p:spPr>
           <a:xfrm>
-            <a:off x="457200" y="1535113"/>
-            <a:ext cx="4040188" cy="639762"/>
-          </a:xfrm>
-        </p:spPr>
-        <p:txBody>
-          <a:bodyPr anchor="b"/>
+            <a:off x="457200" y="5410200"/>
+            <a:ext cx="4040188" cy="762000"/>
+          </a:xfrm>
+          <a:solidFill>
+            <a:schemeClr val="accent1"/>
+          </a:solidFill>
+          <a:ln w="9652">
+            <a:solidFill>
+              <a:schemeClr val="accent1"/>
+            </a:solidFill>
+            <a:miter lim="800000"/>
+          </a:ln>
+        </p:spPr>
+        <p:txBody>
+          <a:bodyPr lIns="182880" anchor="ctr"/>
           <a:lstStyle>
             <a:lvl1pPr marL="0" indent="0">
               <a:buNone/>
-              <a:defRPr sz="2400" b="1"/>
+              <a:defRPr sz="2400" b="0">
+                <a:solidFill>
+                  <a:schemeClr val="bg1"/>
+                </a:solidFill>
+              </a:defRPr>
             </a:lvl1pPr>
-            <a:lvl2pPr marL="457200" indent="0">
+            <a:lvl2pPr>
               <a:buNone/>
               <a:defRPr sz="2000" b="1"/>
             </a:lvl2pPr>
-            <a:lvl3pPr marL="914400" indent="0">
+            <a:lvl3pPr>
               <a:buNone/>
               <a:defRPr sz="1800" b="1"/>
             </a:lvl3pPr>
-            <a:lvl4pPr marL="1371600" indent="0">
+            <a:lvl4pPr>
               <a:buNone/>
               <a:defRPr sz="1600" b="1"/>
             </a:lvl4pPr>
-            <a:lvl5pPr marL="1828800" indent="0">
+            <a:lvl5pPr>
               <a:buNone/>
               <a:defRPr sz="1600" b="1"/>
             </a:lvl5pPr>
-            <a:lvl6pPr marL="2286000" indent="0">
+            <a:extLst/>
+          </a:lstStyle>
+          <a:p>
+            <a:pPr lvl="0" eaLnBrk="1" latinLnBrk="0" hangingPunct="1"/>
+            <a:r>
+              <a:rPr kumimoji="0" lang="pt-BR" smtClean="0"/>
+              <a:t>Clique para editar os estilos do texto mestre</a:t>
+            </a:r>
+          </a:p>
+        </p:txBody>
+      </p:sp>
+      <p:sp>
+        <p:nvSpPr>
+          <p:cNvPr id="4" name="Espaço Reservado para Texto 3"/>
+          <p:cNvSpPr>
+            <a:spLocks noGrp="1"/>
+          </p:cNvSpPr>
+          <p:nvPr>
+            <p:ph type="body" sz="half" idx="3"/>
+          </p:nvPr>
+        </p:nvSpPr>
+        <p:spPr>
+          <a:xfrm>
+            <a:off x="4645026" y="5410200"/>
+            <a:ext cx="4041775" cy="762000"/>
+          </a:xfrm>
+          <a:solidFill>
+            <a:schemeClr val="accent1"/>
+          </a:solidFill>
+          <a:ln w="9652">
+            <a:solidFill>
+              <a:schemeClr val="accent1"/>
+            </a:solidFill>
+            <a:miter lim="800000"/>
+          </a:ln>
+        </p:spPr>
+        <p:txBody>
+          <a:bodyPr lIns="182880" anchor="ctr"/>
+          <a:lstStyle>
+            <a:lvl1pPr marL="0" indent="0">
+              <a:buNone/>
+              <a:defRPr sz="2400" b="0">
+                <a:solidFill>
+                  <a:schemeClr val="bg1"/>
+                </a:solidFill>
+              </a:defRPr>
+            </a:lvl1pPr>
+            <a:lvl2pPr>
+              <a:buNone/>
+              <a:defRPr sz="2000" b="1"/>
+            </a:lvl2pPr>
+            <a:lvl3pPr>
+              <a:buNone/>
+              <a:defRPr sz="1800" b="1"/>
+            </a:lvl3pPr>
+            <a:lvl4pPr>
               <a:buNone/>
               <a:defRPr sz="1600" b="1"/>
-            </a:lvl6pPr>
-            <a:lvl7pPr marL="2743200" indent="0">
+            </a:lvl4pPr>
+            <a:lvl5pPr>
               <a:buNone/>
               <a:defRPr sz="1600" b="1"/>
-            </a:lvl7pPr>
-            <a:lvl8pPr marL="3200400" indent="0">
-              <a:buNone/>
-              <a:defRPr sz="1600" b="1"/>
-            </a:lvl8pPr>
-            <a:lvl9pPr marL="3657600" indent="0">
-              <a:buNone/>
-              <a:defRPr sz="1600" b="1"/>
-            </a:lvl9pPr>
+            </a:lvl5pPr>
+            <a:extLst/>
           </a:lstStyle>
           <a:p>
-            <a:pPr lvl="0"/>
-            <a:r>
-              <a:rPr lang="pt-BR" smtClean="0"/>
+            <a:pPr lvl="0" eaLnBrk="1" latinLnBrk="0" hangingPunct="1"/>
+            <a:r>
+              <a:rPr kumimoji="0" lang="pt-BR" smtClean="0"/>
               <a:t>Clique para editar os estilos do texto mestre</a:t>
             </a:r>
           </a:p>
@@ -1854,19 +2558,24 @@
       </p:sp>
       <p:sp>
         <p:nvSpPr>
-          <p:cNvPr id="4" name="Espaço Reservado para Conteúdo 3"/>
-          <p:cNvSpPr>
-            <a:spLocks noGrp="1"/>
-          </p:cNvSpPr>
-          <p:nvPr>
-            <p:ph sz="half" idx="2"/>
-          </p:nvPr>
-        </p:nvSpPr>
-        <p:spPr>
-          <a:xfrm>
-            <a:off x="457200" y="2174875"/>
-            <a:ext cx="4040188" cy="3951288"/>
-          </a:xfrm>
+          <p:cNvPr id="5" name="Espaço Reservado para Conteúdo 4"/>
+          <p:cNvSpPr>
+            <a:spLocks noGrp="1"/>
+          </p:cNvSpPr>
+          <p:nvPr>
+            <p:ph sz="quarter" idx="2"/>
+          </p:nvPr>
+        </p:nvSpPr>
+        <p:spPr>
+          <a:xfrm>
+            <a:off x="457200" y="1444294"/>
+            <a:ext cx="4040188" cy="3941763"/>
+          </a:xfrm>
+          <a:ln>
+            <a:noFill/>
+            <a:prstDash val="sysDash"/>
+            <a:miter lim="800000"/>
+          </a:ln>
         </p:spPr>
         <p:txBody>
           <a:bodyPr/>
@@ -1886,119 +2595,43 @@
             <a:lvl5pPr>
               <a:defRPr sz="1600"/>
             </a:lvl5pPr>
-            <a:lvl6pPr>
-              <a:defRPr sz="1600"/>
-            </a:lvl6pPr>
-            <a:lvl7pPr>
-              <a:defRPr sz="1600"/>
-            </a:lvl7pPr>
-            <a:lvl8pPr>
-              <a:defRPr sz="1600"/>
-            </a:lvl8pPr>
-            <a:lvl9pPr>
-              <a:defRPr sz="1600"/>
-            </a:lvl9pPr>
+            <a:extLst/>
           </a:lstStyle>
           <a:p>
-            <a:pPr lvl="0"/>
+            <a:pPr lvl="0" eaLnBrk="1" latinLnBrk="0" hangingPunct="1"/>
             <a:r>
               <a:rPr lang="pt-BR" smtClean="0"/>
               <a:t>Clique para editar os estilos do texto mestre</a:t>
             </a:r>
           </a:p>
           <a:p>
-            <a:pPr lvl="1"/>
+            <a:pPr lvl="1" eaLnBrk="1" latinLnBrk="0" hangingPunct="1"/>
             <a:r>
               <a:rPr lang="pt-BR" smtClean="0"/>
               <a:t>Segundo nível</a:t>
             </a:r>
           </a:p>
           <a:p>
-            <a:pPr lvl="2"/>
+            <a:pPr lvl="2" eaLnBrk="1" latinLnBrk="0" hangingPunct="1"/>
             <a:r>
               <a:rPr lang="pt-BR" smtClean="0"/>
               <a:t>Terceiro nível</a:t>
             </a:r>
           </a:p>
           <a:p>
-            <a:pPr lvl="3"/>
+            <a:pPr lvl="3" eaLnBrk="1" latinLnBrk="0" hangingPunct="1"/>
             <a:r>
               <a:rPr lang="pt-BR" smtClean="0"/>
               <a:t>Quarto nível</a:t>
             </a:r>
           </a:p>
           <a:p>
-            <a:pPr lvl="4"/>
+            <a:pPr lvl="4" eaLnBrk="1" latinLnBrk="0" hangingPunct="1"/>
             <a:r>
               <a:rPr lang="pt-BR" smtClean="0"/>
               <a:t>Quinto nível</a:t>
             </a:r>
-            <a:endParaRPr lang="pt-BR"/>
-          </a:p>
-        </p:txBody>
-      </p:sp>
-      <p:sp>
-        <p:nvSpPr>
-          <p:cNvPr id="5" name="Espaço Reservado para Texto 4"/>
-          <p:cNvSpPr>
-            <a:spLocks noGrp="1"/>
-          </p:cNvSpPr>
-          <p:nvPr>
-            <p:ph type="body" sz="quarter" idx="3"/>
-          </p:nvPr>
-        </p:nvSpPr>
-        <p:spPr>
-          <a:xfrm>
-            <a:off x="4645025" y="1535113"/>
-            <a:ext cx="4041775" cy="639762"/>
-          </a:xfrm>
-        </p:spPr>
-        <p:txBody>
-          <a:bodyPr anchor="b"/>
-          <a:lstStyle>
-            <a:lvl1pPr marL="0" indent="0">
-              <a:buNone/>
-              <a:defRPr sz="2400" b="1"/>
-            </a:lvl1pPr>
-            <a:lvl2pPr marL="457200" indent="0">
-              <a:buNone/>
-              <a:defRPr sz="2000" b="1"/>
-            </a:lvl2pPr>
-            <a:lvl3pPr marL="914400" indent="0">
-              <a:buNone/>
-              <a:defRPr sz="1800" b="1"/>
-            </a:lvl3pPr>
-            <a:lvl4pPr marL="1371600" indent="0">
-              <a:buNone/>
-              <a:defRPr sz="1600" b="1"/>
-            </a:lvl4pPr>
-            <a:lvl5pPr marL="1828800" indent="0">
-              <a:buNone/>
-              <a:defRPr sz="1600" b="1"/>
-            </a:lvl5pPr>
-            <a:lvl6pPr marL="2286000" indent="0">
-              <a:buNone/>
-              <a:defRPr sz="1600" b="1"/>
-            </a:lvl6pPr>
-            <a:lvl7pPr marL="2743200" indent="0">
-              <a:buNone/>
-              <a:defRPr sz="1600" b="1"/>
-            </a:lvl7pPr>
-            <a:lvl8pPr marL="3200400" indent="0">
-              <a:buNone/>
-              <a:defRPr sz="1600" b="1"/>
-            </a:lvl8pPr>
-            <a:lvl9pPr marL="3657600" indent="0">
-              <a:buNone/>
-              <a:defRPr sz="1600" b="1"/>
-            </a:lvl9pPr>
-          </a:lstStyle>
-          <a:p>
-            <a:pPr lvl="0"/>
-            <a:r>
-              <a:rPr lang="pt-BR" smtClean="0"/>
-              <a:t>Clique para editar os estilos do texto mestre</a:t>
-            </a:r>
+            <a:endParaRPr kumimoji="0" lang="en-US"/>
           </a:p>
         </p:txBody>
       </p:sp>
@@ -2014,14 +2647,22 @@
         </p:nvSpPr>
         <p:spPr>
           <a:xfrm>
-            <a:off x="4645025" y="2174875"/>
-            <a:ext cx="4041775" cy="3951288"/>
-          </a:xfrm>
+            <a:off x="4645025" y="1444294"/>
+            <a:ext cx="4041775" cy="3941763"/>
+          </a:xfrm>
+          <a:ln>
+            <a:noFill/>
+            <a:prstDash val="sysDash"/>
+            <a:miter lim="800000"/>
+          </a:ln>
         </p:spPr>
         <p:txBody>
           <a:bodyPr/>
           <a:lstStyle>
             <a:lvl1pPr>
+              <a:spcBef>
+                <a:spcPts val="0"/>
+              </a:spcBef>
               <a:defRPr sz="2400"/>
             </a:lvl1pPr>
             <a:lvl2pPr>
@@ -2036,54 +2677,43 @@
             <a:lvl5pPr>
               <a:defRPr sz="1600"/>
             </a:lvl5pPr>
-            <a:lvl6pPr>
-              <a:defRPr sz="1600"/>
-            </a:lvl6pPr>
-            <a:lvl7pPr>
-              <a:defRPr sz="1600"/>
-            </a:lvl7pPr>
-            <a:lvl8pPr>
-              <a:defRPr sz="1600"/>
-            </a:lvl8pPr>
-            <a:lvl9pPr>
-              <a:defRPr sz="1600"/>
-            </a:lvl9pPr>
+            <a:extLst/>
           </a:lstStyle>
           <a:p>
-            <a:pPr lvl="0"/>
+            <a:pPr lvl="0" eaLnBrk="1" latinLnBrk="0" hangingPunct="1"/>
             <a:r>
               <a:rPr lang="pt-BR" smtClean="0"/>
               <a:t>Clique para editar os estilos do texto mestre</a:t>
             </a:r>
           </a:p>
           <a:p>
-            <a:pPr lvl="1"/>
+            <a:pPr lvl="1" eaLnBrk="1" latinLnBrk="0" hangingPunct="1"/>
             <a:r>
               <a:rPr lang="pt-BR" smtClean="0"/>
               <a:t>Segundo nível</a:t>
             </a:r>
           </a:p>
           <a:p>
-            <a:pPr lvl="2"/>
+            <a:pPr lvl="2" eaLnBrk="1" latinLnBrk="0" hangingPunct="1"/>
             <a:r>
               <a:rPr lang="pt-BR" smtClean="0"/>
               <a:t>Terceiro nível</a:t>
             </a:r>
           </a:p>
           <a:p>
-            <a:pPr lvl="3"/>
+            <a:pPr lvl="3" eaLnBrk="1" latinLnBrk="0" hangingPunct="1"/>
             <a:r>
               <a:rPr lang="pt-BR" smtClean="0"/>
               <a:t>Quarto nível</a:t>
             </a:r>
           </a:p>
           <a:p>
-            <a:pPr lvl="4"/>
+            <a:pPr lvl="4" eaLnBrk="1" latinLnBrk="0" hangingPunct="1"/>
             <a:r>
               <a:rPr lang="pt-BR" smtClean="0"/>
               <a:t>Quinto nível</a:t>
             </a:r>
-            <a:endParaRPr lang="pt-BR"/>
+            <a:endParaRPr kumimoji="0" lang="en-US"/>
           </a:p>
         </p:txBody>
       </p:sp>
@@ -2100,10 +2730,13 @@
         <p:spPr/>
         <p:txBody>
           <a:bodyPr/>
-          <a:lstStyle/>
+          <a:lstStyle>
+            <a:extLst/>
+          </a:lstStyle>
           <a:p>
             <a:fld id="{4F9676E9-7C7C-4CB2-AD7C-754359FF8072}" type="datetime1">
               <a:rPr lang="pt-BR" smtClean="0"/>
+              <a:pPr/>
               <a:t>13/11/2008</a:t>
             </a:fld>
             <a:endParaRPr lang="pt-BR"/>
@@ -2123,7 +2756,9 @@
         <p:spPr/>
         <p:txBody>
           <a:bodyPr/>
-          <a:lstStyle/>
+          <a:lstStyle>
+            <a:extLst/>
+          </a:lstStyle>
           <a:p>
             <a:endParaRPr lang="pt-BR"/>
           </a:p>
@@ -2142,7 +2777,9 @@
         <p:spPr/>
         <p:txBody>
           <a:bodyPr/>
-          <a:lstStyle/>
+          <a:lstStyle>
+            <a:extLst/>
+          </a:lstStyle>
           <a:p>
             <a:fld id="{2119D8CF-8DEC-4D9F-84EE-ADF04DFF3391}" type="slidenum">
               <a:rPr lang="pt-BR" smtClean="0"/>
@@ -2180,44 +2817,24 @@
       </p:grpSpPr>
       <p:sp>
         <p:nvSpPr>
-          <p:cNvPr id="2" name="Título 1"/>
-          <p:cNvSpPr>
-            <a:spLocks noGrp="1"/>
-          </p:cNvSpPr>
-          <p:nvPr>
-            <p:ph type="title"/>
+          <p:cNvPr id="3" name="Espaço Reservado para Data 2"/>
+          <p:cNvSpPr>
+            <a:spLocks noGrp="1"/>
+          </p:cNvSpPr>
+          <p:nvPr>
+            <p:ph type="dt" sz="half" idx="10"/>
           </p:nvPr>
         </p:nvSpPr>
         <p:spPr/>
         <p:txBody>
           <a:bodyPr/>
-          <a:lstStyle/>
-          <a:p>
-            <a:r>
-              <a:rPr lang="pt-BR" smtClean="0"/>
-              <a:t>Clique para editar o estilo do título mestre</a:t>
-            </a:r>
-            <a:endParaRPr lang="pt-BR"/>
-          </a:p>
-        </p:txBody>
-      </p:sp>
-      <p:sp>
-        <p:nvSpPr>
-          <p:cNvPr id="3" name="Espaço Reservado para Data 2"/>
-          <p:cNvSpPr>
-            <a:spLocks noGrp="1"/>
-          </p:cNvSpPr>
-          <p:nvPr>
-            <p:ph type="dt" sz="half" idx="10"/>
-          </p:nvPr>
-        </p:nvSpPr>
-        <p:spPr/>
-        <p:txBody>
-          <a:bodyPr/>
-          <a:lstStyle/>
+          <a:lstStyle>
+            <a:extLst/>
+          </a:lstStyle>
           <a:p>
             <a:fld id="{9946A0A0-6AD6-40DF-B5AA-DB038055ACAC}" type="datetime1">
               <a:rPr lang="pt-BR" smtClean="0"/>
+              <a:pPr/>
               <a:t>13/11/2008</a:t>
             </a:fld>
             <a:endParaRPr lang="pt-BR"/>
@@ -2237,7 +2854,9 @@
         <p:spPr/>
         <p:txBody>
           <a:bodyPr/>
-          <a:lstStyle/>
+          <a:lstStyle>
+            <a:extLst/>
+          </a:lstStyle>
           <a:p>
             <a:endParaRPr lang="pt-BR"/>
           </a:p>
@@ -2256,7 +2875,9 @@
         <p:spPr/>
         <p:txBody>
           <a:bodyPr/>
-          <a:lstStyle/>
+          <a:lstStyle>
+            <a:extLst/>
+          </a:lstStyle>
           <a:p>
             <a:fld id="{2119D8CF-8DEC-4D9F-84EE-ADF04DFF3391}" type="slidenum">
               <a:rPr lang="pt-BR" smtClean="0"/>
@@ -2264,6 +2885,31 @@
               <a:t>‹nº›</a:t>
             </a:fld>
             <a:endParaRPr lang="pt-BR"/>
+          </a:p>
+        </p:txBody>
+      </p:sp>
+      <p:sp>
+        <p:nvSpPr>
+          <p:cNvPr id="6" name="Título 5"/>
+          <p:cNvSpPr>
+            <a:spLocks noGrp="1"/>
+          </p:cNvSpPr>
+          <p:nvPr>
+            <p:ph type="title"/>
+          </p:nvPr>
+        </p:nvSpPr>
+        <p:spPr/>
+        <p:txBody>
+          <a:bodyPr rtlCol="0"/>
+          <a:lstStyle>
+            <a:extLst/>
+          </a:lstStyle>
+          <a:p>
+            <a:r>
+              <a:rPr kumimoji="0" lang="pt-BR" smtClean="0"/>
+              <a:t>Clique para editar o estilo do título mestre</a:t>
+            </a:r>
+            <a:endParaRPr kumimoji="0" lang="en-US"/>
           </a:p>
         </p:txBody>
       </p:sp>
@@ -2305,10 +2951,13 @@
         <p:spPr/>
         <p:txBody>
           <a:bodyPr/>
-          <a:lstStyle/>
+          <a:lstStyle>
+            <a:extLst/>
+          </a:lstStyle>
           <a:p>
             <a:fld id="{60F921E2-4A99-49A7-9E4E-A760A72EDB61}" type="datetime1">
               <a:rPr lang="pt-BR" smtClean="0"/>
+              <a:pPr/>
               <a:t>13/11/2008</a:t>
             </a:fld>
             <a:endParaRPr lang="pt-BR"/>
@@ -2328,7 +2977,9 @@
         <p:spPr/>
         <p:txBody>
           <a:bodyPr/>
-          <a:lstStyle/>
+          <a:lstStyle>
+            <a:extLst/>
+          </a:lstStyle>
           <a:p>
             <a:endParaRPr lang="pt-BR"/>
           </a:p>
@@ -2347,7 +2998,9 @@
         <p:spPr/>
         <p:txBody>
           <a:bodyPr/>
-          <a:lstStyle/>
+          <a:lstStyle>
+            <a:extLst/>
+          </a:lstStyle>
           <a:p>
             <a:fld id="{2119D8CF-8DEC-4D9F-84EE-ADF04DFF3391}" type="slidenum">
               <a:rPr lang="pt-BR" smtClean="0"/>
@@ -2367,7 +3020,7 @@
 </file>
 
 <file path=ppt/slideLayouts/slideLayout8.xml><?xml version="1.0" encoding="utf-8"?>
-<p:sldLayout xmlns:a="http://schemas.openxmlformats.org/drawingml/2006/main" xmlns:r="http://schemas.openxmlformats.org/officeDocument/2006/relationships" xmlns:p="http://schemas.openxmlformats.org/presentationml/2006/main" type="objTx" preserve="1">
+<p:sldLayout xmlns:a="http://schemas.openxmlformats.org/drawingml/2006/main" xmlns:r="http://schemas.openxmlformats.org/officeDocument/2006/relationships" xmlns:p="http://schemas.openxmlformats.org/presentationml/2006/main" showMasterSp="0" type="objTx" preserve="1">
   <p:cSld name="Conteúdo com Legenda">
     <p:spTree>
       <p:nvGrpSpPr>
@@ -2395,40 +3048,102 @@
         </p:nvSpPr>
         <p:spPr>
           <a:xfrm>
-            <a:off x="457200" y="273050"/>
-            <a:ext cx="3008313" cy="1162050"/>
-          </a:xfrm>
-        </p:spPr>
-        <p:txBody>
-          <a:bodyPr anchor="b"/>
+            <a:off x="914400" y="4876800"/>
+            <a:ext cx="7481776" cy="457200"/>
+          </a:xfrm>
+        </p:spPr>
+        <p:txBody>
+          <a:bodyPr vert="horz" anchor="t">
+            <a:noAutofit/>
+            <a:sp3d prstMaterial="softEdge">
+              <a:bevelT w="0" h="0"/>
+            </a:sp3d>
+          </a:bodyPr>
           <a:lstStyle>
-            <a:lvl1pPr algn="l">
-              <a:defRPr sz="2000" b="1"/>
+            <a:lvl1pPr algn="r">
+              <a:buNone/>
+              <a:defRPr sz="2500" b="0">
+                <a:solidFill>
+                  <a:schemeClr val="accent1"/>
+                </a:solidFill>
+                <a:effectLst/>
+              </a:defRPr>
             </a:lvl1pPr>
+            <a:extLst/>
           </a:lstStyle>
           <a:p>
             <a:r>
-              <a:rPr lang="pt-BR" smtClean="0"/>
+              <a:rPr kumimoji="0" lang="pt-BR" smtClean="0"/>
               <a:t>Clique para editar o estilo do título mestre</a:t>
             </a:r>
-            <a:endParaRPr lang="pt-BR"/>
-          </a:p>
-        </p:txBody>
-      </p:sp>
-      <p:sp>
-        <p:nvSpPr>
-          <p:cNvPr id="3" name="Espaço Reservado para Conteúdo 2"/>
-          <p:cNvSpPr>
-            <a:spLocks noGrp="1"/>
-          </p:cNvSpPr>
-          <p:nvPr>
-            <p:ph idx="1"/>
-          </p:nvPr>
-        </p:nvSpPr>
-        <p:spPr>
-          <a:xfrm>
-            <a:off x="3575050" y="273050"/>
-            <a:ext cx="5111750" cy="5853113"/>
+            <a:endParaRPr kumimoji="0" lang="en-US"/>
+          </a:p>
+        </p:txBody>
+      </p:sp>
+      <p:sp>
+        <p:nvSpPr>
+          <p:cNvPr id="3" name="Espaço Reservado para Texto 2"/>
+          <p:cNvSpPr>
+            <a:spLocks noGrp="1"/>
+          </p:cNvSpPr>
+          <p:nvPr>
+            <p:ph type="body" idx="2"/>
+          </p:nvPr>
+        </p:nvSpPr>
+        <p:spPr>
+          <a:xfrm>
+            <a:off x="4419600" y="5355102"/>
+            <a:ext cx="3974592" cy="914400"/>
+          </a:xfrm>
+        </p:spPr>
+        <p:txBody>
+          <a:bodyPr/>
+          <a:lstStyle>
+            <a:lvl1pPr marL="0" indent="0" algn="r">
+              <a:buNone/>
+              <a:defRPr sz="1600"/>
+            </a:lvl1pPr>
+            <a:lvl2pPr>
+              <a:buNone/>
+              <a:defRPr sz="1200"/>
+            </a:lvl2pPr>
+            <a:lvl3pPr>
+              <a:buNone/>
+              <a:defRPr sz="1000"/>
+            </a:lvl3pPr>
+            <a:lvl4pPr>
+              <a:buNone/>
+              <a:defRPr sz="900"/>
+            </a:lvl4pPr>
+            <a:lvl5pPr>
+              <a:buNone/>
+              <a:defRPr sz="900"/>
+            </a:lvl5pPr>
+            <a:extLst/>
+          </a:lstStyle>
+          <a:p>
+            <a:pPr lvl="0" eaLnBrk="1" latinLnBrk="0" hangingPunct="1"/>
+            <a:r>
+              <a:rPr kumimoji="0" lang="pt-BR" smtClean="0"/>
+              <a:t>Clique para editar os estilos do texto mestre</a:t>
+            </a:r>
+          </a:p>
+        </p:txBody>
+      </p:sp>
+      <p:sp>
+        <p:nvSpPr>
+          <p:cNvPr id="4" name="Espaço Reservado para Conteúdo 3"/>
+          <p:cNvSpPr>
+            <a:spLocks noGrp="1"/>
+          </p:cNvSpPr>
+          <p:nvPr>
+            <p:ph sz="half" idx="1"/>
+          </p:nvPr>
+        </p:nvSpPr>
+        <p:spPr>
+          <a:xfrm>
+            <a:off x="914400" y="274320"/>
+            <a:ext cx="7479792" cy="4572000"/>
           </a:xfrm>
         </p:spPr>
         <p:txBody>
@@ -2449,139 +3164,71 @@
             <a:lvl5pPr>
               <a:defRPr sz="2000"/>
             </a:lvl5pPr>
-            <a:lvl6pPr>
-              <a:defRPr sz="2000"/>
-            </a:lvl6pPr>
-            <a:lvl7pPr>
-              <a:defRPr sz="2000"/>
-            </a:lvl7pPr>
-            <a:lvl8pPr>
-              <a:defRPr sz="2000"/>
-            </a:lvl8pPr>
-            <a:lvl9pPr>
-              <a:defRPr sz="2000"/>
-            </a:lvl9pPr>
+            <a:extLst/>
           </a:lstStyle>
           <a:p>
-            <a:pPr lvl="0"/>
+            <a:pPr lvl="0" eaLnBrk="1" latinLnBrk="0" hangingPunct="1"/>
             <a:r>
               <a:rPr lang="pt-BR" smtClean="0"/>
               <a:t>Clique para editar os estilos do texto mestre</a:t>
             </a:r>
           </a:p>
           <a:p>
-            <a:pPr lvl="1"/>
+            <a:pPr lvl="1" eaLnBrk="1" latinLnBrk="0" hangingPunct="1"/>
             <a:r>
               <a:rPr lang="pt-BR" smtClean="0"/>
               <a:t>Segundo nível</a:t>
             </a:r>
           </a:p>
           <a:p>
-            <a:pPr lvl="2"/>
+            <a:pPr lvl="2" eaLnBrk="1" latinLnBrk="0" hangingPunct="1"/>
             <a:r>
               <a:rPr lang="pt-BR" smtClean="0"/>
               <a:t>Terceiro nível</a:t>
             </a:r>
           </a:p>
           <a:p>
-            <a:pPr lvl="3"/>
+            <a:pPr lvl="3" eaLnBrk="1" latinLnBrk="0" hangingPunct="1"/>
             <a:r>
               <a:rPr lang="pt-BR" smtClean="0"/>
               <a:t>Quarto nível</a:t>
             </a:r>
           </a:p>
           <a:p>
-            <a:pPr lvl="4"/>
+            <a:pPr lvl="4" eaLnBrk="1" latinLnBrk="0" hangingPunct="1"/>
             <a:r>
               <a:rPr lang="pt-BR" smtClean="0"/>
               <a:t>Quinto nível</a:t>
             </a:r>
-            <a:endParaRPr lang="pt-BR"/>
-          </a:p>
-        </p:txBody>
-      </p:sp>
-      <p:sp>
-        <p:nvSpPr>
-          <p:cNvPr id="4" name="Espaço Reservado para Texto 3"/>
-          <p:cNvSpPr>
-            <a:spLocks noGrp="1"/>
-          </p:cNvSpPr>
-          <p:nvPr>
-            <p:ph type="body" sz="half" idx="2"/>
-          </p:nvPr>
-        </p:nvSpPr>
-        <p:spPr>
-          <a:xfrm>
-            <a:off x="457200" y="1435100"/>
-            <a:ext cx="3008313" cy="4691063"/>
+            <a:endParaRPr kumimoji="0" lang="en-US"/>
+          </a:p>
+        </p:txBody>
+      </p:sp>
+      <p:sp>
+        <p:nvSpPr>
+          <p:cNvPr id="5" name="Espaço Reservado para Data 4"/>
+          <p:cNvSpPr>
+            <a:spLocks noGrp="1"/>
+          </p:cNvSpPr>
+          <p:nvPr>
+            <p:ph type="dt" sz="half" idx="10"/>
+          </p:nvPr>
+        </p:nvSpPr>
+        <p:spPr>
+          <a:xfrm>
+            <a:off x="6727032" y="6407944"/>
+            <a:ext cx="1920240" cy="365760"/>
           </a:xfrm>
         </p:spPr>
         <p:txBody>
           <a:bodyPr/>
           <a:lstStyle>
-            <a:lvl1pPr marL="0" indent="0">
-              <a:buNone/>
-              <a:defRPr sz="1400"/>
-            </a:lvl1pPr>
-            <a:lvl2pPr marL="457200" indent="0">
-              <a:buNone/>
-              <a:defRPr sz="1200"/>
-            </a:lvl2pPr>
-            <a:lvl3pPr marL="914400" indent="0">
-              <a:buNone/>
-              <a:defRPr sz="1000"/>
-            </a:lvl3pPr>
-            <a:lvl4pPr marL="1371600" indent="0">
-              <a:buNone/>
-              <a:defRPr sz="900"/>
-            </a:lvl4pPr>
-            <a:lvl5pPr marL="1828800" indent="0">
-              <a:buNone/>
-              <a:defRPr sz="900"/>
-            </a:lvl5pPr>
-            <a:lvl6pPr marL="2286000" indent="0">
-              <a:buNone/>
-              <a:defRPr sz="900"/>
-            </a:lvl6pPr>
-            <a:lvl7pPr marL="2743200" indent="0">
-              <a:buNone/>
-              <a:defRPr sz="900"/>
-            </a:lvl7pPr>
-            <a:lvl8pPr marL="3200400" indent="0">
-              <a:buNone/>
-              <a:defRPr sz="900"/>
-            </a:lvl8pPr>
-            <a:lvl9pPr marL="3657600" indent="0">
-              <a:buNone/>
-              <a:defRPr sz="900"/>
-            </a:lvl9pPr>
+            <a:extLst/>
           </a:lstStyle>
-          <a:p>
-            <a:pPr lvl="0"/>
-            <a:r>
-              <a:rPr lang="pt-BR" smtClean="0"/>
-              <a:t>Clique para editar os estilos do texto mestre</a:t>
-            </a:r>
-          </a:p>
-        </p:txBody>
-      </p:sp>
-      <p:sp>
-        <p:nvSpPr>
-          <p:cNvPr id="5" name="Espaço Reservado para Data 4"/>
-          <p:cNvSpPr>
-            <a:spLocks noGrp="1"/>
-          </p:cNvSpPr>
-          <p:nvPr>
-            <p:ph type="dt" sz="half" idx="10"/>
-          </p:nvPr>
-        </p:nvSpPr>
-        <p:spPr/>
-        <p:txBody>
-          <a:bodyPr/>
-          <a:lstStyle/>
           <a:p>
             <a:fld id="{DF95FB77-E082-4BD7-92AF-ED50EB947FC9}" type="datetime1">
               <a:rPr lang="pt-BR" smtClean="0"/>
+              <a:pPr/>
               <a:t>13/11/2008</a:t>
             </a:fld>
             <a:endParaRPr lang="pt-BR"/>
@@ -2601,7 +3248,9 @@
         <p:spPr/>
         <p:txBody>
           <a:bodyPr/>
-          <a:lstStyle/>
+          <a:lstStyle>
+            <a:extLst/>
+          </a:lstStyle>
           <a:p>
             <a:endParaRPr lang="pt-BR"/>
           </a:p>
@@ -2620,7 +3269,9 @@
         <p:spPr/>
         <p:txBody>
           <a:bodyPr/>
-          <a:lstStyle/>
+          <a:lstStyle>
+            <a:extLst/>
+          </a:lstStyle>
           <a:p>
             <a:fld id="{2119D8CF-8DEC-4D9F-84EE-ADF04DFF3391}" type="slidenum">
               <a:rPr lang="pt-BR" smtClean="0"/>
@@ -2640,7 +3291,7 @@
 </file>
 
 <file path=ppt/slideLayouts/slideLayout9.xml><?xml version="1.0" encoding="utf-8"?>
-<p:sldLayout xmlns:a="http://schemas.openxmlformats.org/drawingml/2006/main" xmlns:r="http://schemas.openxmlformats.org/officeDocument/2006/relationships" xmlns:p="http://schemas.openxmlformats.org/presentationml/2006/main" type="picTx" preserve="1">
+<p:sldLayout xmlns:a="http://schemas.openxmlformats.org/drawingml/2006/main" xmlns:r="http://schemas.openxmlformats.org/officeDocument/2006/relationships" xmlns:p="http://schemas.openxmlformats.org/presentationml/2006/main" showMasterSp="0" type="picTx" preserve="1">
   <p:cSld name="Imagem com Legenda">
     <p:spTree>
       <p:nvGrpSpPr>
@@ -2658,33 +3309,48 @@
       </p:grpSpPr>
       <p:sp>
         <p:nvSpPr>
-          <p:cNvPr id="2" name="Título 1"/>
-          <p:cNvSpPr>
-            <a:spLocks noGrp="1"/>
-          </p:cNvSpPr>
-          <p:nvPr>
-            <p:ph type="title"/>
-          </p:nvPr>
-        </p:nvSpPr>
-        <p:spPr>
-          <a:xfrm>
-            <a:off x="1792288" y="4800600"/>
-            <a:ext cx="5486400" cy="566738"/>
-          </a:xfrm>
-        </p:spPr>
-        <p:txBody>
-          <a:bodyPr anchor="b"/>
+          <p:cNvPr id="4" name="Espaço Reservado para Texto 3"/>
+          <p:cNvSpPr>
+            <a:spLocks noGrp="1"/>
+          </p:cNvSpPr>
+          <p:nvPr>
+            <p:ph type="body" sz="half" idx="2"/>
+          </p:nvPr>
+        </p:nvSpPr>
+        <p:spPr>
+          <a:xfrm>
+            <a:off x="1141232" y="5443402"/>
+            <a:ext cx="7162800" cy="648232"/>
+          </a:xfrm>
+          <a:noFill/>
+        </p:spPr>
+        <p:txBody>
+          <a:bodyPr lIns="91440" tIns="0" rIns="91440" anchor="t"/>
           <a:lstStyle>
-            <a:lvl1pPr algn="l">
-              <a:defRPr sz="2000" b="1"/>
+            <a:lvl1pPr marL="0" marR="18288" indent="0" algn="r">
+              <a:buNone/>
+              <a:defRPr sz="1400"/>
             </a:lvl1pPr>
+            <a:lvl2pPr>
+              <a:defRPr sz="1200"/>
+            </a:lvl2pPr>
+            <a:lvl3pPr>
+              <a:defRPr sz="1000"/>
+            </a:lvl3pPr>
+            <a:lvl4pPr>
+              <a:defRPr sz="900"/>
+            </a:lvl4pPr>
+            <a:lvl5pPr>
+              <a:defRPr sz="900"/>
+            </a:lvl5pPr>
+            <a:extLst/>
           </a:lstStyle>
           <a:p>
-            <a:r>
-              <a:rPr lang="pt-BR" smtClean="0"/>
-              <a:t>Clique para editar o estilo do título mestre</a:t>
-            </a:r>
-            <a:endParaRPr lang="pt-BR"/>
+            <a:pPr lvl="0" eaLnBrk="1" latinLnBrk="0" hangingPunct="1"/>
+            <a:r>
+              <a:rPr kumimoji="0" lang="pt-BR" smtClean="0"/>
+              <a:t>Clique para editar os estilos do texto mestre</a:t>
+            </a:r>
           </a:p>
         </p:txBody>
       </p:sp>
@@ -2700,9 +3366,25 @@
         </p:nvSpPr>
         <p:spPr>
           <a:xfrm>
-            <a:off x="1792288" y="612775"/>
-            <a:ext cx="5486400" cy="4114800"/>
-          </a:xfrm>
+            <a:off x="228600" y="189968"/>
+            <a:ext cx="8686800" cy="4389120"/>
+          </a:xfrm>
+          <a:prstGeom prst="rect">
+            <a:avLst/>
+          </a:prstGeom>
+          <a:solidFill>
+            <a:schemeClr val="bg2"/>
+          </a:solidFill>
+          <a:ln>
+            <a:solidFill>
+              <a:schemeClr val="bg1"/>
+            </a:solidFill>
+          </a:ln>
+          <a:effectLst>
+            <a:innerShdw blurRad="95250">
+              <a:srgbClr val="000000"/>
+            </a:innerShdw>
+          </a:effectLst>
         </p:spPr>
         <p:txBody>
           <a:bodyPr/>
@@ -2711,126 +3393,44 @@
               <a:buNone/>
               <a:defRPr sz="3200"/>
             </a:lvl1pPr>
-            <a:lvl2pPr marL="457200" indent="0">
-              <a:buNone/>
-              <a:defRPr sz="2800"/>
-            </a:lvl2pPr>
-            <a:lvl3pPr marL="914400" indent="0">
-              <a:buNone/>
-              <a:defRPr sz="2400"/>
-            </a:lvl3pPr>
-            <a:lvl4pPr marL="1371600" indent="0">
-              <a:buNone/>
-              <a:defRPr sz="2000"/>
-            </a:lvl4pPr>
-            <a:lvl5pPr marL="1828800" indent="0">
-              <a:buNone/>
-              <a:defRPr sz="2000"/>
-            </a:lvl5pPr>
-            <a:lvl6pPr marL="2286000" indent="0">
-              <a:buNone/>
-              <a:defRPr sz="2000"/>
-            </a:lvl6pPr>
-            <a:lvl7pPr marL="2743200" indent="0">
-              <a:buNone/>
-              <a:defRPr sz="2000"/>
-            </a:lvl7pPr>
-            <a:lvl8pPr marL="3200400" indent="0">
-              <a:buNone/>
-              <a:defRPr sz="2000"/>
-            </a:lvl8pPr>
-            <a:lvl9pPr marL="3657600" indent="0">
-              <a:buNone/>
-              <a:defRPr sz="2000"/>
-            </a:lvl9pPr>
+            <a:extLst/>
           </a:lstStyle>
           <a:p>
-            <a:endParaRPr lang="pt-BR"/>
-          </a:p>
-        </p:txBody>
-      </p:sp>
-      <p:sp>
-        <p:nvSpPr>
-          <p:cNvPr id="4" name="Espaço Reservado para Texto 3"/>
-          <p:cNvSpPr>
-            <a:spLocks noGrp="1"/>
-          </p:cNvSpPr>
-          <p:nvPr>
-            <p:ph type="body" sz="half" idx="2"/>
-          </p:nvPr>
-        </p:nvSpPr>
-        <p:spPr>
-          <a:xfrm>
-            <a:off x="1792288" y="5367338"/>
-            <a:ext cx="5486400" cy="804862"/>
-          </a:xfrm>
-        </p:spPr>
+            <a:r>
+              <a:rPr kumimoji="0" lang="pt-BR" smtClean="0"/>
+              <a:t>Clique no ícone para adicionar uma imagem</a:t>
+            </a:r>
+            <a:endParaRPr kumimoji="0" lang="en-US" dirty="0"/>
+          </a:p>
+        </p:txBody>
+      </p:sp>
+      <p:sp>
+        <p:nvSpPr>
+          <p:cNvPr id="5" name="Espaço Reservado para Data 4"/>
+          <p:cNvSpPr>
+            <a:spLocks noGrp="1"/>
+          </p:cNvSpPr>
+          <p:nvPr>
+            <p:ph type="dt" sz="half" idx="10"/>
+          </p:nvPr>
+        </p:nvSpPr>
+        <p:spPr/>
         <p:txBody>
           <a:bodyPr/>
           <a:lstStyle>
-            <a:lvl1pPr marL="0" indent="0">
-              <a:buNone/>
-              <a:defRPr sz="1400"/>
+            <a:lvl1pPr>
+              <a:defRPr>
+                <a:solidFill>
+                  <a:schemeClr val="tx1"/>
+                </a:solidFill>
+              </a:defRPr>
             </a:lvl1pPr>
-            <a:lvl2pPr marL="457200" indent="0">
-              <a:buNone/>
-              <a:defRPr sz="1200"/>
-            </a:lvl2pPr>
-            <a:lvl3pPr marL="914400" indent="0">
-              <a:buNone/>
-              <a:defRPr sz="1000"/>
-            </a:lvl3pPr>
-            <a:lvl4pPr marL="1371600" indent="0">
-              <a:buNone/>
-              <a:defRPr sz="900"/>
-            </a:lvl4pPr>
-            <a:lvl5pPr marL="1828800" indent="0">
-              <a:buNone/>
-              <a:defRPr sz="900"/>
-            </a:lvl5pPr>
-            <a:lvl6pPr marL="2286000" indent="0">
-              <a:buNone/>
-              <a:defRPr sz="900"/>
-            </a:lvl6pPr>
-            <a:lvl7pPr marL="2743200" indent="0">
-              <a:buNone/>
-              <a:defRPr sz="900"/>
-            </a:lvl7pPr>
-            <a:lvl8pPr marL="3200400" indent="0">
-              <a:buNone/>
-              <a:defRPr sz="900"/>
-            </a:lvl8pPr>
-            <a:lvl9pPr marL="3657600" indent="0">
-              <a:buNone/>
-              <a:defRPr sz="900"/>
-            </a:lvl9pPr>
+            <a:extLst/>
           </a:lstStyle>
-          <a:p>
-            <a:pPr lvl="0"/>
-            <a:r>
-              <a:rPr lang="pt-BR" smtClean="0"/>
-              <a:t>Clique para editar os estilos do texto mestre</a:t>
-            </a:r>
-          </a:p>
-        </p:txBody>
-      </p:sp>
-      <p:sp>
-        <p:nvSpPr>
-          <p:cNvPr id="5" name="Espaço Reservado para Data 4"/>
-          <p:cNvSpPr>
-            <a:spLocks noGrp="1"/>
-          </p:cNvSpPr>
-          <p:nvPr>
-            <p:ph type="dt" sz="half" idx="10"/>
-          </p:nvPr>
-        </p:nvSpPr>
-        <p:spPr/>
-        <p:txBody>
-          <a:bodyPr/>
-          <a:lstStyle/>
           <a:p>
             <a:fld id="{481CE3B9-6BD6-4CD4-9904-92AE824EF50A}" type="datetime1">
               <a:rPr lang="pt-BR" smtClean="0"/>
+              <a:pPr/>
               <a:t>13/11/2008</a:t>
             </a:fld>
             <a:endParaRPr lang="pt-BR"/>
@@ -2847,29 +3447,52 @@
             <p:ph type="ftr" sz="quarter" idx="11"/>
           </p:nvPr>
         </p:nvSpPr>
+        <p:spPr>
+          <a:xfrm>
+            <a:off x="4380072" y="6407944"/>
+            <a:ext cx="2350681" cy="365125"/>
+          </a:xfrm>
+        </p:spPr>
+        <p:txBody>
+          <a:bodyPr/>
+          <a:lstStyle>
+            <a:lvl1pPr>
+              <a:defRPr>
+                <a:solidFill>
+                  <a:schemeClr val="tx1"/>
+                </a:solidFill>
+              </a:defRPr>
+            </a:lvl1pPr>
+            <a:extLst/>
+          </a:lstStyle>
+          <a:p>
+            <a:endParaRPr lang="pt-BR"/>
+          </a:p>
+        </p:txBody>
+      </p:sp>
+      <p:sp>
+        <p:nvSpPr>
+          <p:cNvPr id="7" name="Espaço Reservado para Número de Slide 6"/>
+          <p:cNvSpPr>
+            <a:spLocks noGrp="1"/>
+          </p:cNvSpPr>
+          <p:nvPr>
+            <p:ph type="sldNum" sz="quarter" idx="12"/>
+          </p:nvPr>
+        </p:nvSpPr>
         <p:spPr/>
         <p:txBody>
           <a:bodyPr/>
-          <a:lstStyle/>
-          <a:p>
-            <a:endParaRPr lang="pt-BR"/>
-          </a:p>
-        </p:txBody>
-      </p:sp>
-      <p:sp>
-        <p:nvSpPr>
-          <p:cNvPr id="7" name="Espaço Reservado para Número de Slide 6"/>
-          <p:cNvSpPr>
-            <a:spLocks noGrp="1"/>
-          </p:cNvSpPr>
-          <p:nvPr>
-            <p:ph type="sldNum" sz="quarter" idx="12"/>
-          </p:nvPr>
-        </p:nvSpPr>
-        <p:spPr/>
-        <p:txBody>
-          <a:bodyPr/>
-          <a:lstStyle/>
+          <a:lstStyle>
+            <a:lvl1pPr>
+              <a:defRPr>
+                <a:solidFill>
+                  <a:schemeClr val="tx1"/>
+                </a:solidFill>
+              </a:defRPr>
+            </a:lvl1pPr>
+            <a:extLst/>
+          </a:lstStyle>
           <a:p>
             <a:fld id="{2119D8CF-8DEC-4D9F-84EE-ADF04DFF3391}" type="slidenum">
               <a:rPr lang="pt-BR" smtClean="0"/>
@@ -2877,6 +3500,544 @@
               <a:t>‹nº›</a:t>
             </a:fld>
             <a:endParaRPr lang="pt-BR"/>
+          </a:p>
+        </p:txBody>
+      </p:sp>
+      <p:sp>
+        <p:nvSpPr>
+          <p:cNvPr id="2" name="Título 1"/>
+          <p:cNvSpPr>
+            <a:spLocks noGrp="1"/>
+          </p:cNvSpPr>
+          <p:nvPr>
+            <p:ph type="title"/>
+          </p:nvPr>
+        </p:nvSpPr>
+        <p:spPr>
+          <a:xfrm>
+            <a:off x="228600" y="4865122"/>
+            <a:ext cx="8075432" cy="562672"/>
+          </a:xfrm>
+          <a:noFill/>
+        </p:spPr>
+        <p:txBody>
+          <a:bodyPr anchor="t">
+            <a:sp3d prstMaterial="softEdge"/>
+          </a:bodyPr>
+          <a:lstStyle>
+            <a:lvl1pPr marR="0" algn="r">
+              <a:buNone/>
+              <a:defRPr sz="3000" b="0">
+                <a:solidFill>
+                  <a:schemeClr val="accent1"/>
+                </a:solidFill>
+                <a:effectLst>
+                  <a:outerShdw blurRad="50800" dist="25000" dir="5400000" algn="t" rotWithShape="0">
+                    <a:prstClr val="black">
+                      <a:alpha val="45000"/>
+                    </a:prstClr>
+                  </a:outerShdw>
+                </a:effectLst>
+              </a:defRPr>
+            </a:lvl1pPr>
+            <a:extLst/>
+          </a:lstStyle>
+          <a:p>
+            <a:r>
+              <a:rPr kumimoji="0" lang="pt-BR" smtClean="0"/>
+              <a:t>Clique para editar o estilo do título mestre</a:t>
+            </a:r>
+            <a:endParaRPr kumimoji="0" lang="en-US"/>
+          </a:p>
+        </p:txBody>
+      </p:sp>
+      <p:sp>
+        <p:nvSpPr>
+          <p:cNvPr id="8" name="Forma livre 7"/>
+          <p:cNvSpPr>
+            <a:spLocks/>
+          </p:cNvSpPr>
+          <p:nvPr/>
+        </p:nvSpPr>
+        <p:spPr bwMode="auto">
+          <a:xfrm>
+            <a:off x="499273" y="5944936"/>
+            <a:ext cx="4940624" cy="921076"/>
+          </a:xfrm>
+          <a:custGeom>
+            <a:avLst>
+              <a:gd name="A1" fmla="val 0"/>
+              <a:gd name="A2" fmla="val 0"/>
+              <a:gd name="A3" fmla="val 0"/>
+              <a:gd name="A4" fmla="val 0"/>
+              <a:gd name="A5" fmla="val 0"/>
+              <a:gd name="A6" fmla="val 0"/>
+              <a:gd name="A7" fmla="val 0"/>
+              <a:gd name="A8" fmla="val 0"/>
+            </a:avLst>
+            <a:gdLst/>
+            <a:ahLst/>
+            <a:cxnLst>
+              <a:cxn ang="0">
+                <a:pos x="0" y="0"/>
+              </a:cxn>
+              <a:cxn ang="0">
+                <a:pos x="5760" y="0"/>
+              </a:cxn>
+              <a:cxn ang="0">
+                <a:pos x="5760" y="528"/>
+              </a:cxn>
+              <a:cxn ang="0">
+                <a:pos x="48" y="0"/>
+              </a:cxn>
+            </a:cxnLst>
+            <a:rect l="0" t="0" r="0" b="0"/>
+            <a:pathLst>
+              <a:path w="7485" h="337">
+                <a:moveTo>
+                  <a:pt x="0" y="2"/>
+                </a:moveTo>
+                <a:lnTo>
+                  <a:pt x="7485" y="337"/>
+                </a:lnTo>
+                <a:lnTo>
+                  <a:pt x="5558" y="337"/>
+                </a:lnTo>
+                <a:lnTo>
+                  <a:pt x="1" y="0"/>
+                </a:lnTo>
+              </a:path>
+            </a:pathLst>
+          </a:custGeom>
+          <a:solidFill>
+            <a:schemeClr val="accent1">
+              <a:tint val="65000"/>
+              <a:satMod val="115000"/>
+              <a:alpha val="40000"/>
+            </a:schemeClr>
+          </a:solidFill>
+          <a:ln w="9525" cap="flat" cmpd="sng" algn="ctr">
+            <a:noFill/>
+            <a:prstDash val="solid"/>
+            <a:round/>
+            <a:headEnd type="none" w="med" len="med"/>
+            <a:tailEnd type="none" w="med" len="med"/>
+          </a:ln>
+          <a:effectLst/>
+        </p:spPr>
+        <p:txBody>
+          <a:bodyPr vert="horz" wrap="square" lIns="91440" tIns="45720" rIns="91440" bIns="45720" anchor="t" compatLnSpc="1"/>
+          <a:lstStyle>
+            <a:extLst/>
+          </a:lstStyle>
+          <a:p>
+            <a:endParaRPr kumimoji="0" lang="en-US"/>
+          </a:p>
+        </p:txBody>
+      </p:sp>
+      <p:sp>
+        <p:nvSpPr>
+          <p:cNvPr id="9" name="Forma livre 8"/>
+          <p:cNvSpPr>
+            <a:spLocks/>
+          </p:cNvSpPr>
+          <p:nvPr/>
+        </p:nvSpPr>
+        <p:spPr bwMode="auto">
+          <a:xfrm>
+            <a:off x="485717" y="5939011"/>
+            <a:ext cx="3690451" cy="933450"/>
+          </a:xfrm>
+          <a:custGeom>
+            <a:avLst>
+              <a:gd name="A1" fmla="val 0"/>
+              <a:gd name="A2" fmla="val 0"/>
+              <a:gd name="A3" fmla="val 0"/>
+              <a:gd name="A4" fmla="val 0"/>
+              <a:gd name="A5" fmla="val 0"/>
+              <a:gd name="A6" fmla="val 0"/>
+              <a:gd name="A7" fmla="val 0"/>
+              <a:gd name="A8" fmla="val 0"/>
+            </a:avLst>
+            <a:gdLst/>
+            <a:ahLst/>
+            <a:cxnLst>
+              <a:cxn ang="0">
+                <a:pos x="0" y="0"/>
+              </a:cxn>
+              <a:cxn ang="0">
+                <a:pos x="5760" y="0"/>
+              </a:cxn>
+              <a:cxn ang="0">
+                <a:pos x="5760" y="528"/>
+              </a:cxn>
+              <a:cxn ang="0">
+                <a:pos x="48" y="0"/>
+              </a:cxn>
+            </a:cxnLst>
+            <a:rect l="0" t="0" r="0" b="0"/>
+            <a:pathLst>
+              <a:path w="5591" h="588">
+                <a:moveTo>
+                  <a:pt x="0" y="0"/>
+                </a:moveTo>
+                <a:lnTo>
+                  <a:pt x="5591" y="585"/>
+                </a:lnTo>
+                <a:lnTo>
+                  <a:pt x="4415" y="588"/>
+                </a:lnTo>
+                <a:lnTo>
+                  <a:pt x="12" y="4"/>
+                </a:lnTo>
+              </a:path>
+            </a:pathLst>
+          </a:custGeom>
+          <a:solidFill>
+            <a:srgbClr val="000000">
+              <a:alpha val="100000"/>
+            </a:srgbClr>
+          </a:solidFill>
+          <a:ln w="9525" cap="flat" cmpd="sng" algn="ctr">
+            <a:noFill/>
+            <a:prstDash val="solid"/>
+            <a:round/>
+            <a:headEnd type="none" w="med" len="med"/>
+            <a:tailEnd type="none" w="med" len="med"/>
+          </a:ln>
+          <a:effectLst/>
+        </p:spPr>
+        <p:txBody>
+          <a:bodyPr vert="horz" wrap="square" lIns="91440" tIns="45720" rIns="91440" bIns="45720" anchor="t" compatLnSpc="1"/>
+          <a:lstStyle>
+            <a:extLst/>
+          </a:lstStyle>
+          <a:p>
+            <a:endParaRPr kumimoji="0" lang="en-US"/>
+          </a:p>
+        </p:txBody>
+      </p:sp>
+      <p:sp>
+        <p:nvSpPr>
+          <p:cNvPr id="10" name="Triângulo retângulo 9"/>
+          <p:cNvSpPr>
+            <a:spLocks/>
+          </p:cNvSpPr>
+          <p:nvPr/>
+        </p:nvSpPr>
+        <p:spPr bwMode="auto">
+          <a:xfrm>
+            <a:off x="-6042" y="5791253"/>
+            <a:ext cx="3402314" cy="1080868"/>
+          </a:xfrm>
+          <a:prstGeom prst="rtTriangle">
+            <a:avLst/>
+          </a:prstGeom>
+          <a:blipFill>
+            <a:blip r:embed="rId2">
+              <a:alphaModFix amt="50000"/>
+            </a:blip>
+            <a:tile tx="0" ty="0" sx="50000" sy="50000" flip="none" algn="t"/>
+          </a:blipFill>
+          <a:ln w="12700" cap="rnd" cmpd="thickThin" algn="ctr">
+            <a:noFill/>
+            <a:prstDash val="solid"/>
+          </a:ln>
+          <a:effectLst>
+            <a:fillOverlay blend="mult">
+              <a:gradFill flip="none" rotWithShape="1">
+                <a:gsLst>
+                  <a:gs pos="0">
+                    <a:schemeClr val="accent1">
+                      <a:shade val="20000"/>
+                      <a:satMod val="176000"/>
+                      <a:alpha val="100000"/>
+                    </a:schemeClr>
+                  </a:gs>
+                  <a:gs pos="18000">
+                    <a:schemeClr val="accent1">
+                      <a:shade val="48000"/>
+                      <a:satMod val="153000"/>
+                      <a:alpha val="100000"/>
+                    </a:schemeClr>
+                  </a:gs>
+                  <a:gs pos="43000">
+                    <a:schemeClr val="accent1">
+                      <a:tint val="86000"/>
+                      <a:satMod val="149000"/>
+                      <a:alpha val="100000"/>
+                    </a:schemeClr>
+                  </a:gs>
+                  <a:gs pos="45000">
+                    <a:schemeClr val="accent1">
+                      <a:tint val="85000"/>
+                      <a:satMod val="150000"/>
+                      <a:alpha val="100000"/>
+                    </a:schemeClr>
+                  </a:gs>
+                  <a:gs pos="50000">
+                    <a:schemeClr val="accent1">
+                      <a:tint val="86000"/>
+                      <a:satMod val="149000"/>
+                      <a:alpha val="100000"/>
+                    </a:schemeClr>
+                  </a:gs>
+                  <a:gs pos="79000">
+                    <a:schemeClr val="accent1">
+                      <a:shade val="53000"/>
+                      <a:satMod val="150000"/>
+                      <a:alpha val="100000"/>
+                    </a:schemeClr>
+                  </a:gs>
+                  <a:gs pos="100000">
+                    <a:schemeClr val="accent1">
+                      <a:shade val="25000"/>
+                      <a:satMod val="170000"/>
+                      <a:alpha val="100000"/>
+                    </a:schemeClr>
+                  </a:gs>
+                </a:gsLst>
+                <a:lin ang="450000" scaled="1"/>
+                <a:tileRect/>
+              </a:gradFill>
+            </a:fillOverlay>
+          </a:effectLst>
+        </p:spPr>
+        <p:style>
+          <a:lnRef idx="3">
+            <a:schemeClr val="lt1"/>
+          </a:lnRef>
+          <a:fillRef idx="1">
+            <a:schemeClr val="accent1"/>
+          </a:fillRef>
+          <a:effectRef idx="1">
+            <a:schemeClr val="accent1"/>
+          </a:effectRef>
+          <a:fontRef idx="minor">
+            <a:schemeClr val="lt1"/>
+          </a:fontRef>
+        </p:style>
+        <p:txBody>
+          <a:bodyPr vert="horz" wrap="square" lIns="91440" tIns="45720" rIns="91440" bIns="45720" anchor="ctr" compatLnSpc="1"/>
+          <a:lstStyle>
+            <a:extLst/>
+          </a:lstStyle>
+          <a:p>
+            <a:pPr algn="ctr" eaLnBrk="1" latinLnBrk="0" hangingPunct="1"/>
+            <a:endParaRPr kumimoji="0" lang="en-US"/>
+          </a:p>
+        </p:txBody>
+      </p:sp>
+      <p:cxnSp>
+        <p:nvCxnSpPr>
+          <p:cNvPr id="11" name="Conector reto 10"/>
+          <p:cNvCxnSpPr/>
+          <p:nvPr/>
+        </p:nvCxnSpPr>
+        <p:spPr>
+          <a:xfrm>
+            <a:off x="-9237" y="5787738"/>
+            <a:ext cx="3405509" cy="1084383"/>
+          </a:xfrm>
+          <a:prstGeom prst="line">
+            <a:avLst/>
+          </a:prstGeom>
+          <a:noFill/>
+          <a:ln w="12065" cap="flat" cmpd="sng" algn="ctr">
+            <a:gradFill>
+              <a:gsLst>
+                <a:gs pos="45000">
+                  <a:schemeClr val="accent1">
+                    <a:tint val="70000"/>
+                    <a:satMod val="110000"/>
+                  </a:schemeClr>
+                </a:gs>
+                <a:gs pos="15000">
+                  <a:schemeClr val="accent1">
+                    <a:shade val="40000"/>
+                    <a:satMod val="110000"/>
+                  </a:schemeClr>
+                </a:gs>
+              </a:gsLst>
+              <a:lin ang="5400000" scaled="1"/>
+            </a:gradFill>
+            <a:prstDash val="solid"/>
+            <a:miter lim="800000"/>
+          </a:ln>
+          <a:effectLst/>
+        </p:spPr>
+        <p:style>
+          <a:lnRef idx="2">
+            <a:schemeClr val="accent1"/>
+          </a:lnRef>
+          <a:fillRef idx="0">
+            <a:schemeClr val="accent1"/>
+          </a:fillRef>
+          <a:effectRef idx="1">
+            <a:schemeClr val="accent1"/>
+          </a:effectRef>
+          <a:fontRef idx="minor">
+            <a:schemeClr val="tx1"/>
+          </a:fontRef>
+        </p:style>
+      </p:cxnSp>
+      <p:sp>
+        <p:nvSpPr>
+          <p:cNvPr id="12" name="Divisa 11"/>
+          <p:cNvSpPr/>
+          <p:nvPr/>
+        </p:nvSpPr>
+        <p:spPr>
+          <a:xfrm>
+            <a:off x="8664112" y="4988440"/>
+            <a:ext cx="182880" cy="228600"/>
+          </a:xfrm>
+          <a:prstGeom prst="chevron">
+            <a:avLst>
+              <a:gd name="adj" fmla="val 50000"/>
+            </a:avLst>
+          </a:prstGeom>
+          <a:gradFill flip="none" rotWithShape="1">
+            <a:gsLst>
+              <a:gs pos="0">
+                <a:schemeClr val="accent1">
+                  <a:shade val="60000"/>
+                  <a:satMod val="125000"/>
+                </a:schemeClr>
+              </a:gs>
+              <a:gs pos="72000">
+                <a:schemeClr val="accent1">
+                  <a:tint val="90000"/>
+                  <a:satMod val="138000"/>
+                </a:schemeClr>
+              </a:gs>
+              <a:gs pos="100000">
+                <a:schemeClr val="accent1">
+                  <a:tint val="76000"/>
+                  <a:satMod val="136000"/>
+                </a:schemeClr>
+              </a:gs>
+            </a:gsLst>
+            <a:lin ang="16200000" scaled="0"/>
+          </a:gradFill>
+          <a:ln w="3175" cap="rnd" cmpd="sng" algn="ctr">
+            <a:solidFill>
+              <a:schemeClr val="accent1">
+                <a:shade val="50000"/>
+              </a:schemeClr>
+            </a:solidFill>
+            <a:prstDash val="solid"/>
+          </a:ln>
+          <a:effectLst>
+            <a:outerShdw blurRad="50800" dist="25400" dir="5400000">
+              <a:srgbClr val="000000">
+                <a:alpha val="46000"/>
+              </a:srgbClr>
+            </a:outerShdw>
+          </a:effectLst>
+        </p:spPr>
+        <p:style>
+          <a:lnRef idx="1">
+            <a:schemeClr val="accent1"/>
+          </a:lnRef>
+          <a:fillRef idx="3">
+            <a:schemeClr val="accent1"/>
+          </a:fillRef>
+          <a:effectRef idx="2">
+            <a:schemeClr val="accent1"/>
+          </a:effectRef>
+          <a:fontRef idx="minor">
+            <a:schemeClr val="lt1"/>
+          </a:fontRef>
+        </p:style>
+        <p:txBody>
+          <a:bodyPr anchor="ctr"/>
+          <a:lstStyle>
+            <a:extLst/>
+          </a:lstStyle>
+          <a:p>
+            <a:pPr algn="l" eaLnBrk="1" latinLnBrk="0" hangingPunct="1"/>
+            <a:endParaRPr kumimoji="0" lang="en-US"/>
+          </a:p>
+        </p:txBody>
+      </p:sp>
+      <p:sp>
+        <p:nvSpPr>
+          <p:cNvPr id="13" name="Divisa 12"/>
+          <p:cNvSpPr/>
+          <p:nvPr/>
+        </p:nvSpPr>
+        <p:spPr>
+          <a:xfrm>
+            <a:off x="8477696" y="4988440"/>
+            <a:ext cx="182880" cy="228600"/>
+          </a:xfrm>
+          <a:prstGeom prst="chevron">
+            <a:avLst>
+              <a:gd name="adj" fmla="val 50000"/>
+            </a:avLst>
+          </a:prstGeom>
+          <a:gradFill flip="none" rotWithShape="1">
+            <a:gsLst>
+              <a:gs pos="0">
+                <a:schemeClr val="accent1">
+                  <a:shade val="60000"/>
+                  <a:satMod val="125000"/>
+                </a:schemeClr>
+              </a:gs>
+              <a:gs pos="72000">
+                <a:schemeClr val="accent1">
+                  <a:tint val="90000"/>
+                  <a:satMod val="138000"/>
+                </a:schemeClr>
+              </a:gs>
+              <a:gs pos="100000">
+                <a:schemeClr val="accent1">
+                  <a:tint val="76000"/>
+                  <a:satMod val="136000"/>
+                </a:schemeClr>
+              </a:gs>
+            </a:gsLst>
+            <a:lin ang="16200000" scaled="0"/>
+          </a:gradFill>
+          <a:ln w="3175" cap="rnd" cmpd="sng" algn="ctr">
+            <a:solidFill>
+              <a:schemeClr val="accent1">
+                <a:shade val="50000"/>
+              </a:schemeClr>
+            </a:solidFill>
+            <a:prstDash val="solid"/>
+          </a:ln>
+          <a:effectLst>
+            <a:outerShdw blurRad="50800" dist="25400" dir="5400000">
+              <a:srgbClr val="000000">
+                <a:alpha val="46000"/>
+              </a:srgbClr>
+            </a:outerShdw>
+          </a:effectLst>
+        </p:spPr>
+        <p:style>
+          <a:lnRef idx="1">
+            <a:schemeClr val="accent1"/>
+          </a:lnRef>
+          <a:fillRef idx="3">
+            <a:schemeClr val="accent1"/>
+          </a:fillRef>
+          <a:effectRef idx="2">
+            <a:schemeClr val="accent1"/>
+          </a:effectRef>
+          <a:fontRef idx="minor">
+            <a:schemeClr val="lt1"/>
+          </a:fontRef>
+        </p:style>
+        <p:txBody>
+          <a:bodyPr anchor="ctr"/>
+          <a:lstStyle>
+            <a:extLst/>
+          </a:lstStyle>
+          <a:p>
+            <a:pPr algn="l" eaLnBrk="1" latinLnBrk="0" hangingPunct="1"/>
+            <a:endParaRPr kumimoji="0" lang="en-US"/>
           </a:p>
         </p:txBody>
       </p:sp>
@@ -2892,34 +4053,9 @@
 <p:sldMaster xmlns:a="http://schemas.openxmlformats.org/drawingml/2006/main" xmlns:r="http://schemas.openxmlformats.org/officeDocument/2006/relationships" xmlns:p="http://schemas.openxmlformats.org/presentationml/2006/main">
   <p:cSld>
     <p:bg>
-      <p:bgPr>
-        <a:gradFill flip="none" rotWithShape="1">
-          <a:gsLst>
-            <a:gs pos="0">
-              <a:schemeClr val="accent1">
-                <a:tint val="66000"/>
-                <a:satMod val="160000"/>
-                <a:alpha val="50000"/>
-              </a:schemeClr>
-            </a:gs>
-            <a:gs pos="50000">
-              <a:schemeClr val="accent1">
-                <a:tint val="44500"/>
-                <a:satMod val="160000"/>
-              </a:schemeClr>
-            </a:gs>
-            <a:gs pos="100000">
-              <a:schemeClr val="accent1">
-                <a:tint val="23500"/>
-                <a:satMod val="160000"/>
-              </a:schemeClr>
-            </a:gs>
-          </a:gsLst>
-          <a:lin ang="5400000" scaled="0"/>
-          <a:tileRect/>
-        </a:gradFill>
-        <a:effectLst/>
-      </p:bgPr>
+      <p:bgRef idx="1003">
+        <a:schemeClr val="bg1"/>
+      </p:bgRef>
     </p:bg>
     <p:spTree>
       <p:nvGrpSpPr>
@@ -2937,7 +4073,337 @@
       </p:grpSpPr>
       <p:sp>
         <p:nvSpPr>
-          <p:cNvPr id="2" name="Espaço Reservado para Título 1"/>
+          <p:cNvPr id="13" name="Forma livre 12"/>
+          <p:cNvSpPr>
+            <a:spLocks/>
+          </p:cNvSpPr>
+          <p:nvPr/>
+        </p:nvSpPr>
+        <p:spPr bwMode="auto">
+          <a:xfrm>
+            <a:off x="499273" y="5944936"/>
+            <a:ext cx="4940624" cy="921076"/>
+          </a:xfrm>
+          <a:custGeom>
+            <a:avLst>
+              <a:gd name="A1" fmla="val 0"/>
+              <a:gd name="A2" fmla="val 0"/>
+              <a:gd name="A3" fmla="val 0"/>
+              <a:gd name="A4" fmla="val 0"/>
+              <a:gd name="A5" fmla="val 0"/>
+              <a:gd name="A6" fmla="val 0"/>
+              <a:gd name="A7" fmla="val 0"/>
+              <a:gd name="A8" fmla="val 0"/>
+            </a:avLst>
+            <a:gdLst/>
+            <a:ahLst/>
+            <a:cxnLst>
+              <a:cxn ang="0">
+                <a:pos x="0" y="0"/>
+              </a:cxn>
+              <a:cxn ang="0">
+                <a:pos x="5760" y="0"/>
+              </a:cxn>
+              <a:cxn ang="0">
+                <a:pos x="5760" y="528"/>
+              </a:cxn>
+              <a:cxn ang="0">
+                <a:pos x="48" y="0"/>
+              </a:cxn>
+            </a:cxnLst>
+            <a:rect l="0" t="0" r="0" b="0"/>
+            <a:pathLst>
+              <a:path w="7485" h="337">
+                <a:moveTo>
+                  <a:pt x="0" y="2"/>
+                </a:moveTo>
+                <a:lnTo>
+                  <a:pt x="7485" y="337"/>
+                </a:lnTo>
+                <a:lnTo>
+                  <a:pt x="5558" y="337"/>
+                </a:lnTo>
+                <a:lnTo>
+                  <a:pt x="1" y="0"/>
+                </a:lnTo>
+              </a:path>
+            </a:pathLst>
+          </a:custGeom>
+          <a:solidFill>
+            <a:schemeClr val="accent1">
+              <a:tint val="65000"/>
+              <a:satMod val="115000"/>
+              <a:alpha val="40000"/>
+            </a:schemeClr>
+          </a:solidFill>
+          <a:ln w="9525" cap="flat" cmpd="sng" algn="ctr">
+            <a:noFill/>
+            <a:prstDash val="solid"/>
+            <a:round/>
+            <a:headEnd type="none" w="med" len="med"/>
+            <a:tailEnd type="none" w="med" len="med"/>
+          </a:ln>
+          <a:effectLst/>
+        </p:spPr>
+        <p:txBody>
+          <a:bodyPr vert="horz" wrap="square" lIns="91440" tIns="45720" rIns="91440" bIns="45720" anchor="t" compatLnSpc="1"/>
+          <a:lstStyle>
+            <a:extLst/>
+          </a:lstStyle>
+          <a:p>
+            <a:endParaRPr kumimoji="0" lang="en-US"/>
+          </a:p>
+        </p:txBody>
+      </p:sp>
+      <p:sp>
+        <p:nvSpPr>
+          <p:cNvPr id="12" name="Forma livre 11"/>
+          <p:cNvSpPr>
+            <a:spLocks/>
+          </p:cNvSpPr>
+          <p:nvPr/>
+        </p:nvSpPr>
+        <p:spPr bwMode="auto">
+          <a:xfrm>
+            <a:off x="485717" y="5939011"/>
+            <a:ext cx="3690451" cy="933450"/>
+          </a:xfrm>
+          <a:custGeom>
+            <a:avLst>
+              <a:gd name="A1" fmla="val 0"/>
+              <a:gd name="A2" fmla="val 0"/>
+              <a:gd name="A3" fmla="val 0"/>
+              <a:gd name="A4" fmla="val 0"/>
+              <a:gd name="A5" fmla="val 0"/>
+              <a:gd name="A6" fmla="val 0"/>
+              <a:gd name="A7" fmla="val 0"/>
+              <a:gd name="A8" fmla="val 0"/>
+            </a:avLst>
+            <a:gdLst/>
+            <a:ahLst/>
+            <a:cxnLst>
+              <a:cxn ang="0">
+                <a:pos x="0" y="0"/>
+              </a:cxn>
+              <a:cxn ang="0">
+                <a:pos x="5760" y="0"/>
+              </a:cxn>
+              <a:cxn ang="0">
+                <a:pos x="5760" y="528"/>
+              </a:cxn>
+              <a:cxn ang="0">
+                <a:pos x="48" y="0"/>
+              </a:cxn>
+            </a:cxnLst>
+            <a:rect l="0" t="0" r="0" b="0"/>
+            <a:pathLst>
+              <a:path w="5591" h="588">
+                <a:moveTo>
+                  <a:pt x="0" y="0"/>
+                </a:moveTo>
+                <a:lnTo>
+                  <a:pt x="5591" y="585"/>
+                </a:lnTo>
+                <a:lnTo>
+                  <a:pt x="4415" y="588"/>
+                </a:lnTo>
+                <a:lnTo>
+                  <a:pt x="12" y="4"/>
+                </a:lnTo>
+              </a:path>
+            </a:pathLst>
+          </a:custGeom>
+          <a:solidFill>
+            <a:srgbClr val="000000">
+              <a:alpha val="100000"/>
+            </a:srgbClr>
+          </a:solidFill>
+          <a:ln w="9525" cap="flat" cmpd="sng" algn="ctr">
+            <a:noFill/>
+            <a:prstDash val="solid"/>
+            <a:round/>
+            <a:headEnd type="none" w="med" len="med"/>
+            <a:tailEnd type="none" w="med" len="med"/>
+          </a:ln>
+          <a:effectLst/>
+        </p:spPr>
+        <p:txBody>
+          <a:bodyPr vert="horz" wrap="square" lIns="91440" tIns="45720" rIns="91440" bIns="45720" anchor="t" compatLnSpc="1"/>
+          <a:lstStyle>
+            <a:extLst/>
+          </a:lstStyle>
+          <a:p>
+            <a:endParaRPr kumimoji="0" lang="en-US"/>
+          </a:p>
+        </p:txBody>
+      </p:sp>
+      <p:sp>
+        <p:nvSpPr>
+          <p:cNvPr id="14" name="Triângulo retângulo 13"/>
+          <p:cNvSpPr>
+            <a:spLocks/>
+          </p:cNvSpPr>
+          <p:nvPr/>
+        </p:nvSpPr>
+        <p:spPr bwMode="auto">
+          <a:xfrm>
+            <a:off x="-6042" y="5791253"/>
+            <a:ext cx="3402314" cy="1080868"/>
+          </a:xfrm>
+          <a:prstGeom prst="rtTriangle">
+            <a:avLst/>
+          </a:prstGeom>
+          <a:blipFill>
+            <a:blip r:embed="rId13">
+              <a:alphaModFix amt="50000"/>
+            </a:blip>
+            <a:tile tx="0" ty="0" sx="50000" sy="50000" flip="none" algn="t"/>
+          </a:blipFill>
+          <a:ln w="12700" cap="rnd" cmpd="thickThin" algn="ctr">
+            <a:noFill/>
+            <a:prstDash val="solid"/>
+          </a:ln>
+          <a:effectLst>
+            <a:fillOverlay blend="mult">
+              <a:gradFill flip="none" rotWithShape="1">
+                <a:gsLst>
+                  <a:gs pos="0">
+                    <a:schemeClr val="accent1">
+                      <a:shade val="20000"/>
+                      <a:satMod val="176000"/>
+                      <a:alpha val="100000"/>
+                    </a:schemeClr>
+                  </a:gs>
+                  <a:gs pos="18000">
+                    <a:schemeClr val="accent1">
+                      <a:shade val="48000"/>
+                      <a:satMod val="153000"/>
+                      <a:alpha val="100000"/>
+                    </a:schemeClr>
+                  </a:gs>
+                  <a:gs pos="43000">
+                    <a:schemeClr val="accent1">
+                      <a:tint val="86000"/>
+                      <a:satMod val="149000"/>
+                      <a:alpha val="100000"/>
+                    </a:schemeClr>
+                  </a:gs>
+                  <a:gs pos="45000">
+                    <a:schemeClr val="accent1">
+                      <a:tint val="85000"/>
+                      <a:satMod val="150000"/>
+                      <a:alpha val="100000"/>
+                    </a:schemeClr>
+                  </a:gs>
+                  <a:gs pos="50000">
+                    <a:schemeClr val="accent1">
+                      <a:tint val="86000"/>
+                      <a:satMod val="149000"/>
+                      <a:alpha val="100000"/>
+                    </a:schemeClr>
+                  </a:gs>
+                  <a:gs pos="79000">
+                    <a:schemeClr val="accent1">
+                      <a:shade val="53000"/>
+                      <a:satMod val="150000"/>
+                      <a:alpha val="100000"/>
+                    </a:schemeClr>
+                  </a:gs>
+                  <a:gs pos="100000">
+                    <a:schemeClr val="accent1">
+                      <a:shade val="25000"/>
+                      <a:satMod val="170000"/>
+                      <a:alpha val="100000"/>
+                    </a:schemeClr>
+                  </a:gs>
+                </a:gsLst>
+                <a:lin ang="450000" scaled="1"/>
+                <a:tileRect/>
+              </a:gradFill>
+            </a:fillOverlay>
+          </a:effectLst>
+        </p:spPr>
+        <p:style>
+          <a:lnRef idx="3">
+            <a:schemeClr val="lt1"/>
+          </a:lnRef>
+          <a:fillRef idx="1">
+            <a:schemeClr val="accent1"/>
+          </a:fillRef>
+          <a:effectRef idx="1">
+            <a:schemeClr val="accent1"/>
+          </a:effectRef>
+          <a:fontRef idx="minor">
+            <a:schemeClr val="lt1"/>
+          </a:fontRef>
+        </p:style>
+        <p:txBody>
+          <a:bodyPr vert="horz" wrap="square" lIns="91440" tIns="45720" rIns="91440" bIns="45720" anchor="ctr" compatLnSpc="1"/>
+          <a:lstStyle>
+            <a:extLst/>
+          </a:lstStyle>
+          <a:p>
+            <a:pPr algn="ctr" eaLnBrk="1" latinLnBrk="0" hangingPunct="1"/>
+            <a:endParaRPr kumimoji="0" lang="en-US"/>
+          </a:p>
+        </p:txBody>
+      </p:sp>
+      <p:cxnSp>
+        <p:nvCxnSpPr>
+          <p:cNvPr id="15" name="Conector reto 14"/>
+          <p:cNvCxnSpPr/>
+          <p:nvPr/>
+        </p:nvCxnSpPr>
+        <p:spPr>
+          <a:xfrm>
+            <a:off x="-9237" y="5787738"/>
+            <a:ext cx="3405509" cy="1084383"/>
+          </a:xfrm>
+          <a:prstGeom prst="line">
+            <a:avLst/>
+          </a:prstGeom>
+          <a:noFill/>
+          <a:ln w="12065" cap="flat" cmpd="sng" algn="ctr">
+            <a:gradFill>
+              <a:gsLst>
+                <a:gs pos="45000">
+                  <a:schemeClr val="accent1">
+                    <a:tint val="70000"/>
+                    <a:satMod val="110000"/>
+                  </a:schemeClr>
+                </a:gs>
+                <a:gs pos="15000">
+                  <a:schemeClr val="accent1">
+                    <a:shade val="40000"/>
+                    <a:satMod val="110000"/>
+                  </a:schemeClr>
+                </a:gs>
+              </a:gsLst>
+              <a:lin ang="5400000" scaled="1"/>
+            </a:gradFill>
+            <a:prstDash val="solid"/>
+            <a:miter lim="800000"/>
+          </a:ln>
+          <a:effectLst/>
+        </p:spPr>
+        <p:style>
+          <a:lnRef idx="2">
+            <a:schemeClr val="accent1"/>
+          </a:lnRef>
+          <a:fillRef idx="0">
+            <a:schemeClr val="accent1"/>
+          </a:fillRef>
+          <a:effectRef idx="1">
+            <a:schemeClr val="accent1"/>
+          </a:effectRef>
+          <a:fontRef idx="minor">
+            <a:schemeClr val="tx1"/>
+          </a:fontRef>
+        </p:style>
+      </p:cxnSp>
+      <p:sp>
+        <p:nvSpPr>
+          <p:cNvPr id="9" name="Espaço Reservado para Título 8"/>
           <p:cNvSpPr>
             <a:spLocks noGrp="1"/>
           </p:cNvSpPr>
@@ -2955,22 +4421,31 @@
           </a:prstGeom>
         </p:spPr>
         <p:txBody>
-          <a:bodyPr vert="horz" lIns="91440" tIns="45720" rIns="91440" bIns="45720" rtlCol="0" anchor="ctr">
+          <a:bodyPr vert="horz" anchor="ctr">
             <a:normAutofit/>
+            <a:scene3d>
+              <a:camera prst="orthographicFront"/>
+              <a:lightRig rig="soft" dir="t"/>
+            </a:scene3d>
+            <a:sp3d prstMaterial="softEdge">
+              <a:bevelT w="25400" h="25400"/>
+            </a:sp3d>
           </a:bodyPr>
-          <a:lstStyle/>
-          <a:p>
-            <a:r>
-              <a:rPr lang="pt-BR" smtClean="0"/>
+          <a:lstStyle>
+            <a:extLst/>
+          </a:lstStyle>
+          <a:p>
+            <a:r>
+              <a:rPr kumimoji="0" lang="pt-BR" smtClean="0"/>
               <a:t>Clique para editar o estilo do título mestre</a:t>
             </a:r>
-            <a:endParaRPr lang="pt-BR"/>
-          </a:p>
-        </p:txBody>
-      </p:sp>
-      <p:sp>
-        <p:nvSpPr>
-          <p:cNvPr id="3" name="Espaço Reservado para Texto 2"/>
+            <a:endParaRPr kumimoji="0" lang="en-US"/>
+          </a:p>
+        </p:txBody>
+      </p:sp>
+      <p:sp>
+        <p:nvSpPr>
+          <p:cNvPr id="30" name="Espaço Reservado para Texto 29"/>
           <p:cNvSpPr>
             <a:spLocks noGrp="1"/>
           </p:cNvSpPr>
@@ -2980,7 +4455,7 @@
         </p:nvSpPr>
         <p:spPr>
           <a:xfrm>
-            <a:off x="457200" y="1600200"/>
+            <a:off x="457200" y="1481328"/>
             <a:ext cx="8229600" cy="4525963"/>
           </a:xfrm>
           <a:prstGeom prst="rect">
@@ -2988,51 +4463,53 @@
           </a:prstGeom>
         </p:spPr>
         <p:txBody>
-          <a:bodyPr vert="horz" lIns="91440" tIns="45720" rIns="91440" bIns="45720" rtlCol="0">
+          <a:bodyPr vert="horz">
             <a:normAutofit/>
           </a:bodyPr>
-          <a:lstStyle/>
-          <a:p>
-            <a:pPr lvl="0"/>
-            <a:r>
-              <a:rPr lang="pt-BR" smtClean="0"/>
+          <a:lstStyle>
+            <a:extLst/>
+          </a:lstStyle>
+          <a:p>
+            <a:pPr lvl="0" eaLnBrk="1" latinLnBrk="0" hangingPunct="1"/>
+            <a:r>
+              <a:rPr kumimoji="0" lang="pt-BR" smtClean="0"/>
               <a:t>Clique para editar os estilos do texto mestre</a:t>
             </a:r>
           </a:p>
           <a:p>
-            <a:pPr lvl="1"/>
-            <a:r>
-              <a:rPr lang="pt-BR" smtClean="0"/>
+            <a:pPr lvl="1" eaLnBrk="1" latinLnBrk="0" hangingPunct="1"/>
+            <a:r>
+              <a:rPr kumimoji="0" lang="pt-BR" smtClean="0"/>
               <a:t>Segundo nível</a:t>
             </a:r>
           </a:p>
           <a:p>
-            <a:pPr lvl="2"/>
-            <a:r>
-              <a:rPr lang="pt-BR" smtClean="0"/>
+            <a:pPr lvl="2" eaLnBrk="1" latinLnBrk="0" hangingPunct="1"/>
+            <a:r>
+              <a:rPr kumimoji="0" lang="pt-BR" smtClean="0"/>
               <a:t>Terceiro nível</a:t>
             </a:r>
           </a:p>
           <a:p>
-            <a:pPr lvl="3"/>
-            <a:r>
-              <a:rPr lang="pt-BR" smtClean="0"/>
+            <a:pPr lvl="3" eaLnBrk="1" latinLnBrk="0" hangingPunct="1"/>
+            <a:r>
+              <a:rPr kumimoji="0" lang="pt-BR" smtClean="0"/>
               <a:t>Quarto nível</a:t>
             </a:r>
           </a:p>
           <a:p>
-            <a:pPr lvl="4"/>
-            <a:r>
-              <a:rPr lang="pt-BR" smtClean="0"/>
+            <a:pPr lvl="4" eaLnBrk="1" latinLnBrk="0" hangingPunct="1"/>
+            <a:r>
+              <a:rPr kumimoji="0" lang="pt-BR" smtClean="0"/>
               <a:t>Quinto nível</a:t>
             </a:r>
-            <a:endParaRPr lang="pt-BR"/>
-          </a:p>
-        </p:txBody>
-      </p:sp>
-      <p:sp>
-        <p:nvSpPr>
-          <p:cNvPr id="4" name="Espaço Reservado para Data 3"/>
+            <a:endParaRPr kumimoji="0" lang="en-US"/>
+          </a:p>
+        </p:txBody>
+      </p:sp>
+      <p:sp>
+        <p:nvSpPr>
+          <p:cNvPr id="10" name="Espaço Reservado para Data 9"/>
           <p:cNvSpPr>
             <a:spLocks noGrp="1"/>
           </p:cNvSpPr>
@@ -3042,29 +4519,29 @@
         </p:nvSpPr>
         <p:spPr>
           <a:xfrm>
-            <a:off x="457200" y="6356350"/>
-            <a:ext cx="2133600" cy="365125"/>
+            <a:off x="6727032" y="6407944"/>
+            <a:ext cx="1920240" cy="365760"/>
           </a:xfrm>
           <a:prstGeom prst="rect">
             <a:avLst/>
           </a:prstGeom>
         </p:spPr>
         <p:txBody>
-          <a:bodyPr vert="horz" lIns="91440" tIns="45720" rIns="91440" bIns="45720" rtlCol="0" anchor="ctr"/>
+          <a:bodyPr vert="horz" anchor="b"/>
           <a:lstStyle>
-            <a:lvl1pPr algn="l">
-              <a:defRPr sz="1200">
+            <a:lvl1pPr algn="l" eaLnBrk="1" latinLnBrk="0" hangingPunct="1">
+              <a:defRPr kumimoji="0" sz="1000">
                 <a:solidFill>
-                  <a:schemeClr val="tx1">
-                    <a:tint val="75000"/>
-                  </a:schemeClr>
+                  <a:schemeClr val="tx1"/>
                 </a:solidFill>
               </a:defRPr>
             </a:lvl1pPr>
+            <a:extLst/>
           </a:lstStyle>
           <a:p>
             <a:fld id="{3A376C13-AC35-4359-B84D-CADD5C55C215}" type="datetime1">
               <a:rPr lang="pt-BR" smtClean="0"/>
+              <a:pPr/>
               <a:t>13/11/2008</a:t>
             </a:fld>
             <a:endParaRPr lang="pt-BR"/>
@@ -3073,7 +4550,7 @@
       </p:sp>
       <p:sp>
         <p:nvSpPr>
-          <p:cNvPr id="5" name="Espaço Reservado para Rodapé 4"/>
+          <p:cNvPr id="22" name="Espaço Reservado para Rodapé 21"/>
           <p:cNvSpPr>
             <a:spLocks noGrp="1"/>
           </p:cNvSpPr>
@@ -3083,25 +4560,24 @@
         </p:nvSpPr>
         <p:spPr>
           <a:xfrm>
-            <a:off x="3124200" y="6356350"/>
-            <a:ext cx="2895600" cy="365125"/>
+            <a:off x="4380072" y="6407944"/>
+            <a:ext cx="2350681" cy="365125"/>
           </a:xfrm>
           <a:prstGeom prst="rect">
             <a:avLst/>
           </a:prstGeom>
         </p:spPr>
         <p:txBody>
-          <a:bodyPr vert="horz" lIns="91440" tIns="45720" rIns="91440" bIns="45720" rtlCol="0" anchor="ctr"/>
+          <a:bodyPr vert="horz" anchor="b"/>
           <a:lstStyle>
-            <a:lvl1pPr algn="ctr">
-              <a:defRPr sz="1200">
+            <a:lvl1pPr algn="r" eaLnBrk="1" latinLnBrk="0" hangingPunct="1">
+              <a:defRPr kumimoji="0" sz="1000">
                 <a:solidFill>
-                  <a:schemeClr val="tx1">
-                    <a:tint val="75000"/>
-                  </a:schemeClr>
+                  <a:schemeClr val="tx1"/>
                 </a:solidFill>
               </a:defRPr>
             </a:lvl1pPr>
+            <a:extLst/>
           </a:lstStyle>
           <a:p>
             <a:endParaRPr lang="pt-BR"/>
@@ -3110,7 +4586,7 @@
       </p:sp>
       <p:sp>
         <p:nvSpPr>
-          <p:cNvPr id="6" name="Espaço Reservado para Número de Slide 5"/>
+          <p:cNvPr id="18" name="Espaço Reservado para Número de Slide 17"/>
           <p:cNvSpPr>
             <a:spLocks noGrp="1"/>
           </p:cNvSpPr>
@@ -3120,25 +4596,24 @@
         </p:nvSpPr>
         <p:spPr>
           <a:xfrm>
-            <a:off x="6553200" y="6356350"/>
-            <a:ext cx="2133600" cy="365125"/>
+            <a:off x="8647272" y="6407944"/>
+            <a:ext cx="365760" cy="365125"/>
           </a:xfrm>
           <a:prstGeom prst="rect">
             <a:avLst/>
           </a:prstGeom>
         </p:spPr>
         <p:txBody>
-          <a:bodyPr vert="horz" lIns="91440" tIns="45720" rIns="91440" bIns="45720" rtlCol="0" anchor="ctr"/>
+          <a:bodyPr vert="horz" anchor="b"/>
           <a:lstStyle>
-            <a:lvl1pPr algn="r">
-              <a:defRPr sz="1200">
+            <a:lvl1pPr algn="r" eaLnBrk="1" latinLnBrk="0" hangingPunct="1">
+              <a:defRPr kumimoji="0" sz="1000" b="0">
                 <a:solidFill>
-                  <a:schemeClr val="tx1">
-                    <a:tint val="75000"/>
-                  </a:schemeClr>
+                  <a:schemeClr val="tx1"/>
                 </a:solidFill>
               </a:defRPr>
             </a:lvl1pPr>
+            <a:extLst/>
           </a:lstStyle>
           <a:p>
             <a:fld id="{2119D8CF-8DEC-4D9F-84EE-ADF04DFF3391}" type="slidenum">
@@ -3154,44 +4629,59 @@
   </p:cSld>
   <p:clrMap bg1="lt1" tx1="dk1" bg2="lt2" tx2="dk2" accent1="accent1" accent2="accent2" accent3="accent3" accent4="accent4" accent5="accent5" accent6="accent6" hlink="hlink" folHlink="folHlink"/>
   <p:sldLayoutIdLst>
-    <p:sldLayoutId id="2147483649" r:id="rId1"/>
-    <p:sldLayoutId id="2147483650" r:id="rId2"/>
-    <p:sldLayoutId id="2147483651" r:id="rId3"/>
-    <p:sldLayoutId id="2147483652" r:id="rId4"/>
-    <p:sldLayoutId id="2147483653" r:id="rId5"/>
-    <p:sldLayoutId id="2147483654" r:id="rId6"/>
-    <p:sldLayoutId id="2147483655" r:id="rId7"/>
-    <p:sldLayoutId id="2147483656" r:id="rId8"/>
-    <p:sldLayoutId id="2147483657" r:id="rId9"/>
-    <p:sldLayoutId id="2147483658" r:id="rId10"/>
-    <p:sldLayoutId id="2147483659" r:id="rId11"/>
+    <p:sldLayoutId id="2147483661" r:id="rId1"/>
+    <p:sldLayoutId id="2147483662" r:id="rId2"/>
+    <p:sldLayoutId id="2147483663" r:id="rId3"/>
+    <p:sldLayoutId id="2147483664" r:id="rId4"/>
+    <p:sldLayoutId id="2147483665" r:id="rId5"/>
+    <p:sldLayoutId id="2147483666" r:id="rId6"/>
+    <p:sldLayoutId id="2147483667" r:id="rId7"/>
+    <p:sldLayoutId id="2147483668" r:id="rId8"/>
+    <p:sldLayoutId id="2147483669" r:id="rId9"/>
+    <p:sldLayoutId id="2147483670" r:id="rId10"/>
+    <p:sldLayoutId id="2147483671" r:id="rId11"/>
   </p:sldLayoutIdLst>
   <p:hf hdr="0" ftr="0"/>
   <p:txStyles>
     <p:titleStyle>
-      <a:lvl1pPr algn="ctr" defTabSz="914400" rtl="0" eaLnBrk="1" latinLnBrk="0" hangingPunct="1">
+      <a:lvl1pPr algn="l" rtl="0" eaLnBrk="1" latinLnBrk="0" hangingPunct="1">
         <a:spcBef>
           <a:spcPct val="0"/>
         </a:spcBef>
         <a:buNone/>
-        <a:defRPr sz="4400" kern="1200">
+        <a:defRPr kumimoji="0" sz="4100" b="1" kern="1200">
           <a:solidFill>
-            <a:schemeClr val="tx1"/>
+            <a:schemeClr val="tx2"/>
           </a:solidFill>
+          <a:effectLst>
+            <a:outerShdw blurRad="31750" dist="25400" dir="5400000" algn="tl" rotWithShape="0">
+              <a:srgbClr val="000000">
+                <a:alpha val="25000"/>
+              </a:srgbClr>
+            </a:outerShdw>
+          </a:effectLst>
           <a:latin typeface="+mj-lt"/>
           <a:ea typeface="+mj-ea"/>
           <a:cs typeface="+mj-cs"/>
         </a:defRPr>
       </a:lvl1pPr>
+      <a:extLst/>
     </p:titleStyle>
     <p:bodyStyle>
-      <a:lvl1pPr marL="342900" indent="-342900" algn="l" defTabSz="914400" rtl="0" eaLnBrk="1" latinLnBrk="0" hangingPunct="1">
+      <a:lvl1pPr marL="365760" indent="-256032" algn="l" rtl="0" eaLnBrk="1" latinLnBrk="0" hangingPunct="1">
         <a:spcBef>
-          <a:spcPct val="20000"/>
+          <a:spcPts val="400"/>
         </a:spcBef>
-        <a:buFont typeface="Arial" pitchFamily="34" charset="0"/>
-        <a:buChar char="•"/>
-        <a:defRPr sz="3200" kern="1200">
+        <a:spcAft>
+          <a:spcPts val="0"/>
+        </a:spcAft>
+        <a:buClr>
+          <a:schemeClr val="accent1"/>
+        </a:buClr>
+        <a:buSzPct val="68000"/>
+        <a:buFont typeface="Wingdings 3"/>
+        <a:buChar char=""/>
+        <a:defRPr kumimoji="0" sz="2700" kern="1200">
           <a:solidFill>
             <a:schemeClr val="tx1"/>
           </a:solidFill>
@@ -3200,13 +4690,16 @@
           <a:cs typeface="+mn-cs"/>
         </a:defRPr>
       </a:lvl1pPr>
-      <a:lvl2pPr marL="742950" indent="-285750" algn="l" defTabSz="914400" rtl="0" eaLnBrk="1" latinLnBrk="0" hangingPunct="1">
+      <a:lvl2pPr marL="621792" indent="-228600" algn="l" rtl="0" eaLnBrk="1" latinLnBrk="0" hangingPunct="1">
         <a:spcBef>
-          <a:spcPct val="20000"/>
+          <a:spcPts val="324"/>
         </a:spcBef>
-        <a:buFont typeface="Arial" pitchFamily="34" charset="0"/>
-        <a:buChar char="–"/>
-        <a:defRPr sz="2800" kern="1200">
+        <a:buClr>
+          <a:schemeClr val="accent1"/>
+        </a:buClr>
+        <a:buFont typeface="Verdana"/>
+        <a:buChar char="◦"/>
+        <a:defRPr kumimoji="0" sz="2300" kern="1200">
           <a:solidFill>
             <a:schemeClr val="tx1"/>
           </a:solidFill>
@@ -3215,13 +4708,17 @@
           <a:cs typeface="+mn-cs"/>
         </a:defRPr>
       </a:lvl2pPr>
-      <a:lvl3pPr marL="1143000" indent="-228600" algn="l" defTabSz="914400" rtl="0" eaLnBrk="1" latinLnBrk="0" hangingPunct="1">
+      <a:lvl3pPr marL="859536" indent="-228600" algn="l" rtl="0" eaLnBrk="1" latinLnBrk="0" hangingPunct="1">
         <a:spcBef>
-          <a:spcPct val="20000"/>
+          <a:spcPts val="350"/>
         </a:spcBef>
-        <a:buFont typeface="Arial" pitchFamily="34" charset="0"/>
-        <a:buChar char="•"/>
-        <a:defRPr sz="2400" kern="1200">
+        <a:buClr>
+          <a:schemeClr val="accent2"/>
+        </a:buClr>
+        <a:buSzPct val="100000"/>
+        <a:buFont typeface="Wingdings 2"/>
+        <a:buChar char=""/>
+        <a:defRPr kumimoji="0" sz="2100" kern="1200">
           <a:solidFill>
             <a:schemeClr val="tx1"/>
           </a:solidFill>
@@ -3230,13 +4727,16 @@
           <a:cs typeface="+mn-cs"/>
         </a:defRPr>
       </a:lvl3pPr>
-      <a:lvl4pPr marL="1600200" indent="-228600" algn="l" defTabSz="914400" rtl="0" eaLnBrk="1" latinLnBrk="0" hangingPunct="1">
+      <a:lvl4pPr marL="1143000" indent="-228600" algn="l" rtl="0" eaLnBrk="1" latinLnBrk="0" hangingPunct="1">
         <a:spcBef>
-          <a:spcPct val="20000"/>
+          <a:spcPts val="350"/>
         </a:spcBef>
-        <a:buFont typeface="Arial" pitchFamily="34" charset="0"/>
-        <a:buChar char="–"/>
-        <a:defRPr sz="2000" kern="1200">
+        <a:buClr>
+          <a:schemeClr val="accent2"/>
+        </a:buClr>
+        <a:buFont typeface="Wingdings 2"/>
+        <a:buChar char=""/>
+        <a:defRPr kumimoji="0" sz="1900" kern="1200">
           <a:solidFill>
             <a:schemeClr val="tx1"/>
           </a:solidFill>
@@ -3245,13 +4745,16 @@
           <a:cs typeface="+mn-cs"/>
         </a:defRPr>
       </a:lvl4pPr>
-      <a:lvl5pPr marL="2057400" indent="-228600" algn="l" defTabSz="914400" rtl="0" eaLnBrk="1" latinLnBrk="0" hangingPunct="1">
+      <a:lvl5pPr marL="1371600" indent="-228600" algn="l" rtl="0" eaLnBrk="1" latinLnBrk="0" hangingPunct="1">
         <a:spcBef>
-          <a:spcPct val="20000"/>
+          <a:spcPts val="350"/>
         </a:spcBef>
-        <a:buFont typeface="Arial" pitchFamily="34" charset="0"/>
-        <a:buChar char="»"/>
-        <a:defRPr sz="2000" kern="1200">
+        <a:buClr>
+          <a:schemeClr val="accent2"/>
+        </a:buClr>
+        <a:buFont typeface="Wingdings 2"/>
+        <a:buChar char=""/>
+        <a:defRPr kumimoji="0" sz="1800" kern="1200">
           <a:solidFill>
             <a:schemeClr val="tx1"/>
           </a:solidFill>
@@ -3260,13 +4763,16 @@
           <a:cs typeface="+mn-cs"/>
         </a:defRPr>
       </a:lvl5pPr>
-      <a:lvl6pPr marL="2514600" indent="-228600" algn="l" defTabSz="914400" rtl="0" eaLnBrk="1" latinLnBrk="0" hangingPunct="1">
+      <a:lvl6pPr marL="1600200" indent="-228600" algn="l" rtl="0" eaLnBrk="1" latinLnBrk="0" hangingPunct="1">
         <a:spcBef>
-          <a:spcPct val="20000"/>
+          <a:spcPts val="350"/>
         </a:spcBef>
-        <a:buFont typeface="Arial" pitchFamily="34" charset="0"/>
-        <a:buChar char="•"/>
-        <a:defRPr sz="2000" kern="1200">
+        <a:buClr>
+          <a:schemeClr val="accent3"/>
+        </a:buClr>
+        <a:buFont typeface="Wingdings 2"/>
+        <a:buChar char=""/>
+        <a:defRPr kumimoji="0" sz="1800" kern="1200">
           <a:solidFill>
             <a:schemeClr val="tx1"/>
           </a:solidFill>
@@ -3275,13 +4781,16 @@
           <a:cs typeface="+mn-cs"/>
         </a:defRPr>
       </a:lvl6pPr>
-      <a:lvl7pPr marL="2971800" indent="-228600" algn="l" defTabSz="914400" rtl="0" eaLnBrk="1" latinLnBrk="0" hangingPunct="1">
+      <a:lvl7pPr marL="1828800" indent="-228600" algn="l" rtl="0" eaLnBrk="1" latinLnBrk="0" hangingPunct="1">
         <a:spcBef>
-          <a:spcPct val="20000"/>
+          <a:spcPts val="350"/>
         </a:spcBef>
-        <a:buFont typeface="Arial" pitchFamily="34" charset="0"/>
-        <a:buChar char="•"/>
-        <a:defRPr sz="2000" kern="1200">
+        <a:buClr>
+          <a:schemeClr val="accent3"/>
+        </a:buClr>
+        <a:buFont typeface="Wingdings 2"/>
+        <a:buChar char=""/>
+        <a:defRPr kumimoji="0" sz="1600" kern="1200">
           <a:solidFill>
             <a:schemeClr val="tx1"/>
           </a:solidFill>
@@ -3290,13 +4799,16 @@
           <a:cs typeface="+mn-cs"/>
         </a:defRPr>
       </a:lvl7pPr>
-      <a:lvl8pPr marL="3429000" indent="-228600" algn="l" defTabSz="914400" rtl="0" eaLnBrk="1" latinLnBrk="0" hangingPunct="1">
+      <a:lvl8pPr marL="2057400" indent="-228600" algn="l" rtl="0" eaLnBrk="1" latinLnBrk="0" hangingPunct="1">
         <a:spcBef>
-          <a:spcPct val="20000"/>
+          <a:spcPts val="350"/>
         </a:spcBef>
-        <a:buFont typeface="Arial" pitchFamily="34" charset="0"/>
-        <a:buChar char="•"/>
-        <a:defRPr sz="2000" kern="1200">
+        <a:buClr>
+          <a:schemeClr val="accent3"/>
+        </a:buClr>
+        <a:buFont typeface="Wingdings 2"/>
+        <a:buChar char=""/>
+        <a:defRPr kumimoji="0" sz="1600" kern="1200">
           <a:solidFill>
             <a:schemeClr val="tx1"/>
           </a:solidFill>
@@ -3305,13 +4817,16 @@
           <a:cs typeface="+mn-cs"/>
         </a:defRPr>
       </a:lvl8pPr>
-      <a:lvl9pPr marL="3886200" indent="-228600" algn="l" defTabSz="914400" rtl="0" eaLnBrk="1" latinLnBrk="0" hangingPunct="1">
+      <a:lvl9pPr marL="2286000" indent="-228600" algn="l" rtl="0" eaLnBrk="1" latinLnBrk="0" hangingPunct="1">
         <a:spcBef>
-          <a:spcPct val="20000"/>
+          <a:spcPts val="350"/>
         </a:spcBef>
-        <a:buFont typeface="Arial" pitchFamily="34" charset="0"/>
-        <a:buChar char="•"/>
-        <a:defRPr sz="2000" kern="1200">
+        <a:buClr>
+          <a:schemeClr val="accent3"/>
+        </a:buClr>
+        <a:buFont typeface="Wingdings 2"/>
+        <a:buChar char=""/>
+        <a:defRPr kumimoji="0" sz="1600" kern="1200" baseline="0">
           <a:solidFill>
             <a:schemeClr val="tx1"/>
           </a:solidFill>
@@ -3320,13 +4835,11 @@
           <a:cs typeface="+mn-cs"/>
         </a:defRPr>
       </a:lvl9pPr>
+      <a:extLst/>
     </p:bodyStyle>
     <p:otherStyle>
-      <a:defPPr>
-        <a:defRPr lang="pt-BR"/>
-      </a:defPPr>
-      <a:lvl1pPr marL="0" algn="l" defTabSz="914400" rtl="0" eaLnBrk="1" latinLnBrk="0" hangingPunct="1">
-        <a:defRPr sz="1800" kern="1200">
+      <a:lvl1pPr marL="0" algn="l" rtl="0" eaLnBrk="1" latinLnBrk="0" hangingPunct="1">
+        <a:defRPr kumimoji="0" kern="1200">
           <a:solidFill>
             <a:schemeClr val="tx1"/>
           </a:solidFill>
@@ -3335,8 +4848,8 @@
           <a:cs typeface="+mn-cs"/>
         </a:defRPr>
       </a:lvl1pPr>
-      <a:lvl2pPr marL="457200" algn="l" defTabSz="914400" rtl="0" eaLnBrk="1" latinLnBrk="0" hangingPunct="1">
-        <a:defRPr sz="1800" kern="1200">
+      <a:lvl2pPr marL="457200" algn="l" rtl="0" eaLnBrk="1" latinLnBrk="0" hangingPunct="1">
+        <a:defRPr kumimoji="0" kern="1200">
           <a:solidFill>
             <a:schemeClr val="tx1"/>
           </a:solidFill>
@@ -3345,8 +4858,8 @@
           <a:cs typeface="+mn-cs"/>
         </a:defRPr>
       </a:lvl2pPr>
-      <a:lvl3pPr marL="914400" algn="l" defTabSz="914400" rtl="0" eaLnBrk="1" latinLnBrk="0" hangingPunct="1">
-        <a:defRPr sz="1800" kern="1200">
+      <a:lvl3pPr marL="914400" algn="l" rtl="0" eaLnBrk="1" latinLnBrk="0" hangingPunct="1">
+        <a:defRPr kumimoji="0" kern="1200">
           <a:solidFill>
             <a:schemeClr val="tx1"/>
           </a:solidFill>
@@ -3355,8 +4868,8 @@
           <a:cs typeface="+mn-cs"/>
         </a:defRPr>
       </a:lvl3pPr>
-      <a:lvl4pPr marL="1371600" algn="l" defTabSz="914400" rtl="0" eaLnBrk="1" latinLnBrk="0" hangingPunct="1">
-        <a:defRPr sz="1800" kern="1200">
+      <a:lvl4pPr marL="1371600" algn="l" rtl="0" eaLnBrk="1" latinLnBrk="0" hangingPunct="1">
+        <a:defRPr kumimoji="0" kern="1200">
           <a:solidFill>
             <a:schemeClr val="tx1"/>
           </a:solidFill>
@@ -3365,8 +4878,8 @@
           <a:cs typeface="+mn-cs"/>
         </a:defRPr>
       </a:lvl4pPr>
-      <a:lvl5pPr marL="1828800" algn="l" defTabSz="914400" rtl="0" eaLnBrk="1" latinLnBrk="0" hangingPunct="1">
-        <a:defRPr sz="1800" kern="1200">
+      <a:lvl5pPr marL="1828800" algn="l" rtl="0" eaLnBrk="1" latinLnBrk="0" hangingPunct="1">
+        <a:defRPr kumimoji="0" kern="1200">
           <a:solidFill>
             <a:schemeClr val="tx1"/>
           </a:solidFill>
@@ -3375,8 +4888,8 @@
           <a:cs typeface="+mn-cs"/>
         </a:defRPr>
       </a:lvl5pPr>
-      <a:lvl6pPr marL="2286000" algn="l" defTabSz="914400" rtl="0" eaLnBrk="1" latinLnBrk="0" hangingPunct="1">
-        <a:defRPr sz="1800" kern="1200">
+      <a:lvl6pPr marL="2286000" algn="l" rtl="0" eaLnBrk="1" latinLnBrk="0" hangingPunct="1">
+        <a:defRPr kumimoji="0" kern="1200">
           <a:solidFill>
             <a:schemeClr val="tx1"/>
           </a:solidFill>
@@ -3385,8 +4898,8 @@
           <a:cs typeface="+mn-cs"/>
         </a:defRPr>
       </a:lvl6pPr>
-      <a:lvl7pPr marL="2743200" algn="l" defTabSz="914400" rtl="0" eaLnBrk="1" latinLnBrk="0" hangingPunct="1">
-        <a:defRPr sz="1800" kern="1200">
+      <a:lvl7pPr marL="2743200" algn="l" rtl="0" eaLnBrk="1" latinLnBrk="0" hangingPunct="1">
+        <a:defRPr kumimoji="0" kern="1200">
           <a:solidFill>
             <a:schemeClr val="tx1"/>
           </a:solidFill>
@@ -3395,8 +4908,8 @@
           <a:cs typeface="+mn-cs"/>
         </a:defRPr>
       </a:lvl7pPr>
-      <a:lvl8pPr marL="3200400" algn="l" defTabSz="914400" rtl="0" eaLnBrk="1" latinLnBrk="0" hangingPunct="1">
-        <a:defRPr sz="1800" kern="1200">
+      <a:lvl8pPr marL="3200400" algn="l" rtl="0" eaLnBrk="1" latinLnBrk="0" hangingPunct="1">
+        <a:defRPr kumimoji="0" kern="1200">
           <a:solidFill>
             <a:schemeClr val="tx1"/>
           </a:solidFill>
@@ -3405,8 +4918,8 @@
           <a:cs typeface="+mn-cs"/>
         </a:defRPr>
       </a:lvl8pPr>
-      <a:lvl9pPr marL="3657600" algn="l" defTabSz="914400" rtl="0" eaLnBrk="1" latinLnBrk="0" hangingPunct="1">
-        <a:defRPr sz="1800" kern="1200">
+      <a:lvl9pPr marL="3657600" algn="l" rtl="0" eaLnBrk="1" latinLnBrk="0" hangingPunct="1">
+        <a:defRPr kumimoji="0" kern="1200">
           <a:solidFill>
             <a:schemeClr val="tx1"/>
           </a:solidFill>
@@ -3415,6 +4928,7 @@
           <a:cs typeface="+mn-cs"/>
         </a:defRPr>
       </a:lvl9pPr>
+      <a:extLst/>
     </p:otherStyle>
   </p:txStyles>
 </p:sldMaster>
@@ -3507,6 +5021,54 @@
               <a:t>Equipe Target</a:t>
             </a:r>
             <a:endParaRPr lang="pt-BR" sz="3200" b="1" dirty="0"/>
+          </a:p>
+        </p:txBody>
+      </p:sp>
+      <p:sp>
+        <p:nvSpPr>
+          <p:cNvPr id="6" name="Espaço Reservado para Data 5"/>
+          <p:cNvSpPr>
+            <a:spLocks noGrp="1"/>
+          </p:cNvSpPr>
+          <p:nvPr>
+            <p:ph type="dt" sz="half" idx="10"/>
+          </p:nvPr>
+        </p:nvSpPr>
+        <p:spPr/>
+        <p:txBody>
+          <a:bodyPr/>
+          <a:lstStyle/>
+          <a:p>
+            <a:fld id="{679C7CC5-2D25-4D95-A86E-CB8750DEC6FC}" type="datetime1">
+              <a:rPr lang="pt-BR" smtClean="0"/>
+              <a:pPr/>
+              <a:t>13/11/2008</a:t>
+            </a:fld>
+            <a:endParaRPr lang="pt-BR"/>
+          </a:p>
+        </p:txBody>
+      </p:sp>
+      <p:sp>
+        <p:nvSpPr>
+          <p:cNvPr id="8" name="Espaço Reservado para Número de Slide 7"/>
+          <p:cNvSpPr>
+            <a:spLocks noGrp="1"/>
+          </p:cNvSpPr>
+          <p:nvPr>
+            <p:ph type="sldNum" sz="quarter" idx="12"/>
+          </p:nvPr>
+        </p:nvSpPr>
+        <p:spPr/>
+        <p:txBody>
+          <a:bodyPr/>
+          <a:lstStyle/>
+          <a:p>
+            <a:fld id="{2119D8CF-8DEC-4D9F-84EE-ADF04DFF3391}" type="slidenum">
+              <a:rPr lang="pt-BR" smtClean="0"/>
+              <a:pPr/>
+              <a:t>1</a:t>
+            </a:fld>
+            <a:endParaRPr lang="pt-BR"/>
           </a:p>
         </p:txBody>
       </p:sp>
@@ -3611,7 +5173,7 @@
         </p:nvSpPr>
         <p:spPr>
           <a:xfrm>
-            <a:off x="285720" y="736128"/>
+            <a:off x="285720" y="764022"/>
             <a:ext cx="8129590" cy="1470025"/>
           </a:xfrm>
           <a:prstGeom prst="rect">
@@ -3692,7 +5254,7 @@
               </a:rPr>
             </a:br>
             <a:r>
-              <a:rPr kumimoji="0" lang="pt-BR" sz="3200" b="0" i="0" u="none" strike="noStrike" kern="1200" cap="none" spc="0" normalizeH="0" baseline="0" noProof="0" dirty="0" smtClean="0">
+              <a:rPr kumimoji="0" lang="pt-BR" sz="2800" b="0" i="0" u="none" strike="noStrike" kern="1200" cap="none" spc="0" normalizeH="0" baseline="0" noProof="0" dirty="0" smtClean="0">
                 <a:ln>
                   <a:noFill/>
                 </a:ln>
@@ -3708,7 +5270,7 @@
               </a:rPr>
               <a:t>Boletim de Produção Ambulatorial Digital</a:t>
             </a:r>
-            <a:endParaRPr kumimoji="0" lang="pt-BR" sz="3200" b="0" i="0" u="none" strike="noStrike" kern="1200" cap="none" spc="0" normalizeH="0" baseline="0" noProof="0" dirty="0">
+            <a:endParaRPr kumimoji="0" lang="pt-BR" sz="2800" b="0" i="0" u="none" strike="noStrike" kern="1200" cap="none" spc="0" normalizeH="0" baseline="0" noProof="0" dirty="0">
               <a:ln>
                 <a:noFill/>
               </a:ln>
@@ -3722,53 +5284,6 @@
               <a:ea typeface="+mj-ea"/>
               <a:cs typeface="+mj-cs"/>
             </a:endParaRPr>
-          </a:p>
-        </p:txBody>
-      </p:sp>
-      <p:sp>
-        <p:nvSpPr>
-          <p:cNvPr id="6" name="Espaço Reservado para Data 5"/>
-          <p:cNvSpPr>
-            <a:spLocks noGrp="1"/>
-          </p:cNvSpPr>
-          <p:nvPr>
-            <p:ph type="dt" sz="half" idx="10"/>
-          </p:nvPr>
-        </p:nvSpPr>
-        <p:spPr/>
-        <p:txBody>
-          <a:bodyPr/>
-          <a:lstStyle/>
-          <a:p>
-            <a:fld id="{679C7CC5-2D25-4D95-A86E-CB8750DEC6FC}" type="datetime1">
-              <a:rPr lang="pt-BR" smtClean="0"/>
-              <a:t>13/11/2008</a:t>
-            </a:fld>
-            <a:endParaRPr lang="pt-BR"/>
-          </a:p>
-        </p:txBody>
-      </p:sp>
-      <p:sp>
-        <p:nvSpPr>
-          <p:cNvPr id="8" name="Espaço Reservado para Número de Slide 7"/>
-          <p:cNvSpPr>
-            <a:spLocks noGrp="1"/>
-          </p:cNvSpPr>
-          <p:nvPr>
-            <p:ph type="sldNum" sz="quarter" idx="12"/>
-          </p:nvPr>
-        </p:nvSpPr>
-        <p:spPr/>
-        <p:txBody>
-          <a:bodyPr/>
-          <a:lstStyle/>
-          <a:p>
-            <a:fld id="{2119D8CF-8DEC-4D9F-84EE-ADF04DFF3391}" type="slidenum">
-              <a:rPr lang="pt-BR" smtClean="0"/>
-              <a:pPr/>
-              <a:t>1</a:t>
-            </a:fld>
-            <a:endParaRPr lang="pt-BR"/>
           </a:p>
         </p:txBody>
       </p:sp>
@@ -3872,7 +5387,54 @@
               <a:rPr lang="pt-BR" dirty="0" smtClean="0"/>
               <a:t>Execução</a:t>
             </a:r>
-            <a:endParaRPr lang="pt-BR" dirty="0" smtClean="0"/>
+          </a:p>
+        </p:txBody>
+      </p:sp>
+      <p:sp>
+        <p:nvSpPr>
+          <p:cNvPr id="8" name="Espaço Reservado para Data 7"/>
+          <p:cNvSpPr>
+            <a:spLocks noGrp="1"/>
+          </p:cNvSpPr>
+          <p:nvPr>
+            <p:ph type="dt" sz="half" idx="10"/>
+          </p:nvPr>
+        </p:nvSpPr>
+        <p:spPr/>
+        <p:txBody>
+          <a:bodyPr/>
+          <a:lstStyle/>
+          <a:p>
+            <a:fld id="{6A867DEF-8F70-4A85-B876-AF2B9DB74B82}" type="datetime1">
+              <a:rPr lang="pt-BR" smtClean="0"/>
+              <a:pPr/>
+              <a:t>13/11/2008</a:t>
+            </a:fld>
+            <a:endParaRPr lang="pt-BR"/>
+          </a:p>
+        </p:txBody>
+      </p:sp>
+      <p:sp>
+        <p:nvSpPr>
+          <p:cNvPr id="10" name="Espaço Reservado para Número de Slide 9"/>
+          <p:cNvSpPr>
+            <a:spLocks noGrp="1"/>
+          </p:cNvSpPr>
+          <p:nvPr>
+            <p:ph type="sldNum" sz="quarter" idx="12"/>
+          </p:nvPr>
+        </p:nvSpPr>
+        <p:spPr/>
+        <p:txBody>
+          <a:bodyPr/>
+          <a:lstStyle/>
+          <a:p>
+            <a:fld id="{2119D8CF-8DEC-4D9F-84EE-ADF04DFF3391}" type="slidenum">
+              <a:rPr lang="pt-BR" smtClean="0"/>
+              <a:pPr/>
+              <a:t>10</a:t>
+            </a:fld>
+            <a:endParaRPr lang="pt-BR"/>
           </a:p>
         </p:txBody>
       </p:sp>
@@ -4063,60 +5625,9 @@
             </a:pPr>
             <a:r>
               <a:rPr lang="pt-BR" sz="2800" dirty="0" smtClean="0"/>
-              <a:t>Releases</a:t>
-            </a:r>
-            <a:r>
-              <a:rPr lang="pt-BR" sz="2800" dirty="0" smtClean="0"/>
-              <a:t>	</a:t>
+              <a:t>Releases	</a:t>
             </a:r>
             <a:endParaRPr lang="pt-BR" i="1" dirty="0"/>
-          </a:p>
-        </p:txBody>
-      </p:sp>
-      <p:sp>
-        <p:nvSpPr>
-          <p:cNvPr id="8" name="Espaço Reservado para Data 7"/>
-          <p:cNvSpPr>
-            <a:spLocks noGrp="1"/>
-          </p:cNvSpPr>
-          <p:nvPr>
-            <p:ph type="dt" sz="half" idx="10"/>
-          </p:nvPr>
-        </p:nvSpPr>
-        <p:spPr/>
-        <p:txBody>
-          <a:bodyPr/>
-          <a:lstStyle/>
-          <a:p>
-            <a:fld id="{6A867DEF-8F70-4A85-B876-AF2B9DB74B82}" type="datetime1">
-              <a:rPr lang="pt-BR" smtClean="0"/>
-              <a:t>13/11/2008</a:t>
-            </a:fld>
-            <a:endParaRPr lang="pt-BR"/>
-          </a:p>
-        </p:txBody>
-      </p:sp>
-      <p:sp>
-        <p:nvSpPr>
-          <p:cNvPr id="10" name="Espaço Reservado para Número de Slide 9"/>
-          <p:cNvSpPr>
-            <a:spLocks noGrp="1"/>
-          </p:cNvSpPr>
-          <p:nvPr>
-            <p:ph type="sldNum" sz="quarter" idx="12"/>
-          </p:nvPr>
-        </p:nvSpPr>
-        <p:spPr/>
-        <p:txBody>
-          <a:bodyPr/>
-          <a:lstStyle/>
-          <a:p>
-            <a:fld id="{2119D8CF-8DEC-4D9F-84EE-ADF04DFF3391}" type="slidenum">
-              <a:rPr lang="pt-BR" smtClean="0"/>
-              <a:pPr/>
-              <a:t>10</a:t>
-            </a:fld>
-            <a:endParaRPr lang="pt-BR"/>
           </a:p>
         </p:txBody>
       </p:sp>
@@ -4220,7 +5731,54 @@
               <a:rPr lang="pt-BR" dirty="0" smtClean="0"/>
               <a:t>Execução</a:t>
             </a:r>
-            <a:endParaRPr lang="pt-BR" dirty="0" smtClean="0"/>
+          </a:p>
+        </p:txBody>
+      </p:sp>
+      <p:sp>
+        <p:nvSpPr>
+          <p:cNvPr id="8" name="Espaço Reservado para Data 7"/>
+          <p:cNvSpPr>
+            <a:spLocks noGrp="1"/>
+          </p:cNvSpPr>
+          <p:nvPr>
+            <p:ph type="dt" sz="half" idx="10"/>
+          </p:nvPr>
+        </p:nvSpPr>
+        <p:spPr/>
+        <p:txBody>
+          <a:bodyPr/>
+          <a:lstStyle/>
+          <a:p>
+            <a:fld id="{0448B023-CC75-4C2C-8BC3-070F584A2AA3}" type="datetime1">
+              <a:rPr lang="pt-BR" smtClean="0"/>
+              <a:pPr/>
+              <a:t>13/11/2008</a:t>
+            </a:fld>
+            <a:endParaRPr lang="pt-BR"/>
+          </a:p>
+        </p:txBody>
+      </p:sp>
+      <p:sp>
+        <p:nvSpPr>
+          <p:cNvPr id="10" name="Espaço Reservado para Número de Slide 9"/>
+          <p:cNvSpPr>
+            <a:spLocks noGrp="1"/>
+          </p:cNvSpPr>
+          <p:nvPr>
+            <p:ph type="sldNum" sz="quarter" idx="12"/>
+          </p:nvPr>
+        </p:nvSpPr>
+        <p:spPr/>
+        <p:txBody>
+          <a:bodyPr/>
+          <a:lstStyle/>
+          <a:p>
+            <a:fld id="{2119D8CF-8DEC-4D9F-84EE-ADF04DFF3391}" type="slidenum">
+              <a:rPr lang="pt-BR" smtClean="0"/>
+              <a:pPr/>
+              <a:t>11</a:t>
+            </a:fld>
+            <a:endParaRPr lang="pt-BR"/>
           </a:p>
         </p:txBody>
       </p:sp>
@@ -4382,53 +5940,6 @@
           </a:graphicData>
         </a:graphic>
       </p:graphicFrame>
-      <p:sp>
-        <p:nvSpPr>
-          <p:cNvPr id="8" name="Espaço Reservado para Data 7"/>
-          <p:cNvSpPr>
-            <a:spLocks noGrp="1"/>
-          </p:cNvSpPr>
-          <p:nvPr>
-            <p:ph type="dt" sz="half" idx="10"/>
-          </p:nvPr>
-        </p:nvSpPr>
-        <p:spPr/>
-        <p:txBody>
-          <a:bodyPr/>
-          <a:lstStyle/>
-          <a:p>
-            <a:fld id="{0448B023-CC75-4C2C-8BC3-070F584A2AA3}" type="datetime1">
-              <a:rPr lang="pt-BR" smtClean="0"/>
-              <a:t>13/11/2008</a:t>
-            </a:fld>
-            <a:endParaRPr lang="pt-BR"/>
-          </a:p>
-        </p:txBody>
-      </p:sp>
-      <p:sp>
-        <p:nvSpPr>
-          <p:cNvPr id="10" name="Espaço Reservado para Número de Slide 9"/>
-          <p:cNvSpPr>
-            <a:spLocks noGrp="1"/>
-          </p:cNvSpPr>
-          <p:nvPr>
-            <p:ph type="sldNum" sz="quarter" idx="12"/>
-          </p:nvPr>
-        </p:nvSpPr>
-        <p:spPr/>
-        <p:txBody>
-          <a:bodyPr/>
-          <a:lstStyle/>
-          <a:p>
-            <a:fld id="{2119D8CF-8DEC-4D9F-84EE-ADF04DFF3391}" type="slidenum">
-              <a:rPr lang="pt-BR" smtClean="0"/>
-              <a:pPr/>
-              <a:t>11</a:t>
-            </a:fld>
-            <a:endParaRPr lang="pt-BR"/>
-          </a:p>
-        </p:txBody>
-      </p:sp>
     </p:spTree>
   </p:cSld>
   <p:clrMapOvr>
@@ -4532,6 +6043,54 @@
           </a:p>
         </p:txBody>
       </p:sp>
+      <p:sp>
+        <p:nvSpPr>
+          <p:cNvPr id="9" name="Espaço Reservado para Data 8"/>
+          <p:cNvSpPr>
+            <a:spLocks noGrp="1"/>
+          </p:cNvSpPr>
+          <p:nvPr>
+            <p:ph type="dt" sz="half" idx="10"/>
+          </p:nvPr>
+        </p:nvSpPr>
+        <p:spPr/>
+        <p:txBody>
+          <a:bodyPr/>
+          <a:lstStyle/>
+          <a:p>
+            <a:fld id="{4854055B-0573-4C72-88E8-CEB789F79050}" type="datetime1">
+              <a:rPr lang="pt-BR" smtClean="0"/>
+              <a:pPr/>
+              <a:t>13/11/2008</a:t>
+            </a:fld>
+            <a:endParaRPr lang="pt-BR"/>
+          </a:p>
+        </p:txBody>
+      </p:sp>
+      <p:sp>
+        <p:nvSpPr>
+          <p:cNvPr id="10" name="Espaço Reservado para Número de Slide 9"/>
+          <p:cNvSpPr>
+            <a:spLocks noGrp="1"/>
+          </p:cNvSpPr>
+          <p:nvPr>
+            <p:ph type="sldNum" sz="quarter" idx="12"/>
+          </p:nvPr>
+        </p:nvSpPr>
+        <p:spPr/>
+        <p:txBody>
+          <a:bodyPr/>
+          <a:lstStyle/>
+          <a:p>
+            <a:fld id="{2119D8CF-8DEC-4D9F-84EE-ADF04DFF3391}" type="slidenum">
+              <a:rPr lang="pt-BR" smtClean="0"/>
+              <a:pPr/>
+              <a:t>12</a:t>
+            </a:fld>
+            <a:endParaRPr lang="pt-BR"/>
+          </a:p>
+        </p:txBody>
+      </p:sp>
       <p:pic>
         <p:nvPicPr>
           <p:cNvPr id="4" name="Imagem 3" descr="Logo_idez.png"/>
@@ -4749,53 +6308,6 @@
               <a:t>Tortoise</a:t>
             </a:r>
             <a:endParaRPr lang="pt-BR" dirty="0"/>
-          </a:p>
-        </p:txBody>
-      </p:sp>
-      <p:sp>
-        <p:nvSpPr>
-          <p:cNvPr id="9" name="Espaço Reservado para Data 8"/>
-          <p:cNvSpPr>
-            <a:spLocks noGrp="1"/>
-          </p:cNvSpPr>
-          <p:nvPr>
-            <p:ph type="dt" sz="half" idx="10"/>
-          </p:nvPr>
-        </p:nvSpPr>
-        <p:spPr/>
-        <p:txBody>
-          <a:bodyPr/>
-          <a:lstStyle/>
-          <a:p>
-            <a:fld id="{4854055B-0573-4C72-88E8-CEB789F79050}" type="datetime1">
-              <a:rPr lang="pt-BR" smtClean="0"/>
-              <a:t>13/11/2008</a:t>
-            </a:fld>
-            <a:endParaRPr lang="pt-BR"/>
-          </a:p>
-        </p:txBody>
-      </p:sp>
-      <p:sp>
-        <p:nvSpPr>
-          <p:cNvPr id="10" name="Espaço Reservado para Número de Slide 9"/>
-          <p:cNvSpPr>
-            <a:spLocks noGrp="1"/>
-          </p:cNvSpPr>
-          <p:nvPr>
-            <p:ph type="sldNum" sz="quarter" idx="12"/>
-          </p:nvPr>
-        </p:nvSpPr>
-        <p:spPr/>
-        <p:txBody>
-          <a:bodyPr/>
-          <a:lstStyle/>
-          <a:p>
-            <a:fld id="{2119D8CF-8DEC-4D9F-84EE-ADF04DFF3391}" type="slidenum">
-              <a:rPr lang="pt-BR" smtClean="0"/>
-              <a:pPr/>
-              <a:t>12</a:t>
-            </a:fld>
-            <a:endParaRPr lang="pt-BR"/>
           </a:p>
         </p:txBody>
       </p:sp>
@@ -4902,6 +6414,54 @@
           </a:p>
         </p:txBody>
       </p:sp>
+      <p:sp>
+        <p:nvSpPr>
+          <p:cNvPr id="10" name="Espaço Reservado para Data 9"/>
+          <p:cNvSpPr>
+            <a:spLocks noGrp="1"/>
+          </p:cNvSpPr>
+          <p:nvPr>
+            <p:ph type="dt" sz="half" idx="10"/>
+          </p:nvPr>
+        </p:nvSpPr>
+        <p:spPr/>
+        <p:txBody>
+          <a:bodyPr/>
+          <a:lstStyle/>
+          <a:p>
+            <a:fld id="{8E9D2908-DB53-4A60-B558-E434626D011C}" type="datetime1">
+              <a:rPr lang="pt-BR" smtClean="0"/>
+              <a:pPr/>
+              <a:t>13/11/2008</a:t>
+            </a:fld>
+            <a:endParaRPr lang="pt-BR"/>
+          </a:p>
+        </p:txBody>
+      </p:sp>
+      <p:sp>
+        <p:nvSpPr>
+          <p:cNvPr id="11" name="Espaço Reservado para Número de Slide 10"/>
+          <p:cNvSpPr>
+            <a:spLocks noGrp="1"/>
+          </p:cNvSpPr>
+          <p:nvPr>
+            <p:ph type="sldNum" sz="quarter" idx="12"/>
+          </p:nvPr>
+        </p:nvSpPr>
+        <p:spPr/>
+        <p:txBody>
+          <a:bodyPr/>
+          <a:lstStyle/>
+          <a:p>
+            <a:fld id="{2119D8CF-8DEC-4D9F-84EE-ADF04DFF3391}" type="slidenum">
+              <a:rPr lang="pt-BR" smtClean="0"/>
+              <a:pPr/>
+              <a:t>13</a:t>
+            </a:fld>
+            <a:endParaRPr lang="pt-BR"/>
+          </a:p>
+        </p:txBody>
+      </p:sp>
       <p:pic>
         <p:nvPicPr>
           <p:cNvPr id="4" name="Imagem 3" descr="Logo_idez.png"/>
@@ -5105,53 +6665,6 @@
               <a:t>Eclipse</a:t>
             </a:r>
             <a:endParaRPr lang="pt-BR" dirty="0"/>
-          </a:p>
-        </p:txBody>
-      </p:sp>
-      <p:sp>
-        <p:nvSpPr>
-          <p:cNvPr id="10" name="Espaço Reservado para Data 9"/>
-          <p:cNvSpPr>
-            <a:spLocks noGrp="1"/>
-          </p:cNvSpPr>
-          <p:nvPr>
-            <p:ph type="dt" sz="half" idx="10"/>
-          </p:nvPr>
-        </p:nvSpPr>
-        <p:spPr/>
-        <p:txBody>
-          <a:bodyPr/>
-          <a:lstStyle/>
-          <a:p>
-            <a:fld id="{8E9D2908-DB53-4A60-B558-E434626D011C}" type="datetime1">
-              <a:rPr lang="pt-BR" smtClean="0"/>
-              <a:t>13/11/2008</a:t>
-            </a:fld>
-            <a:endParaRPr lang="pt-BR"/>
-          </a:p>
-        </p:txBody>
-      </p:sp>
-      <p:sp>
-        <p:nvSpPr>
-          <p:cNvPr id="11" name="Espaço Reservado para Número de Slide 10"/>
-          <p:cNvSpPr>
-            <a:spLocks noGrp="1"/>
-          </p:cNvSpPr>
-          <p:nvPr>
-            <p:ph type="sldNum" sz="quarter" idx="12"/>
-          </p:nvPr>
-        </p:nvSpPr>
-        <p:spPr/>
-        <p:txBody>
-          <a:bodyPr/>
-          <a:lstStyle/>
-          <a:p>
-            <a:fld id="{2119D8CF-8DEC-4D9F-84EE-ADF04DFF3391}" type="slidenum">
-              <a:rPr lang="pt-BR" smtClean="0"/>
-              <a:pPr/>
-              <a:t>13</a:t>
-            </a:fld>
-            <a:endParaRPr lang="pt-BR"/>
           </a:p>
         </p:txBody>
       </p:sp>
@@ -5258,6 +6771,54 @@
           </a:p>
         </p:txBody>
       </p:sp>
+      <p:sp>
+        <p:nvSpPr>
+          <p:cNvPr id="8" name="Espaço Reservado para Data 7"/>
+          <p:cNvSpPr>
+            <a:spLocks noGrp="1"/>
+          </p:cNvSpPr>
+          <p:nvPr>
+            <p:ph type="dt" sz="half" idx="10"/>
+          </p:nvPr>
+        </p:nvSpPr>
+        <p:spPr/>
+        <p:txBody>
+          <a:bodyPr/>
+          <a:lstStyle/>
+          <a:p>
+            <a:fld id="{426C62D1-C159-414B-AAA1-324E71F0D9CC}" type="datetime1">
+              <a:rPr lang="pt-BR" smtClean="0"/>
+              <a:pPr/>
+              <a:t>13/11/2008</a:t>
+            </a:fld>
+            <a:endParaRPr lang="pt-BR"/>
+          </a:p>
+        </p:txBody>
+      </p:sp>
+      <p:sp>
+        <p:nvSpPr>
+          <p:cNvPr id="10" name="Espaço Reservado para Número de Slide 9"/>
+          <p:cNvSpPr>
+            <a:spLocks noGrp="1"/>
+          </p:cNvSpPr>
+          <p:nvPr>
+            <p:ph type="sldNum" sz="quarter" idx="12"/>
+          </p:nvPr>
+        </p:nvSpPr>
+        <p:spPr/>
+        <p:txBody>
+          <a:bodyPr/>
+          <a:lstStyle/>
+          <a:p>
+            <a:fld id="{2119D8CF-8DEC-4D9F-84EE-ADF04DFF3391}" type="slidenum">
+              <a:rPr lang="pt-BR" smtClean="0"/>
+              <a:pPr/>
+              <a:t>14</a:t>
+            </a:fld>
+            <a:endParaRPr lang="pt-BR"/>
+          </a:p>
+        </p:txBody>
+      </p:sp>
       <p:pic>
         <p:nvPicPr>
           <p:cNvPr id="4" name="Imagem 3" descr="Logo_idez.png"/>
@@ -5409,7 +6970,6 @@
               <a:rPr lang="pt-BR" i="1" dirty="0" smtClean="0"/>
               <a:t>Alguns Requisitos Funcionais</a:t>
             </a:r>
-            <a:endParaRPr lang="pt-BR" i="1" dirty="0" smtClean="0"/>
           </a:p>
           <a:p>
             <a:pPr>
@@ -5428,13 +6988,8 @@
             </a:pPr>
             <a:r>
               <a:rPr lang="pt-BR" i="1" dirty="0" smtClean="0"/>
-              <a:t>Demonstração </a:t>
-            </a:r>
-            <a:r>
-              <a:rPr lang="pt-BR" i="1" dirty="0" smtClean="0"/>
-              <a:t>Web</a:t>
-            </a:r>
-            <a:endParaRPr lang="pt-BR" i="1" dirty="0" smtClean="0"/>
+              <a:t>Demonstração Web</a:t>
+            </a:r>
           </a:p>
           <a:p>
             <a:pPr lvl="1">
@@ -5450,53 +7005,6 @@
               <a:t>Mobile</a:t>
             </a:r>
             <a:endParaRPr lang="pt-BR" i="1" dirty="0" smtClean="0"/>
-          </a:p>
-        </p:txBody>
-      </p:sp>
-      <p:sp>
-        <p:nvSpPr>
-          <p:cNvPr id="8" name="Espaço Reservado para Data 7"/>
-          <p:cNvSpPr>
-            <a:spLocks noGrp="1"/>
-          </p:cNvSpPr>
-          <p:nvPr>
-            <p:ph type="dt" sz="half" idx="10"/>
-          </p:nvPr>
-        </p:nvSpPr>
-        <p:spPr/>
-        <p:txBody>
-          <a:bodyPr/>
-          <a:lstStyle/>
-          <a:p>
-            <a:fld id="{426C62D1-C159-414B-AAA1-324E71F0D9CC}" type="datetime1">
-              <a:rPr lang="pt-BR" smtClean="0"/>
-              <a:t>13/11/2008</a:t>
-            </a:fld>
-            <a:endParaRPr lang="pt-BR"/>
-          </a:p>
-        </p:txBody>
-      </p:sp>
-      <p:sp>
-        <p:nvSpPr>
-          <p:cNvPr id="10" name="Espaço Reservado para Número de Slide 9"/>
-          <p:cNvSpPr>
-            <a:spLocks noGrp="1"/>
-          </p:cNvSpPr>
-          <p:nvPr>
-            <p:ph type="sldNum" sz="quarter" idx="12"/>
-          </p:nvPr>
-        </p:nvSpPr>
-        <p:spPr/>
-        <p:txBody>
-          <a:bodyPr/>
-          <a:lstStyle/>
-          <a:p>
-            <a:fld id="{2119D8CF-8DEC-4D9F-84EE-ADF04DFF3391}" type="slidenum">
-              <a:rPr lang="pt-BR" smtClean="0"/>
-              <a:pPr/>
-              <a:t>14</a:t>
-            </a:fld>
-            <a:endParaRPr lang="pt-BR"/>
           </a:p>
         </p:txBody>
       </p:sp>
@@ -5574,6 +7082,54 @@
           </a:p>
         </p:txBody>
       </p:sp>
+      <p:sp>
+        <p:nvSpPr>
+          <p:cNvPr id="10" name="Espaço Reservado para Data 9"/>
+          <p:cNvSpPr>
+            <a:spLocks noGrp="1"/>
+          </p:cNvSpPr>
+          <p:nvPr>
+            <p:ph type="dt" sz="half" idx="10"/>
+          </p:nvPr>
+        </p:nvSpPr>
+        <p:spPr/>
+        <p:txBody>
+          <a:bodyPr/>
+          <a:lstStyle/>
+          <a:p>
+            <a:fld id="{9323F808-8A9C-46B1-931B-979AA2D6AC00}" type="datetime1">
+              <a:rPr lang="pt-BR" smtClean="0"/>
+              <a:pPr/>
+              <a:t>13/11/2008</a:t>
+            </a:fld>
+            <a:endParaRPr lang="pt-BR"/>
+          </a:p>
+        </p:txBody>
+      </p:sp>
+      <p:sp>
+        <p:nvSpPr>
+          <p:cNvPr id="11" name="Espaço Reservado para Número de Slide 10"/>
+          <p:cNvSpPr>
+            <a:spLocks noGrp="1"/>
+          </p:cNvSpPr>
+          <p:nvPr>
+            <p:ph type="sldNum" sz="quarter" idx="12"/>
+          </p:nvPr>
+        </p:nvSpPr>
+        <p:spPr/>
+        <p:txBody>
+          <a:bodyPr/>
+          <a:lstStyle/>
+          <a:p>
+            <a:fld id="{2119D8CF-8DEC-4D9F-84EE-ADF04DFF3391}" type="slidenum">
+              <a:rPr lang="pt-BR" smtClean="0"/>
+              <a:pPr/>
+              <a:t>15</a:t>
+            </a:fld>
+            <a:endParaRPr lang="pt-BR"/>
+          </a:p>
+        </p:txBody>
+      </p:sp>
       <p:pic>
         <p:nvPicPr>
           <p:cNvPr id="4" name="Imagem 3" descr="Logo_idez.png"/>
@@ -5693,53 +7249,6 @@
               <a:t>Obrigado !</a:t>
             </a:r>
             <a:endParaRPr lang="pt-BR" sz="4000" i="1" dirty="0"/>
-          </a:p>
-        </p:txBody>
-      </p:sp>
-      <p:sp>
-        <p:nvSpPr>
-          <p:cNvPr id="10" name="Espaço Reservado para Data 9"/>
-          <p:cNvSpPr>
-            <a:spLocks noGrp="1"/>
-          </p:cNvSpPr>
-          <p:nvPr>
-            <p:ph type="dt" sz="half" idx="10"/>
-          </p:nvPr>
-        </p:nvSpPr>
-        <p:spPr/>
-        <p:txBody>
-          <a:bodyPr/>
-          <a:lstStyle/>
-          <a:p>
-            <a:fld id="{9323F808-8A9C-46B1-931B-979AA2D6AC00}" type="datetime1">
-              <a:rPr lang="pt-BR" smtClean="0"/>
-              <a:t>13/11/2008</a:t>
-            </a:fld>
-            <a:endParaRPr lang="pt-BR"/>
-          </a:p>
-        </p:txBody>
-      </p:sp>
-      <p:sp>
-        <p:nvSpPr>
-          <p:cNvPr id="11" name="Espaço Reservado para Número de Slide 10"/>
-          <p:cNvSpPr>
-            <a:spLocks noGrp="1"/>
-          </p:cNvSpPr>
-          <p:nvPr>
-            <p:ph type="sldNum" sz="quarter" idx="12"/>
-          </p:nvPr>
-        </p:nvSpPr>
-        <p:spPr/>
-        <p:txBody>
-          <a:bodyPr/>
-          <a:lstStyle/>
-          <a:p>
-            <a:fld id="{2119D8CF-8DEC-4D9F-84EE-ADF04DFF3391}" type="slidenum">
-              <a:rPr lang="pt-BR" smtClean="0"/>
-              <a:pPr/>
-              <a:t>15</a:t>
-            </a:fld>
-            <a:endParaRPr lang="pt-BR"/>
           </a:p>
         </p:txBody>
       </p:sp>
@@ -5787,7 +7296,7 @@
         </p:nvSpPr>
         <p:spPr>
           <a:xfrm>
-            <a:off x="285720" y="736128"/>
+            <a:off x="500034" y="571480"/>
             <a:ext cx="8129590" cy="1470025"/>
           </a:xfrm>
         </p:spPr>
@@ -5810,10 +7319,58 @@
               <a:rPr lang="pt-BR" sz="3200" dirty="0" smtClean="0"/>
             </a:br>
             <a:r>
-              <a:rPr lang="pt-BR" sz="3200" dirty="0" smtClean="0"/>
+              <a:rPr lang="pt-BR" sz="2800" dirty="0" smtClean="0"/>
               <a:t>Boletim de Produção Ambulatorial Digital</a:t>
             </a:r>
-            <a:endParaRPr lang="pt-BR" sz="3200" dirty="0"/>
+            <a:endParaRPr lang="pt-BR" sz="2800" dirty="0"/>
+          </a:p>
+        </p:txBody>
+      </p:sp>
+      <p:sp>
+        <p:nvSpPr>
+          <p:cNvPr id="6" name="Espaço Reservado para Data 5"/>
+          <p:cNvSpPr>
+            <a:spLocks noGrp="1"/>
+          </p:cNvSpPr>
+          <p:nvPr>
+            <p:ph type="dt" sz="half" idx="10"/>
+          </p:nvPr>
+        </p:nvSpPr>
+        <p:spPr/>
+        <p:txBody>
+          <a:bodyPr/>
+          <a:lstStyle/>
+          <a:p>
+            <a:fld id="{E4ED51DE-8F68-4D30-BA68-18865006C387}" type="datetime1">
+              <a:rPr lang="pt-BR" smtClean="0"/>
+              <a:pPr/>
+              <a:t>13/11/2008</a:t>
+            </a:fld>
+            <a:endParaRPr lang="pt-BR"/>
+          </a:p>
+        </p:txBody>
+      </p:sp>
+      <p:sp>
+        <p:nvSpPr>
+          <p:cNvPr id="8" name="Espaço Reservado para Número de Slide 7"/>
+          <p:cNvSpPr>
+            <a:spLocks noGrp="1"/>
+          </p:cNvSpPr>
+          <p:nvPr>
+            <p:ph type="sldNum" sz="quarter" idx="12"/>
+          </p:nvPr>
+        </p:nvSpPr>
+        <p:spPr/>
+        <p:txBody>
+          <a:bodyPr/>
+          <a:lstStyle/>
+          <a:p>
+            <a:fld id="{2119D8CF-8DEC-4D9F-84EE-ADF04DFF3391}" type="slidenum">
+              <a:rPr lang="pt-BR" smtClean="0"/>
+              <a:pPr/>
+              <a:t>2</a:t>
+            </a:fld>
+            <a:endParaRPr lang="pt-BR"/>
           </a:p>
         </p:txBody>
       </p:sp>
@@ -5874,7 +7431,7 @@
           </a:bodyPr>
           <a:lstStyle/>
           <a:p>
-            <a:pPr marL="0" marR="0" lvl="0" indent="0" algn="ctr" defTabSz="914400" rtl="0" eaLnBrk="1" fontAlgn="auto" latinLnBrk="0" hangingPunct="1">
+            <a:pPr marL="0" marR="0" lvl="0" indent="0" algn="r" defTabSz="914400" rtl="0" eaLnBrk="1" fontAlgn="auto" latinLnBrk="0" hangingPunct="1">
               <a:lnSpc>
                 <a:spcPct val="100000"/>
               </a:lnSpc>
@@ -5901,7 +7458,101 @@
             </a:r>
           </a:p>
           <a:p>
-            <a:pPr marL="0" marR="0" lvl="0" indent="0" algn="ctr" defTabSz="914400" rtl="0" eaLnBrk="1" fontAlgn="auto" latinLnBrk="0" hangingPunct="1">
+            <a:pPr lvl="0" algn="r">
+              <a:spcBef>
+                <a:spcPct val="0"/>
+              </a:spcBef>
+              <a:defRPr/>
+            </a:pPr>
+            <a:r>
+              <a:rPr kumimoji="0" lang="pt-BR" sz="2000" b="0" i="0" u="none" strike="noStrike" kern="1200" cap="none" spc="0" normalizeH="0" baseline="0" dirty="0" smtClean="0">
+                <a:ln>
+                  <a:noFill/>
+                </a:ln>
+                <a:solidFill>
+                  <a:schemeClr val="tx1"/>
+                </a:solidFill>
+                <a:effectLst/>
+                <a:uLnTx/>
+                <a:uFillTx/>
+                <a:latin typeface="+mj-lt"/>
+                <a:ea typeface="+mj-ea"/>
+                <a:cs typeface="+mj-cs"/>
+              </a:rPr>
+              <a:t>Prof. </a:t>
+            </a:r>
+            <a:r>
+              <a:rPr lang="pt-BR" sz="2000" dirty="0" smtClean="0"/>
+              <a:t>MBA,</a:t>
+            </a:r>
+            <a:r>
+              <a:rPr kumimoji="0" lang="pt-BR" sz="2000" b="0" i="0" u="none" strike="noStrike" kern="1200" cap="none" spc="0" normalizeH="0" baseline="0" dirty="0" smtClean="0">
+                <a:ln>
+                  <a:noFill/>
+                </a:ln>
+                <a:solidFill>
+                  <a:schemeClr val="tx1"/>
+                </a:solidFill>
+                <a:effectLst/>
+                <a:uLnTx/>
+                <a:uFillTx/>
+                <a:latin typeface="+mj-lt"/>
+                <a:ea typeface="+mj-ea"/>
+                <a:cs typeface="+mj-cs"/>
+              </a:rPr>
+              <a:t>PMP. Francisco</a:t>
+            </a:r>
+            <a:r>
+              <a:rPr kumimoji="0" lang="pt-BR" sz="2000" b="0" i="0" u="none" strike="noStrike" kern="1200" cap="none" spc="0" normalizeH="0" dirty="0" smtClean="0">
+                <a:ln>
+                  <a:noFill/>
+                </a:ln>
+                <a:solidFill>
+                  <a:schemeClr val="tx1"/>
+                </a:solidFill>
+                <a:effectLst/>
+                <a:uLnTx/>
+                <a:uFillTx/>
+                <a:latin typeface="+mj-lt"/>
+                <a:ea typeface="+mj-ea"/>
+                <a:cs typeface="+mj-cs"/>
+              </a:rPr>
+              <a:t> </a:t>
+            </a:r>
+            <a:r>
+              <a:rPr kumimoji="0" lang="pt-BR" sz="2000" b="0" i="0" u="none" strike="noStrike" kern="1200" cap="none" spc="0" normalizeH="0" dirty="0" err="1" smtClean="0">
+                <a:ln>
+                  <a:noFill/>
+                </a:ln>
+                <a:solidFill>
+                  <a:schemeClr val="tx1"/>
+                </a:solidFill>
+                <a:effectLst/>
+                <a:uLnTx/>
+                <a:uFillTx/>
+                <a:latin typeface="+mj-lt"/>
+                <a:ea typeface="+mj-ea"/>
+                <a:cs typeface="+mj-cs"/>
+              </a:rPr>
+              <a:t>Eriko</a:t>
+            </a:r>
+            <a:endParaRPr kumimoji="0" lang="pt-BR" sz="2000" b="0" i="0" u="none" strike="noStrike" kern="1200" cap="none" spc="0" normalizeH="0" dirty="0" smtClean="0">
+              <a:ln>
+                <a:noFill/>
+              </a:ln>
+              <a:solidFill>
+                <a:schemeClr val="tx1"/>
+              </a:solidFill>
+              <a:effectLst/>
+              <a:uLnTx/>
+              <a:uFillTx/>
+              <a:latin typeface="+mj-lt"/>
+              <a:ea typeface="+mj-ea"/>
+              <a:cs typeface="+mj-cs"/>
+            </a:endParaRPr>
+          </a:p>
+          <a:p>
+            <a:pPr marL="0" marR="0" lvl="0" indent="0" algn="r" defTabSz="914400" rtl="0" eaLnBrk="1" fontAlgn="auto" latinLnBrk="0" hangingPunct="1">
               <a:lnSpc>
                 <a:spcPct val="100000"/>
               </a:lnSpc>
@@ -5919,90 +7570,6 @@
               <a:defRPr/>
             </a:pPr>
             <a:r>
-              <a:rPr kumimoji="0" lang="pt-BR" sz="2000" b="0" i="0" u="none" strike="noStrike" kern="1200" cap="none" spc="0" normalizeH="0" baseline="0" dirty="0" smtClean="0">
-                <a:ln>
-                  <a:noFill/>
-                </a:ln>
-                <a:solidFill>
-                  <a:schemeClr val="tx1"/>
-                </a:solidFill>
-                <a:effectLst/>
-                <a:uLnTx/>
-                <a:uFillTx/>
-                <a:latin typeface="+mj-lt"/>
-                <a:ea typeface="+mj-ea"/>
-                <a:cs typeface="+mj-cs"/>
-              </a:rPr>
-              <a:t>Prof. Francisco</a:t>
-            </a:r>
-            <a:r>
-              <a:rPr kumimoji="0" lang="pt-BR" sz="2000" b="0" i="0" u="none" strike="noStrike" kern="1200" cap="none" spc="0" normalizeH="0" dirty="0" smtClean="0">
-                <a:ln>
-                  <a:noFill/>
-                </a:ln>
-                <a:solidFill>
-                  <a:schemeClr val="tx1"/>
-                </a:solidFill>
-                <a:effectLst/>
-                <a:uLnTx/>
-                <a:uFillTx/>
-                <a:latin typeface="+mj-lt"/>
-                <a:ea typeface="+mj-ea"/>
-                <a:cs typeface="+mj-cs"/>
-              </a:rPr>
-              <a:t> </a:t>
-            </a:r>
-            <a:r>
-              <a:rPr kumimoji="0" lang="pt-BR" sz="2000" b="0" i="0" u="none" strike="noStrike" kern="1200" cap="none" spc="0" normalizeH="0" dirty="0" err="1" smtClean="0">
-                <a:ln>
-                  <a:noFill/>
-                </a:ln>
-                <a:solidFill>
-                  <a:schemeClr val="tx1"/>
-                </a:solidFill>
-                <a:effectLst/>
-                <a:uLnTx/>
-                <a:uFillTx/>
-                <a:latin typeface="+mj-lt"/>
-                <a:ea typeface="+mj-ea"/>
-                <a:cs typeface="+mj-cs"/>
-              </a:rPr>
-              <a:t>Eriko</a:t>
-            </a:r>
-            <a:endParaRPr kumimoji="0" lang="pt-BR" sz="2000" b="0" i="0" u="none" strike="noStrike" kern="1200" cap="none" spc="0" normalizeH="0" dirty="0" smtClean="0">
-              <a:ln>
-                <a:noFill/>
-              </a:ln>
-              <a:solidFill>
-                <a:schemeClr val="tx1"/>
-              </a:solidFill>
-              <a:effectLst/>
-              <a:uLnTx/>
-              <a:uFillTx/>
-              <a:latin typeface="+mj-lt"/>
-              <a:ea typeface="+mj-ea"/>
-              <a:cs typeface="+mj-cs"/>
-            </a:endParaRPr>
-          </a:p>
-          <a:p>
-            <a:pPr marL="0" marR="0" lvl="0" indent="0" algn="ctr" defTabSz="914400" rtl="0" eaLnBrk="1" fontAlgn="auto" latinLnBrk="0" hangingPunct="1">
-              <a:lnSpc>
-                <a:spcPct val="100000"/>
-              </a:lnSpc>
-              <a:spcBef>
-                <a:spcPct val="0"/>
-              </a:spcBef>
-              <a:spcAft>
-                <a:spcPts val="0"/>
-              </a:spcAft>
-              <a:buClrTx/>
-              <a:buSzTx/>
-              <a:buFontTx/>
-              <a:buNone/>
-              <a:tabLst/>
-              <a:defRPr/>
-            </a:pPr>
-            <a:r>
               <a:rPr lang="pt-BR" sz="2000" noProof="0" dirty="0" smtClean="0">
                 <a:latin typeface="+mj-lt"/>
                 <a:ea typeface="+mj-ea"/>
@@ -6011,6 +7578,14 @@
               <a:t>Prof. </a:t>
             </a:r>
             <a:r>
+              <a:rPr lang="pt-BR" sz="2000" noProof="0" dirty="0" smtClean="0">
+                <a:latin typeface="+mj-lt"/>
+                <a:ea typeface="+mj-ea"/>
+                <a:cs typeface="+mj-cs"/>
+              </a:rPr>
+              <a:t>MSC. </a:t>
+            </a:r>
+            <a:r>
               <a:rPr lang="pt-BR" sz="2000" baseline="0" noProof="0" dirty="0" smtClean="0">
                 <a:latin typeface="+mj-lt"/>
                 <a:ea typeface="+mj-ea"/>
@@ -6024,11 +7599,19 @@
                 <a:ea typeface="+mj-ea"/>
                 <a:cs typeface="+mj-cs"/>
               </a:rPr>
-              <a:t> Junior</a:t>
-            </a:r>
-          </a:p>
-          <a:p>
-            <a:pPr marL="0" marR="0" lvl="0" indent="0" algn="ctr" defTabSz="914400" rtl="0" eaLnBrk="1" fontAlgn="auto" latinLnBrk="0" hangingPunct="1">
+              <a:t> </a:t>
+            </a:r>
+            <a:r>
+              <a:rPr lang="pt-BR" sz="2000" noProof="0" dirty="0" smtClean="0">
+                <a:latin typeface="+mj-lt"/>
+                <a:ea typeface="+mj-ea"/>
+                <a:cs typeface="+mj-cs"/>
+              </a:rPr>
+              <a:t>Junior</a:t>
+            </a:r>
+          </a:p>
+          <a:p>
+            <a:pPr marL="0" marR="0" lvl="0" indent="0" algn="r" defTabSz="914400" rtl="0" eaLnBrk="1" fontAlgn="auto" latinLnBrk="0" hangingPunct="1">
               <a:lnSpc>
                 <a:spcPct val="100000"/>
               </a:lnSpc>
@@ -6061,7 +7644,7 @@
             </a:endParaRPr>
           </a:p>
           <a:p>
-            <a:pPr lvl="0" algn="ctr">
+            <a:pPr lvl="0" algn="r">
               <a:spcBef>
                 <a:spcPct val="0"/>
               </a:spcBef>
@@ -6073,7 +7656,7 @@
             </a:r>
           </a:p>
           <a:p>
-            <a:pPr lvl="0" algn="ctr">
+            <a:pPr lvl="0" algn="r">
               <a:spcBef>
                 <a:spcPct val="0"/>
               </a:spcBef>
@@ -6085,7 +7668,7 @@
             </a:r>
           </a:p>
           <a:p>
-            <a:pPr lvl="0" algn="ctr">
+            <a:pPr lvl="0" algn="r">
               <a:spcBef>
                 <a:spcPct val="0"/>
               </a:spcBef>
@@ -6097,7 +7680,7 @@
             </a:r>
           </a:p>
           <a:p>
-            <a:pPr lvl="0" algn="ctr">
+            <a:pPr lvl="0" algn="r">
               <a:spcBef>
                 <a:spcPct val="0"/>
               </a:spcBef>
@@ -6109,7 +7692,7 @@
             </a:r>
           </a:p>
           <a:p>
-            <a:pPr lvl="0" algn="ctr">
+            <a:pPr lvl="0" algn="r">
               <a:spcBef>
                 <a:spcPct val="0"/>
               </a:spcBef>
@@ -6213,53 +7796,6 @@
               <a:ea typeface="+mj-ea"/>
               <a:cs typeface="+mj-cs"/>
             </a:endParaRPr>
-          </a:p>
-        </p:txBody>
-      </p:sp>
-      <p:sp>
-        <p:nvSpPr>
-          <p:cNvPr id="6" name="Espaço Reservado para Data 5"/>
-          <p:cNvSpPr>
-            <a:spLocks noGrp="1"/>
-          </p:cNvSpPr>
-          <p:nvPr>
-            <p:ph type="dt" sz="half" idx="10"/>
-          </p:nvPr>
-        </p:nvSpPr>
-        <p:spPr/>
-        <p:txBody>
-          <a:bodyPr/>
-          <a:lstStyle/>
-          <a:p>
-            <a:fld id="{E4ED51DE-8F68-4D30-BA68-18865006C387}" type="datetime1">
-              <a:rPr lang="pt-BR" smtClean="0"/>
-              <a:t>13/11/2008</a:t>
-            </a:fld>
-            <a:endParaRPr lang="pt-BR"/>
-          </a:p>
-        </p:txBody>
-      </p:sp>
-      <p:sp>
-        <p:nvSpPr>
-          <p:cNvPr id="8" name="Espaço Reservado para Número de Slide 7"/>
-          <p:cNvSpPr>
-            <a:spLocks noGrp="1"/>
-          </p:cNvSpPr>
-          <p:nvPr>
-            <p:ph type="sldNum" sz="quarter" idx="12"/>
-          </p:nvPr>
-        </p:nvSpPr>
-        <p:spPr/>
-        <p:txBody>
-          <a:bodyPr/>
-          <a:lstStyle/>
-          <a:p>
-            <a:fld id="{2119D8CF-8DEC-4D9F-84EE-ADF04DFF3391}" type="slidenum">
-              <a:rPr lang="pt-BR" smtClean="0"/>
-              <a:pPr/>
-              <a:t>2</a:t>
-            </a:fld>
-            <a:endParaRPr lang="pt-BR"/>
           </a:p>
         </p:txBody>
       </p:sp>
@@ -6307,7 +7843,7 @@
         </p:nvSpPr>
         <p:spPr>
           <a:xfrm>
-            <a:off x="571472" y="714356"/>
+            <a:off x="928662" y="500042"/>
             <a:ext cx="7772400" cy="1470025"/>
           </a:xfrm>
         </p:spPr>
@@ -6330,10 +7866,58 @@
               <a:rPr lang="pt-BR" sz="3200" dirty="0" smtClean="0"/>
             </a:br>
             <a:r>
-              <a:rPr lang="pt-BR" sz="3200" dirty="0" smtClean="0"/>
+              <a:rPr lang="pt-BR" sz="2800" dirty="0" smtClean="0"/>
               <a:t>Boletim de Produção Ambulatorial Digital</a:t>
             </a:r>
-            <a:endParaRPr lang="pt-BR" sz="3200" dirty="0"/>
+            <a:endParaRPr lang="pt-BR" sz="2800" dirty="0"/>
+          </a:p>
+        </p:txBody>
+      </p:sp>
+      <p:sp>
+        <p:nvSpPr>
+          <p:cNvPr id="7" name="Espaço Reservado para Data 6"/>
+          <p:cNvSpPr>
+            <a:spLocks noGrp="1"/>
+          </p:cNvSpPr>
+          <p:nvPr>
+            <p:ph type="dt" sz="half" idx="10"/>
+          </p:nvPr>
+        </p:nvSpPr>
+        <p:spPr/>
+        <p:txBody>
+          <a:bodyPr/>
+          <a:lstStyle/>
+          <a:p>
+            <a:fld id="{76E0DB30-A48A-48A3-9769-4EB2123F7044}" type="datetime1">
+              <a:rPr lang="pt-BR" smtClean="0"/>
+              <a:pPr/>
+              <a:t>13/11/2008</a:t>
+            </a:fld>
+            <a:endParaRPr lang="pt-BR"/>
+          </a:p>
+        </p:txBody>
+      </p:sp>
+      <p:sp>
+        <p:nvSpPr>
+          <p:cNvPr id="8" name="Espaço Reservado para Número de Slide 7"/>
+          <p:cNvSpPr>
+            <a:spLocks noGrp="1"/>
+          </p:cNvSpPr>
+          <p:nvPr>
+            <p:ph type="sldNum" sz="quarter" idx="12"/>
+          </p:nvPr>
+        </p:nvSpPr>
+        <p:spPr/>
+        <p:txBody>
+          <a:bodyPr/>
+          <a:lstStyle/>
+          <a:p>
+            <a:fld id="{2119D8CF-8DEC-4D9F-84EE-ADF04DFF3391}" type="slidenum">
+              <a:rPr lang="pt-BR" smtClean="0"/>
+              <a:pPr/>
+              <a:t>3</a:t>
+            </a:fld>
+            <a:endParaRPr lang="pt-BR"/>
           </a:p>
         </p:txBody>
       </p:sp>
@@ -6463,18 +8047,16 @@
               </a:spcAft>
               <a:buClrTx/>
               <a:buSzTx/>
-              <a:buFont typeface="Arial" pitchFamily="34" charset="0"/>
-              <a:buChar char="•"/>
               <a:tabLst/>
               <a:defRPr/>
             </a:pPr>
             <a:r>
-              <a:rPr lang="pt-BR" sz="3200" noProof="0" dirty="0" smtClean="0">
+              <a:rPr lang="pt-BR" sz="4000" noProof="0" dirty="0" smtClean="0">
                 <a:latin typeface="+mj-lt"/>
                 <a:ea typeface="+mj-ea"/>
                 <a:cs typeface="+mj-cs"/>
               </a:rPr>
-              <a:t>Planejamento</a:t>
+              <a:t>Fases do Projeto</a:t>
             </a:r>
           </a:p>
           <a:p>
@@ -6495,14 +8077,14 @@
               <a:tabLst/>
               <a:defRPr/>
             </a:pPr>
-            <a:endParaRPr lang="pt-BR" sz="3200" noProof="0" dirty="0" smtClean="0">
+            <a:endParaRPr lang="pt-BR" noProof="0" dirty="0" smtClean="0">
               <a:latin typeface="+mj-lt"/>
               <a:ea typeface="+mj-ea"/>
               <a:cs typeface="+mj-cs"/>
             </a:endParaRPr>
           </a:p>
           <a:p>
-            <a:pPr lvl="0">
+            <a:pPr lvl="1">
               <a:spcBef>
                 <a:spcPct val="0"/>
               </a:spcBef>
@@ -6511,12 +8093,21 @@
               <a:defRPr/>
             </a:pPr>
             <a:r>
-              <a:rPr lang="pt-BR" sz="3200" dirty="0" smtClean="0"/>
-              <a:t>Execução</a:t>
-            </a:r>
-          </a:p>
-          <a:p>
-            <a:pPr lvl="0">
+              <a:rPr lang="pt-BR" sz="3600" noProof="0" dirty="0" smtClean="0">
+                <a:latin typeface="+mj-lt"/>
+                <a:ea typeface="+mj-ea"/>
+                <a:cs typeface="+mj-cs"/>
+              </a:rPr>
+              <a:t>Planejamento</a:t>
+            </a:r>
+            <a:endParaRPr lang="pt-BR" sz="3600" noProof="0" dirty="0" smtClean="0">
+              <a:latin typeface="+mj-lt"/>
+              <a:ea typeface="+mj-ea"/>
+              <a:cs typeface="+mj-cs"/>
+            </a:endParaRPr>
+          </a:p>
+          <a:p>
+            <a:pPr lvl="1">
               <a:spcBef>
                 <a:spcPct val="0"/>
               </a:spcBef>
@@ -6524,10 +8115,14 @@
               <a:buChar char="•"/>
               <a:defRPr/>
             </a:pPr>
-            <a:endParaRPr lang="pt-BR" sz="3200" dirty="0" smtClean="0"/>
-          </a:p>
-          <a:p>
-            <a:pPr lvl="0">
+            <a:r>
+              <a:rPr lang="pt-BR" sz="3600" dirty="0" smtClean="0"/>
+              <a:t>Execução</a:t>
+            </a:r>
+            <a:endParaRPr lang="pt-BR" sz="3600" dirty="0" smtClean="0"/>
+          </a:p>
+          <a:p>
+            <a:pPr lvl="1">
               <a:spcBef>
                 <a:spcPct val="0"/>
               </a:spcBef>
@@ -6536,12 +8131,13 @@
               <a:defRPr/>
             </a:pPr>
             <a:r>
-              <a:rPr lang="pt-BR" sz="3200" dirty="0" smtClean="0"/>
+              <a:rPr lang="pt-BR" sz="3600" dirty="0" smtClean="0"/>
               <a:t>Controle</a:t>
             </a:r>
-          </a:p>
-          <a:p>
-            <a:pPr lvl="0">
+            <a:endParaRPr lang="pt-BR" sz="3600" dirty="0" smtClean="0"/>
+          </a:p>
+          <a:p>
+            <a:pPr lvl="1">
               <a:spcBef>
                 <a:spcPct val="0"/>
               </a:spcBef>
@@ -6549,21 +8145,11 @@
               <a:buChar char="•"/>
               <a:defRPr/>
             </a:pPr>
-            <a:endParaRPr lang="pt-BR" sz="3200" dirty="0" smtClean="0"/>
-          </a:p>
-          <a:p>
-            <a:pPr lvl="0">
-              <a:spcBef>
-                <a:spcPct val="0"/>
-              </a:spcBef>
-              <a:buFont typeface="Arial" pitchFamily="34" charset="0"/>
-              <a:buChar char="•"/>
-              <a:defRPr/>
-            </a:pPr>
-            <a:r>
-              <a:rPr lang="pt-BR" sz="3200" dirty="0" smtClean="0"/>
+            <a:r>
+              <a:rPr lang="pt-BR" sz="3600" dirty="0" smtClean="0"/>
               <a:t>Encerramento</a:t>
             </a:r>
+            <a:endParaRPr lang="pt-BR" sz="3600" dirty="0" smtClean="0"/>
           </a:p>
           <a:p>
             <a:pPr marL="0" marR="0" lvl="0" indent="0" algn="ctr" defTabSz="914400" rtl="0" eaLnBrk="1" fontAlgn="auto" latinLnBrk="0" hangingPunct="1">
@@ -6583,7 +8169,7 @@
               <a:tabLst/>
               <a:defRPr/>
             </a:pPr>
-            <a:endParaRPr kumimoji="0" lang="pt-BR" sz="2000" b="0" i="0" u="none" strike="noStrike" kern="1200" cap="none" spc="0" normalizeH="0" baseline="0" noProof="0" dirty="0">
+            <a:endParaRPr kumimoji="0" lang="pt-BR" sz="2800" b="0" i="0" u="none" strike="noStrike" kern="1200" cap="none" spc="0" normalizeH="0" baseline="0" noProof="0" dirty="0">
               <a:ln>
                 <a:noFill/>
               </a:ln>
@@ -6597,53 +8183,6 @@
               <a:ea typeface="+mj-ea"/>
               <a:cs typeface="+mj-cs"/>
             </a:endParaRPr>
-          </a:p>
-        </p:txBody>
-      </p:sp>
-      <p:sp>
-        <p:nvSpPr>
-          <p:cNvPr id="7" name="Espaço Reservado para Data 6"/>
-          <p:cNvSpPr>
-            <a:spLocks noGrp="1"/>
-          </p:cNvSpPr>
-          <p:nvPr>
-            <p:ph type="dt" sz="half" idx="10"/>
-          </p:nvPr>
-        </p:nvSpPr>
-        <p:spPr/>
-        <p:txBody>
-          <a:bodyPr/>
-          <a:lstStyle/>
-          <a:p>
-            <a:fld id="{76E0DB30-A48A-48A3-9769-4EB2123F7044}" type="datetime1">
-              <a:rPr lang="pt-BR" smtClean="0"/>
-              <a:t>13/11/2008</a:t>
-            </a:fld>
-            <a:endParaRPr lang="pt-BR"/>
-          </a:p>
-        </p:txBody>
-      </p:sp>
-      <p:sp>
-        <p:nvSpPr>
-          <p:cNvPr id="8" name="Espaço Reservado para Número de Slide 7"/>
-          <p:cNvSpPr>
-            <a:spLocks noGrp="1"/>
-          </p:cNvSpPr>
-          <p:nvPr>
-            <p:ph type="sldNum" sz="quarter" idx="12"/>
-          </p:nvPr>
-        </p:nvSpPr>
-        <p:spPr/>
-        <p:txBody>
-          <a:bodyPr/>
-          <a:lstStyle/>
-          <a:p>
-            <a:fld id="{2119D8CF-8DEC-4D9F-84EE-ADF04DFF3391}" type="slidenum">
-              <a:rPr lang="pt-BR" smtClean="0"/>
-              <a:pPr/>
-              <a:t>3</a:t>
-            </a:fld>
-            <a:endParaRPr lang="pt-BR"/>
           </a:p>
         </p:txBody>
       </p:sp>
@@ -6714,10 +8253,10 @@
               <a:rPr lang="pt-BR" sz="3200" dirty="0" smtClean="0"/>
             </a:br>
             <a:r>
-              <a:rPr lang="pt-BR" sz="3200" dirty="0" smtClean="0"/>
+              <a:rPr lang="pt-BR" sz="2800" dirty="0" smtClean="0"/>
               <a:t>Boletim de Produção Ambulatorial Digital</a:t>
             </a:r>
-            <a:endParaRPr lang="pt-BR" sz="3200" dirty="0"/>
+            <a:endParaRPr lang="pt-BR" sz="2800" dirty="0"/>
           </a:p>
         </p:txBody>
       </p:sp>
@@ -6733,8 +8272,8 @@
         </p:nvSpPr>
         <p:spPr>
           <a:xfrm>
-            <a:off x="1500166" y="1857364"/>
-            <a:ext cx="6400800" cy="1042998"/>
+            <a:off x="1500166" y="2071678"/>
+            <a:ext cx="6786610" cy="642942"/>
           </a:xfrm>
         </p:spPr>
         <p:txBody>
@@ -6743,10 +8282,63 @@
           </a:bodyPr>
           <a:lstStyle/>
           <a:p>
-            <a:r>
-              <a:rPr lang="pt-BR" dirty="0" smtClean="0"/>
+            <a:pPr algn="l"/>
+            <a:r>
+              <a:rPr lang="pt-BR" sz="3600" dirty="0" smtClean="0">
+                <a:solidFill>
+                  <a:schemeClr val="tx1"/>
+                </a:solidFill>
+              </a:rPr>
               <a:t>Planejamento</a:t>
             </a:r>
+          </a:p>
+        </p:txBody>
+      </p:sp>
+      <p:sp>
+        <p:nvSpPr>
+          <p:cNvPr id="8" name="Espaço Reservado para Data 7"/>
+          <p:cNvSpPr>
+            <a:spLocks noGrp="1"/>
+          </p:cNvSpPr>
+          <p:nvPr>
+            <p:ph type="dt" sz="half" idx="10"/>
+          </p:nvPr>
+        </p:nvSpPr>
+        <p:spPr/>
+        <p:txBody>
+          <a:bodyPr/>
+          <a:lstStyle/>
+          <a:p>
+            <a:fld id="{2980D8F5-5B8A-45AB-806F-AE456234D9B0}" type="datetime1">
+              <a:rPr lang="pt-BR" smtClean="0"/>
+              <a:pPr/>
+              <a:t>13/11/2008</a:t>
+            </a:fld>
+            <a:endParaRPr lang="pt-BR"/>
+          </a:p>
+        </p:txBody>
+      </p:sp>
+      <p:sp>
+        <p:nvSpPr>
+          <p:cNvPr id="9" name="Espaço Reservado para Número de Slide 8"/>
+          <p:cNvSpPr>
+            <a:spLocks noGrp="1"/>
+          </p:cNvSpPr>
+          <p:nvPr>
+            <p:ph type="sldNum" sz="quarter" idx="12"/>
+          </p:nvPr>
+        </p:nvSpPr>
+        <p:spPr/>
+        <p:txBody>
+          <a:bodyPr/>
+          <a:lstStyle/>
+          <a:p>
+            <a:fld id="{2119D8CF-8DEC-4D9F-84EE-ADF04DFF3391}" type="slidenum">
+              <a:rPr lang="pt-BR" smtClean="0"/>
+              <a:pPr/>
+              <a:t>4</a:t>
+            </a:fld>
+            <a:endParaRPr lang="pt-BR"/>
           </a:p>
         </p:txBody>
       </p:sp>
@@ -6849,7 +8441,7 @@
         </p:nvSpPr>
         <p:spPr>
           <a:xfrm>
-            <a:off x="1500166" y="2643182"/>
+            <a:off x="1428728" y="2857496"/>
             <a:ext cx="6858048" cy="2431435"/>
           </a:xfrm>
           <a:prstGeom prst="rect">
@@ -6921,54 +8513,6 @@
               <a:rPr lang="pt-BR" sz="2400" dirty="0" smtClean="0"/>
               <a:t>Diagramas</a:t>
             </a:r>
-            <a:endParaRPr lang="pt-BR" sz="2400" dirty="0" smtClean="0"/>
-          </a:p>
-        </p:txBody>
-      </p:sp>
-      <p:sp>
-        <p:nvSpPr>
-          <p:cNvPr id="8" name="Espaço Reservado para Data 7"/>
-          <p:cNvSpPr>
-            <a:spLocks noGrp="1"/>
-          </p:cNvSpPr>
-          <p:nvPr>
-            <p:ph type="dt" sz="half" idx="10"/>
-          </p:nvPr>
-        </p:nvSpPr>
-        <p:spPr/>
-        <p:txBody>
-          <a:bodyPr/>
-          <a:lstStyle/>
-          <a:p>
-            <a:fld id="{2980D8F5-5B8A-45AB-806F-AE456234D9B0}" type="datetime1">
-              <a:rPr lang="pt-BR" smtClean="0"/>
-              <a:t>13/11/2008</a:t>
-            </a:fld>
-            <a:endParaRPr lang="pt-BR"/>
-          </a:p>
-        </p:txBody>
-      </p:sp>
-      <p:sp>
-        <p:nvSpPr>
-          <p:cNvPr id="9" name="Espaço Reservado para Número de Slide 8"/>
-          <p:cNvSpPr>
-            <a:spLocks noGrp="1"/>
-          </p:cNvSpPr>
-          <p:nvPr>
-            <p:ph type="sldNum" sz="quarter" idx="12"/>
-          </p:nvPr>
-        </p:nvSpPr>
-        <p:spPr/>
-        <p:txBody>
-          <a:bodyPr/>
-          <a:lstStyle/>
-          <a:p>
-            <a:fld id="{2119D8CF-8DEC-4D9F-84EE-ADF04DFF3391}" type="slidenum">
-              <a:rPr lang="pt-BR" smtClean="0"/>
-              <a:pPr/>
-              <a:t>4</a:t>
-            </a:fld>
-            <a:endParaRPr lang="pt-BR"/>
           </a:p>
         </p:txBody>
       </p:sp>
@@ -7075,6 +8619,54 @@
           </a:p>
         </p:txBody>
       </p:sp>
+      <p:sp>
+        <p:nvSpPr>
+          <p:cNvPr id="8" name="Espaço Reservado para Data 7"/>
+          <p:cNvSpPr>
+            <a:spLocks noGrp="1"/>
+          </p:cNvSpPr>
+          <p:nvPr>
+            <p:ph type="dt" sz="half" idx="10"/>
+          </p:nvPr>
+        </p:nvSpPr>
+        <p:spPr/>
+        <p:txBody>
+          <a:bodyPr/>
+          <a:lstStyle/>
+          <a:p>
+            <a:fld id="{57CD72A4-A299-461A-95AE-24A11C4AE450}" type="datetime1">
+              <a:rPr lang="pt-BR" smtClean="0"/>
+              <a:pPr/>
+              <a:t>13/11/2008</a:t>
+            </a:fld>
+            <a:endParaRPr lang="pt-BR"/>
+          </a:p>
+        </p:txBody>
+      </p:sp>
+      <p:sp>
+        <p:nvSpPr>
+          <p:cNvPr id="9" name="Espaço Reservado para Número de Slide 8"/>
+          <p:cNvSpPr>
+            <a:spLocks noGrp="1"/>
+          </p:cNvSpPr>
+          <p:nvPr>
+            <p:ph type="sldNum" sz="quarter" idx="12"/>
+          </p:nvPr>
+        </p:nvSpPr>
+        <p:spPr/>
+        <p:txBody>
+          <a:bodyPr/>
+          <a:lstStyle/>
+          <a:p>
+            <a:fld id="{2119D8CF-8DEC-4D9F-84EE-ADF04DFF3391}" type="slidenum">
+              <a:rPr lang="pt-BR" smtClean="0"/>
+              <a:pPr/>
+              <a:t>5</a:t>
+            </a:fld>
+            <a:endParaRPr lang="pt-BR"/>
+          </a:p>
+        </p:txBody>
+      </p:sp>
       <p:pic>
         <p:nvPicPr>
           <p:cNvPr id="4" name="Imagem 3" descr="Logo_idez.png"/>
@@ -7241,53 +8833,6 @@
           </a:graphicData>
         </a:graphic>
       </p:graphicFrame>
-      <p:sp>
-        <p:nvSpPr>
-          <p:cNvPr id="8" name="Espaço Reservado para Data 7"/>
-          <p:cNvSpPr>
-            <a:spLocks noGrp="1"/>
-          </p:cNvSpPr>
-          <p:nvPr>
-            <p:ph type="dt" sz="half" idx="10"/>
-          </p:nvPr>
-        </p:nvSpPr>
-        <p:spPr/>
-        <p:txBody>
-          <a:bodyPr/>
-          <a:lstStyle/>
-          <a:p>
-            <a:fld id="{57CD72A4-A299-461A-95AE-24A11C4AE450}" type="datetime1">
-              <a:rPr lang="pt-BR" smtClean="0"/>
-              <a:t>13/11/2008</a:t>
-            </a:fld>
-            <a:endParaRPr lang="pt-BR"/>
-          </a:p>
-        </p:txBody>
-      </p:sp>
-      <p:sp>
-        <p:nvSpPr>
-          <p:cNvPr id="9" name="Espaço Reservado para Número de Slide 8"/>
-          <p:cNvSpPr>
-            <a:spLocks noGrp="1"/>
-          </p:cNvSpPr>
-          <p:nvPr>
-            <p:ph type="sldNum" sz="quarter" idx="12"/>
-          </p:nvPr>
-        </p:nvSpPr>
-        <p:spPr/>
-        <p:txBody>
-          <a:bodyPr/>
-          <a:lstStyle/>
-          <a:p>
-            <a:fld id="{2119D8CF-8DEC-4D9F-84EE-ADF04DFF3391}" type="slidenum">
-              <a:rPr lang="pt-BR" smtClean="0"/>
-              <a:pPr/>
-              <a:t>5</a:t>
-            </a:fld>
-            <a:endParaRPr lang="pt-BR"/>
-          </a:p>
-        </p:txBody>
-      </p:sp>
     </p:spTree>
   </p:cSld>
   <p:clrMapOvr>
@@ -7391,6 +8936,54 @@
           </a:p>
         </p:txBody>
       </p:sp>
+      <p:sp>
+        <p:nvSpPr>
+          <p:cNvPr id="9" name="Espaço Reservado para Data 8"/>
+          <p:cNvSpPr>
+            <a:spLocks noGrp="1"/>
+          </p:cNvSpPr>
+          <p:nvPr>
+            <p:ph type="dt" sz="half" idx="10"/>
+          </p:nvPr>
+        </p:nvSpPr>
+        <p:spPr/>
+        <p:txBody>
+          <a:bodyPr/>
+          <a:lstStyle/>
+          <a:p>
+            <a:fld id="{684C863D-0868-4A5D-A68B-3CB3FA528F90}" type="datetime1">
+              <a:rPr lang="pt-BR" smtClean="0"/>
+              <a:pPr/>
+              <a:t>13/11/2008</a:t>
+            </a:fld>
+            <a:endParaRPr lang="pt-BR"/>
+          </a:p>
+        </p:txBody>
+      </p:sp>
+      <p:sp>
+        <p:nvSpPr>
+          <p:cNvPr id="10" name="Espaço Reservado para Número de Slide 9"/>
+          <p:cNvSpPr>
+            <a:spLocks noGrp="1"/>
+          </p:cNvSpPr>
+          <p:nvPr>
+            <p:ph type="sldNum" sz="quarter" idx="12"/>
+          </p:nvPr>
+        </p:nvSpPr>
+        <p:spPr/>
+        <p:txBody>
+          <a:bodyPr/>
+          <a:lstStyle/>
+          <a:p>
+            <a:fld id="{2119D8CF-8DEC-4D9F-84EE-ADF04DFF3391}" type="slidenum">
+              <a:rPr lang="pt-BR" smtClean="0"/>
+              <a:pPr/>
+              <a:t>6</a:t>
+            </a:fld>
+            <a:endParaRPr lang="pt-BR"/>
+          </a:p>
+        </p:txBody>
+      </p:sp>
       <p:pic>
         <p:nvPicPr>
           <p:cNvPr id="4" name="Imagem 3" descr="Logo_idez.png"/>
@@ -7549,53 +9142,6 @@
           </a:graphicData>
         </a:graphic>
       </p:graphicFrame>
-      <p:sp>
-        <p:nvSpPr>
-          <p:cNvPr id="9" name="Espaço Reservado para Data 8"/>
-          <p:cNvSpPr>
-            <a:spLocks noGrp="1"/>
-          </p:cNvSpPr>
-          <p:nvPr>
-            <p:ph type="dt" sz="half" idx="10"/>
-          </p:nvPr>
-        </p:nvSpPr>
-        <p:spPr/>
-        <p:txBody>
-          <a:bodyPr/>
-          <a:lstStyle/>
-          <a:p>
-            <a:fld id="{684C863D-0868-4A5D-A68B-3CB3FA528F90}" type="datetime1">
-              <a:rPr lang="pt-BR" smtClean="0"/>
-              <a:t>13/11/2008</a:t>
-            </a:fld>
-            <a:endParaRPr lang="pt-BR"/>
-          </a:p>
-        </p:txBody>
-      </p:sp>
-      <p:sp>
-        <p:nvSpPr>
-          <p:cNvPr id="10" name="Espaço Reservado para Número de Slide 9"/>
-          <p:cNvSpPr>
-            <a:spLocks noGrp="1"/>
-          </p:cNvSpPr>
-          <p:nvPr>
-            <p:ph type="sldNum" sz="quarter" idx="12"/>
-          </p:nvPr>
-        </p:nvSpPr>
-        <p:spPr/>
-        <p:txBody>
-          <a:bodyPr/>
-          <a:lstStyle/>
-          <a:p>
-            <a:fld id="{2119D8CF-8DEC-4D9F-84EE-ADF04DFF3391}" type="slidenum">
-              <a:rPr lang="pt-BR" smtClean="0"/>
-              <a:pPr/>
-              <a:t>6</a:t>
-            </a:fld>
-            <a:endParaRPr lang="pt-BR"/>
-          </a:p>
-        </p:txBody>
-      </p:sp>
     </p:spTree>
   </p:cSld>
   <p:clrMapOvr>
@@ -7699,6 +9245,54 @@
           </a:p>
         </p:txBody>
       </p:sp>
+      <p:sp>
+        <p:nvSpPr>
+          <p:cNvPr id="8" name="Espaço Reservado para Data 7"/>
+          <p:cNvSpPr>
+            <a:spLocks noGrp="1"/>
+          </p:cNvSpPr>
+          <p:nvPr>
+            <p:ph type="dt" sz="half" idx="10"/>
+          </p:nvPr>
+        </p:nvSpPr>
+        <p:spPr/>
+        <p:txBody>
+          <a:bodyPr/>
+          <a:lstStyle/>
+          <a:p>
+            <a:fld id="{C26E99B9-7084-48D9-AAB9-19E034F0688B}" type="datetime1">
+              <a:rPr lang="pt-BR" smtClean="0"/>
+              <a:pPr/>
+              <a:t>13/11/2008</a:t>
+            </a:fld>
+            <a:endParaRPr lang="pt-BR"/>
+          </a:p>
+        </p:txBody>
+      </p:sp>
+      <p:sp>
+        <p:nvSpPr>
+          <p:cNvPr id="10" name="Espaço Reservado para Número de Slide 9"/>
+          <p:cNvSpPr>
+            <a:spLocks noGrp="1"/>
+          </p:cNvSpPr>
+          <p:nvPr>
+            <p:ph type="sldNum" sz="quarter" idx="12"/>
+          </p:nvPr>
+        </p:nvSpPr>
+        <p:spPr/>
+        <p:txBody>
+          <a:bodyPr/>
+          <a:lstStyle/>
+          <a:p>
+            <a:fld id="{2119D8CF-8DEC-4D9F-84EE-ADF04DFF3391}" type="slidenum">
+              <a:rPr lang="pt-BR" smtClean="0"/>
+              <a:pPr/>
+              <a:t>7</a:t>
+            </a:fld>
+            <a:endParaRPr lang="pt-BR"/>
+          </a:p>
+        </p:txBody>
+      </p:sp>
       <p:pic>
         <p:nvPicPr>
           <p:cNvPr id="4" name="Imagem 3" descr="Logo_idez.png"/>
@@ -7865,53 +9459,6 @@
           </a:graphicData>
         </a:graphic>
       </p:graphicFrame>
-      <p:sp>
-        <p:nvSpPr>
-          <p:cNvPr id="8" name="Espaço Reservado para Data 7"/>
-          <p:cNvSpPr>
-            <a:spLocks noGrp="1"/>
-          </p:cNvSpPr>
-          <p:nvPr>
-            <p:ph type="dt" sz="half" idx="10"/>
-          </p:nvPr>
-        </p:nvSpPr>
-        <p:spPr/>
-        <p:txBody>
-          <a:bodyPr/>
-          <a:lstStyle/>
-          <a:p>
-            <a:fld id="{C26E99B9-7084-48D9-AAB9-19E034F0688B}" type="datetime1">
-              <a:rPr lang="pt-BR" smtClean="0"/>
-              <a:t>13/11/2008</a:t>
-            </a:fld>
-            <a:endParaRPr lang="pt-BR"/>
-          </a:p>
-        </p:txBody>
-      </p:sp>
-      <p:sp>
-        <p:nvSpPr>
-          <p:cNvPr id="10" name="Espaço Reservado para Número de Slide 9"/>
-          <p:cNvSpPr>
-            <a:spLocks noGrp="1"/>
-          </p:cNvSpPr>
-          <p:nvPr>
-            <p:ph type="sldNum" sz="quarter" idx="12"/>
-          </p:nvPr>
-        </p:nvSpPr>
-        <p:spPr/>
-        <p:txBody>
-          <a:bodyPr/>
-          <a:lstStyle/>
-          <a:p>
-            <a:fld id="{2119D8CF-8DEC-4D9F-84EE-ADF04DFF3391}" type="slidenum">
-              <a:rPr lang="pt-BR" smtClean="0"/>
-              <a:pPr/>
-              <a:t>7</a:t>
-            </a:fld>
-            <a:endParaRPr lang="pt-BR"/>
-          </a:p>
-        </p:txBody>
-      </p:sp>
     </p:spTree>
   </p:cSld>
   <p:clrMapOvr>
@@ -8012,6 +9559,54 @@
               <a:rPr lang="pt-BR" dirty="0" smtClean="0"/>
               <a:t>Planejamento</a:t>
             </a:r>
+          </a:p>
+        </p:txBody>
+      </p:sp>
+      <p:sp>
+        <p:nvSpPr>
+          <p:cNvPr id="9" name="Espaço Reservado para Data 8"/>
+          <p:cNvSpPr>
+            <a:spLocks noGrp="1"/>
+          </p:cNvSpPr>
+          <p:nvPr>
+            <p:ph type="dt" sz="half" idx="10"/>
+          </p:nvPr>
+        </p:nvSpPr>
+        <p:spPr/>
+        <p:txBody>
+          <a:bodyPr/>
+          <a:lstStyle/>
+          <a:p>
+            <a:fld id="{EADB5551-5580-48F6-9557-883154E940FE}" type="datetime1">
+              <a:rPr lang="pt-BR" smtClean="0"/>
+              <a:pPr/>
+              <a:t>13/11/2008</a:t>
+            </a:fld>
+            <a:endParaRPr lang="pt-BR"/>
+          </a:p>
+        </p:txBody>
+      </p:sp>
+      <p:sp>
+        <p:nvSpPr>
+          <p:cNvPr id="11" name="Espaço Reservado para Número de Slide 10"/>
+          <p:cNvSpPr>
+            <a:spLocks noGrp="1"/>
+          </p:cNvSpPr>
+          <p:nvPr>
+            <p:ph type="sldNum" sz="quarter" idx="12"/>
+          </p:nvPr>
+        </p:nvSpPr>
+        <p:spPr/>
+        <p:txBody>
+          <a:bodyPr/>
+          <a:lstStyle/>
+          <a:p>
+            <a:fld id="{2119D8CF-8DEC-4D9F-84EE-ADF04DFF3391}" type="slidenum">
+              <a:rPr lang="pt-BR" smtClean="0"/>
+              <a:pPr/>
+              <a:t>8</a:t>
+            </a:fld>
+            <a:endParaRPr lang="pt-BR"/>
           </a:p>
         </p:txBody>
       </p:sp>
@@ -8195,53 +9790,6 @@
           </a:graphicData>
         </a:graphic>
       </p:graphicFrame>
-      <p:sp>
-        <p:nvSpPr>
-          <p:cNvPr id="9" name="Espaço Reservado para Data 8"/>
-          <p:cNvSpPr>
-            <a:spLocks noGrp="1"/>
-          </p:cNvSpPr>
-          <p:nvPr>
-            <p:ph type="dt" sz="half" idx="10"/>
-          </p:nvPr>
-        </p:nvSpPr>
-        <p:spPr/>
-        <p:txBody>
-          <a:bodyPr/>
-          <a:lstStyle/>
-          <a:p>
-            <a:fld id="{EADB5551-5580-48F6-9557-883154E940FE}" type="datetime1">
-              <a:rPr lang="pt-BR" smtClean="0"/>
-              <a:t>13/11/2008</a:t>
-            </a:fld>
-            <a:endParaRPr lang="pt-BR"/>
-          </a:p>
-        </p:txBody>
-      </p:sp>
-      <p:sp>
-        <p:nvSpPr>
-          <p:cNvPr id="11" name="Espaço Reservado para Número de Slide 10"/>
-          <p:cNvSpPr>
-            <a:spLocks noGrp="1"/>
-          </p:cNvSpPr>
-          <p:nvPr>
-            <p:ph type="sldNum" sz="quarter" idx="12"/>
-          </p:nvPr>
-        </p:nvSpPr>
-        <p:spPr/>
-        <p:txBody>
-          <a:bodyPr/>
-          <a:lstStyle/>
-          <a:p>
-            <a:fld id="{2119D8CF-8DEC-4D9F-84EE-ADF04DFF3391}" type="slidenum">
-              <a:rPr lang="pt-BR" smtClean="0"/>
-              <a:pPr/>
-              <a:t>8</a:t>
-            </a:fld>
-            <a:endParaRPr lang="pt-BR"/>
-          </a:p>
-        </p:txBody>
-      </p:sp>
     </p:spTree>
   </p:cSld>
   <p:clrMapOvr>
@@ -8342,6 +9890,54 @@
               <a:rPr lang="pt-BR" dirty="0" smtClean="0"/>
               <a:t>Planejamento</a:t>
             </a:r>
+          </a:p>
+        </p:txBody>
+      </p:sp>
+      <p:sp>
+        <p:nvSpPr>
+          <p:cNvPr id="9" name="Espaço Reservado para Data 8"/>
+          <p:cNvSpPr>
+            <a:spLocks noGrp="1"/>
+          </p:cNvSpPr>
+          <p:nvPr>
+            <p:ph type="dt" sz="half" idx="10"/>
+          </p:nvPr>
+        </p:nvSpPr>
+        <p:spPr/>
+        <p:txBody>
+          <a:bodyPr/>
+          <a:lstStyle/>
+          <a:p>
+            <a:fld id="{BA96182E-DB04-4A50-B3FF-CAAA5A5D697F}" type="datetime1">
+              <a:rPr lang="pt-BR" smtClean="0"/>
+              <a:pPr/>
+              <a:t>13/11/2008</a:t>
+            </a:fld>
+            <a:endParaRPr lang="pt-BR"/>
+          </a:p>
+        </p:txBody>
+      </p:sp>
+      <p:sp>
+        <p:nvSpPr>
+          <p:cNvPr id="10" name="Espaço Reservado para Número de Slide 9"/>
+          <p:cNvSpPr>
+            <a:spLocks noGrp="1"/>
+          </p:cNvSpPr>
+          <p:nvPr>
+            <p:ph type="sldNum" sz="quarter" idx="12"/>
+          </p:nvPr>
+        </p:nvSpPr>
+        <p:spPr/>
+        <p:txBody>
+          <a:bodyPr/>
+          <a:lstStyle/>
+          <a:p>
+            <a:fld id="{2119D8CF-8DEC-4D9F-84EE-ADF04DFF3391}" type="slidenum">
+              <a:rPr lang="pt-BR" smtClean="0"/>
+              <a:pPr/>
+              <a:t>9</a:t>
+            </a:fld>
+            <a:endParaRPr lang="pt-BR"/>
           </a:p>
         </p:txBody>
       </p:sp>
@@ -8549,53 +10145,6 @@
           </a:graphicData>
         </a:graphic>
       </p:graphicFrame>
-      <p:sp>
-        <p:nvSpPr>
-          <p:cNvPr id="9" name="Espaço Reservado para Data 8"/>
-          <p:cNvSpPr>
-            <a:spLocks noGrp="1"/>
-          </p:cNvSpPr>
-          <p:nvPr>
-            <p:ph type="dt" sz="half" idx="10"/>
-          </p:nvPr>
-        </p:nvSpPr>
-        <p:spPr/>
-        <p:txBody>
-          <a:bodyPr/>
-          <a:lstStyle/>
-          <a:p>
-            <a:fld id="{BA96182E-DB04-4A50-B3FF-CAAA5A5D697F}" type="datetime1">
-              <a:rPr lang="pt-BR" smtClean="0"/>
-              <a:t>13/11/2008</a:t>
-            </a:fld>
-            <a:endParaRPr lang="pt-BR"/>
-          </a:p>
-        </p:txBody>
-      </p:sp>
-      <p:sp>
-        <p:nvSpPr>
-          <p:cNvPr id="10" name="Espaço Reservado para Número de Slide 9"/>
-          <p:cNvSpPr>
-            <a:spLocks noGrp="1"/>
-          </p:cNvSpPr>
-          <p:nvPr>
-            <p:ph type="sldNum" sz="quarter" idx="12"/>
-          </p:nvPr>
-        </p:nvSpPr>
-        <p:spPr/>
-        <p:txBody>
-          <a:bodyPr/>
-          <a:lstStyle/>
-          <a:p>
-            <a:fld id="{2119D8CF-8DEC-4D9F-84EE-ADF04DFF3391}" type="slidenum">
-              <a:rPr lang="pt-BR" smtClean="0"/>
-              <a:pPr/>
-              <a:t>9</a:t>
-            </a:fld>
-            <a:endParaRPr lang="pt-BR"/>
-          </a:p>
-        </p:txBody>
-      </p:sp>
     </p:spTree>
   </p:cSld>
   <p:clrMapOvr>
@@ -8612,9 +10161,9 @@
 </file>
 
 <file path=ppt/theme/theme1.xml><?xml version="1.0" encoding="utf-8"?>
-<a:theme xmlns:a="http://schemas.openxmlformats.org/drawingml/2006/main" name="Tema do Office">
+<a:theme xmlns:a="http://schemas.openxmlformats.org/drawingml/2006/main" name="Concurso">
   <a:themeElements>
-    <a:clrScheme name="Escritório">
+    <a:clrScheme name="Concurso">
       <a:dk1>
         <a:sysClr val="windowText" lastClr="000000"/>
       </a:dk1>
@@ -8622,79 +10171,45 @@
         <a:sysClr val="window" lastClr="FFFFFF"/>
       </a:lt1>
       <a:dk2>
-        <a:srgbClr val="1F497D"/>
+        <a:srgbClr val="464646"/>
       </a:dk2>
       <a:lt2>
-        <a:srgbClr val="EEECE1"/>
+        <a:srgbClr val="DEF5FA"/>
       </a:lt2>
       <a:accent1>
-        <a:srgbClr val="4F81BD"/>
+        <a:srgbClr val="2DA2BF"/>
       </a:accent1>
       <a:accent2>
-        <a:srgbClr val="C0504D"/>
+        <a:srgbClr val="DA1F28"/>
       </a:accent2>
       <a:accent3>
-        <a:srgbClr val="9BBB59"/>
+        <a:srgbClr val="EB641B"/>
       </a:accent3>
       <a:accent4>
-        <a:srgbClr val="8064A2"/>
+        <a:srgbClr val="39639D"/>
       </a:accent4>
       <a:accent5>
-        <a:srgbClr val="4BACC6"/>
+        <a:srgbClr val="474B78"/>
       </a:accent5>
       <a:accent6>
-        <a:srgbClr val="F79646"/>
+        <a:srgbClr val="7D3C4A"/>
       </a:accent6>
       <a:hlink>
-        <a:srgbClr val="0000FF"/>
+        <a:srgbClr val="FF8119"/>
       </a:hlink>
       <a:folHlink>
-        <a:srgbClr val="800080"/>
+        <a:srgbClr val="44B9E8"/>
       </a:folHlink>
     </a:clrScheme>
-    <a:fontScheme name="Escritório">
+    <a:fontScheme name="Concurso">
       <a:majorFont>
-        <a:latin typeface="Calibri"/>
+        <a:latin typeface="Lucida Sans Unicode"/>
         <a:ea typeface=""/>
         <a:cs typeface=""/>
         <a:font script="Jpan" typeface="ＭＳ Ｐゴシック"/>
         <a:font script="Hang" typeface="맑은 고딕"/>
-        <a:font script="Hans" typeface="宋体"/>
-        <a:font script="Hant" typeface="新細明體"/>
-        <a:font script="Arab" typeface="Times New Roman"/>
-        <a:font script="Hebr" typeface="Times New Roman"/>
-        <a:font script="Thai" typeface="Angsana New"/>
-        <a:font script="Ethi" typeface="Nyala"/>
-        <a:font script="Beng" typeface="Vrinda"/>
-        <a:font script="Gujr" typeface="Shruti"/>
-        <a:font script="Khmr" typeface="MoolBoran"/>
-        <a:font script="Knda" typeface="Tunga"/>
-        <a:font script="Guru" typeface="Raavi"/>
-        <a:font script="Cans" typeface="Euphemia"/>
-        <a:font script="Cher" typeface="Plantagenet Cherokee"/>
-        <a:font script="Yiii" typeface="Microsoft Yi Baiti"/>
-        <a:font script="Tibt" typeface="Microsoft Himalaya"/>
-        <a:font script="Thaa" typeface="MV Boli"/>
-        <a:font script="Deva" typeface="Mangal"/>
-        <a:font script="Telu" typeface="Gautami"/>
-        <a:font script="Taml" typeface="Latha"/>
-        <a:font script="Syrc" typeface="Estrangelo Edessa"/>
-        <a:font script="Orya" typeface="Kalinga"/>
-        <a:font script="Mlym" typeface="Kartika"/>
-        <a:font script="Laoo" typeface="DokChampa"/>
-        <a:font script="Sinh" typeface="Iskoola Pota"/>
-        <a:font script="Mong" typeface="Mongolian Baiti"/>
-        <a:font script="Viet" typeface="Times New Roman"/>
-        <a:font script="Uigh" typeface="Microsoft Uighur"/>
-      </a:majorFont>
-      <a:minorFont>
-        <a:latin typeface="Calibri"/>
-        <a:ea typeface=""/>
-        <a:cs typeface=""/>
-        <a:font script="Jpan" typeface="ＭＳ Ｐゴシック"/>
-        <a:font script="Hang" typeface="맑은 고딕"/>
-        <a:font script="Hans" typeface="宋体"/>
-        <a:font script="Hant" typeface="新細明體"/>
+        <a:font script="Hans" typeface="黑体"/>
+        <a:font script="Hant" typeface="微軟正黑體"/>
         <a:font script="Arab" typeface="Arial"/>
         <a:font script="Hebr" typeface="Arial"/>
         <a:font script="Thai" typeface="Cordia New"/>
@@ -8718,11 +10233,43 @@
         <a:font script="Laoo" typeface="DokChampa"/>
         <a:font script="Sinh" typeface="Iskoola Pota"/>
         <a:font script="Mong" typeface="Mongolian Baiti"/>
-        <a:font script="Viet" typeface="Arial"/>
+        <a:font script="Uigh" typeface="Microsoft Uighur"/>
+      </a:majorFont>
+      <a:minorFont>
+        <a:latin typeface="Lucida Sans Unicode"/>
+        <a:ea typeface=""/>
+        <a:cs typeface=""/>
+        <a:font script="Jpan" typeface="ＭＳ Ｐゴシック"/>
+        <a:font script="Hang" typeface="맑은 고딕"/>
+        <a:font script="Hans" typeface="黑体"/>
+        <a:font script="Hant" typeface="微軟正黑體"/>
+        <a:font script="Arab" typeface="Arial"/>
+        <a:font script="Hebr" typeface="Arial"/>
+        <a:font script="Thai" typeface="Cordia New"/>
+        <a:font script="Ethi" typeface="Nyala"/>
+        <a:font script="Beng" typeface="Vrinda"/>
+        <a:font script="Gujr" typeface="Shruti"/>
+        <a:font script="Khmr" typeface="DaunPenh"/>
+        <a:font script="Knda" typeface="Tunga"/>
+        <a:font script="Guru" typeface="Raavi"/>
+        <a:font script="Cans" typeface="Euphemia"/>
+        <a:font script="Cher" typeface="Plantagenet Cherokee"/>
+        <a:font script="Yiii" typeface="Microsoft Yi Baiti"/>
+        <a:font script="Tibt" typeface="Microsoft Himalaya"/>
+        <a:font script="Thaa" typeface="MV Boli"/>
+        <a:font script="Deva" typeface="Mangal"/>
+        <a:font script="Telu" typeface="Gautami"/>
+        <a:font script="Taml" typeface="Latha"/>
+        <a:font script="Syrc" typeface="Estrangelo Edessa"/>
+        <a:font script="Orya" typeface="Kalinga"/>
+        <a:font script="Mlym" typeface="Kartika"/>
+        <a:font script="Laoo" typeface="DokChampa"/>
+        <a:font script="Sinh" typeface="Iskoola Pota"/>
+        <a:font script="Mong" typeface="Mongolian Baiti"/>
         <a:font script="Uigh" typeface="Microsoft Uighur"/>
       </a:minorFont>
     </a:fontScheme>
-    <a:fmtScheme name="Escritório">
+    <a:fmtScheme name="Concurso">
       <a:fillStyleLst>
         <a:solidFill>
           <a:schemeClr val="phClr"/>
@@ -8731,43 +10278,51 @@
           <a:gsLst>
             <a:gs pos="0">
               <a:schemeClr val="phClr">
-                <a:tint val="50000"/>
-                <a:satMod val="300000"/>
+                <a:tint val="62000"/>
+                <a:satMod val="180000"/>
               </a:schemeClr>
             </a:gs>
-            <a:gs pos="35000">
+            <a:gs pos="65000">
               <a:schemeClr val="phClr">
-                <a:tint val="37000"/>
-                <a:satMod val="300000"/>
+                <a:tint val="32000"/>
+                <a:satMod val="250000"/>
               </a:schemeClr>
             </a:gs>
             <a:gs pos="100000">
               <a:schemeClr val="phClr">
-                <a:tint val="15000"/>
-                <a:satMod val="350000"/>
+                <a:tint val="23000"/>
+                <a:satMod val="300000"/>
               </a:schemeClr>
             </a:gs>
           </a:gsLst>
-          <a:lin ang="16200000" scaled="1"/>
+          <a:lin ang="16200000" scaled="0"/>
         </a:gradFill>
         <a:gradFill rotWithShape="1">
           <a:gsLst>
             <a:gs pos="0">
               <a:schemeClr val="phClr">
-                <a:shade val="51000"/>
-                <a:satMod val="130000"/>
+                <a:shade val="15000"/>
+                <a:satMod val="180000"/>
               </a:schemeClr>
             </a:gs>
-            <a:gs pos="80000">
+            <a:gs pos="50000">
               <a:schemeClr val="phClr">
-                <a:shade val="93000"/>
-                <a:satMod val="130000"/>
+                <a:shade val="45000"/>
+                <a:satMod val="170000"/>
+              </a:schemeClr>
+            </a:gs>
+            <a:gs pos="70000">
+              <a:schemeClr val="phClr">
+                <a:tint val="99000"/>
+                <a:shade val="65000"/>
+                <a:satMod val="155000"/>
               </a:schemeClr>
             </a:gs>
             <a:gs pos="100000">
               <a:schemeClr val="phClr">
-                <a:shade val="94000"/>
-                <a:satMod val="135000"/>
+                <a:tint val="95500"/>
+                <a:shade val="100000"/>
+                <a:satMod val="155000"/>
               </a:schemeClr>
             </a:gs>
           </a:gsLst>
@@ -8777,20 +10332,17 @@
       <a:lnStyleLst>
         <a:ln w="9525" cap="flat" cmpd="sng" algn="ctr">
           <a:solidFill>
-            <a:schemeClr val="phClr">
-              <a:shade val="95000"/>
-              <a:satMod val="105000"/>
-            </a:schemeClr>
+            <a:schemeClr val="phClr"/>
           </a:solidFill>
           <a:prstDash val="solid"/>
         </a:ln>
-        <a:ln w="25400" cap="flat" cmpd="sng" algn="ctr">
+        <a:ln w="55000" cap="flat" cmpd="thickThin" algn="ctr">
           <a:solidFill>
             <a:schemeClr val="phClr"/>
           </a:solidFill>
           <a:prstDash val="solid"/>
         </a:ln>
-        <a:ln w="38100" cap="flat" cmpd="sng" algn="ctr">
+        <a:ln w="63500" cap="flat" cmpd="thickThin" algn="ctr">
           <a:solidFill>
             <a:schemeClr val="phClr"/>
           </a:solidFill>
@@ -8800,16 +10352,7 @@
       <a:effectStyleLst>
         <a:effectStyle>
           <a:effectLst>
-            <a:outerShdw blurRad="40000" dist="20000" dir="5400000" rotWithShape="0">
-              <a:srgbClr val="000000">
-                <a:alpha val="38000"/>
-              </a:srgbClr>
-            </a:outerShdw>
-          </a:effectLst>
-        </a:effectStyle>
-        <a:effectStyle>
-          <a:effectLst>
-            <a:outerShdw blurRad="40000" dist="23000" dir="5400000" rotWithShape="0">
+            <a:outerShdw blurRad="50800" dist="38100" dir="5400000" rotWithShape="0">
               <a:srgbClr val="000000">
                 <a:alpha val="35000"/>
               </a:srgbClr>
@@ -8818,22 +10361,36 @@
         </a:effectStyle>
         <a:effectStyle>
           <a:effectLst>
-            <a:outerShdw blurRad="40000" dist="23000" dir="5400000" rotWithShape="0">
+            <a:outerShdw blurRad="50800" dist="38100" dir="5400000" rotWithShape="0">
               <a:srgbClr val="000000">
                 <a:alpha val="35000"/>
               </a:srgbClr>
             </a:outerShdw>
           </a:effectLst>
+        </a:effectStyle>
+        <a:effectStyle>
+          <a:effectLst>
+            <a:outerShdw blurRad="63500" dist="38100" dir="5400000" rotWithShape="0">
+              <a:srgbClr val="000000">
+                <a:alpha val="45000"/>
+              </a:srgbClr>
+            </a:outerShdw>
+          </a:effectLst>
           <a:scene3d>
-            <a:camera prst="orthographicFront">
+            <a:camera prst="orthographicFront" fov="0">
               <a:rot lat="0" lon="0" rev="0"/>
             </a:camera>
-            <a:lightRig rig="threePt" dir="t">
-              <a:rot lat="0" lon="0" rev="1200000"/>
+            <a:lightRig rig="glow" dir="t">
+              <a:rot lat="0" lon="0" rev="6360000"/>
             </a:lightRig>
           </a:scene3d>
-          <a:sp3d>
-            <a:bevelT w="63500" h="25400"/>
+          <a:sp3d contourW="1000" prstMaterial="flat">
+            <a:bevelT w="95250" h="101600"/>
+            <a:contourClr>
+              <a:schemeClr val="phClr">
+                <a:satMod val="300000"/>
+              </a:schemeClr>
+            </a:contourClr>
           </a:sp3d>
         </a:effectStyle>
       </a:effectStyleLst>
@@ -8845,47 +10402,41 @@
           <a:gsLst>
             <a:gs pos="0">
               <a:schemeClr val="phClr">
-                <a:tint val="40000"/>
-                <a:satMod val="350000"/>
+                <a:tint val="55000"/>
+                <a:satMod val="300000"/>
               </a:schemeClr>
             </a:gs>
             <a:gs pos="40000">
               <a:schemeClr val="phClr">
-                <a:tint val="45000"/>
-                <a:shade val="99000"/>
-                <a:satMod val="350000"/>
-              </a:schemeClr>
-            </a:gs>
-            <a:gs pos="100000">
-              <a:schemeClr val="phClr">
-                <a:shade val="20000"/>
-                <a:satMod val="255000"/>
-              </a:schemeClr>
-            </a:gs>
-          </a:gsLst>
-          <a:path path="circle">
-            <a:fillToRect l="50000" t="-80000" r="50000" b="180000"/>
-          </a:path>
-        </a:gradFill>
-        <a:gradFill rotWithShape="1">
-          <a:gsLst>
-            <a:gs pos="0">
-              <a:schemeClr val="phClr">
-                <a:tint val="80000"/>
+                <a:tint val="65000"/>
                 <a:satMod val="300000"/>
               </a:schemeClr>
             </a:gs>
             <a:gs pos="100000">
               <a:schemeClr val="phClr">
-                <a:shade val="30000"/>
-                <a:satMod val="200000"/>
+                <a:shade val="65000"/>
+                <a:satMod val="300000"/>
               </a:schemeClr>
             </a:gs>
           </a:gsLst>
           <a:path path="circle">
-            <a:fillToRect l="50000" t="50000" r="50000" b="50000"/>
+            <a:fillToRect l="65000" b="98000"/>
           </a:path>
         </a:gradFill>
+        <a:blipFill>
+          <a:blip xmlns:r="http://schemas.openxmlformats.org/officeDocument/2006/relationships" r:embed="rId1">
+            <a:duotone>
+              <a:schemeClr val="phClr">
+                <a:shade val="60000"/>
+                <a:satMod val="110000"/>
+              </a:schemeClr>
+              <a:schemeClr val="phClr">
+                <a:tint val="95000"/>
+              </a:schemeClr>
+            </a:duotone>
+          </a:blip>
+          <a:tile tx="0" ty="0" sx="50000" sy="50000" flip="none" algn="tl"/>
+        </a:blipFill>
       </a:bgFillStyleLst>
     </a:fmtScheme>
   </a:themeElements>
